--- a/docs/science_truth_honesty.pptx
+++ b/docs/science_truth_honesty.pptx
@@ -4,6 +4,9 @@
   <p:sldMasterIdLst>
     <p:sldMasterId id="2147483648" r:id="rId4"/>
   </p:sldMasterIdLst>
+  <p:notesMasterIdLst>
+    <p:notesMasterId r:id="rId54"/>
+  </p:notesMasterIdLst>
   <p:sldIdLst>
     <p:sldId id="256" r:id="rId5"/>
     <p:sldId id="257" r:id="rId6"/>
@@ -160,12 +163,438 @@
 </p:presentation>
 </file>
 
-<file path=ppt/revisionInfo.xml><?xml version="1.0" encoding="utf-8"?>
-<p1510:revInfo xmlns:a="http://schemas.openxmlformats.org/drawingml/2006/main" xmlns:r="http://schemas.openxmlformats.org/officeDocument/2006/relationships" xmlns:p1510="http://schemas.microsoft.com/office/powerpoint/2015/10/main">
-  <p1510:revLst>
-    <p1510:client id="{1933BEA6-93BA-466E-829F-6AC622947F3E}" v="20" dt="2023-01-16T14:46:57.641"/>
-  </p1510:revLst>
-</p1510:revInfo>
+<file path=ppt/notesMasters/notesMaster1.xml><?xml version="1.0" encoding="utf-8"?>
+<p:notesMaster xmlns:a="http://schemas.openxmlformats.org/drawingml/2006/main" xmlns:r="http://schemas.openxmlformats.org/officeDocument/2006/relationships" xmlns:p="http://schemas.openxmlformats.org/presentationml/2006/main">
+  <p:cSld>
+    <p:bg>
+      <p:bgRef idx="1001">
+        <a:schemeClr val="bg1"/>
+      </p:bgRef>
+    </p:bg>
+    <p:spTree>
+      <p:nvGrpSpPr>
+        <p:cNvPr id="1" name=""/>
+        <p:cNvGrpSpPr/>
+        <p:nvPr/>
+      </p:nvGrpSpPr>
+      <p:grpSpPr>
+        <a:xfrm>
+          <a:off x="0" y="0"/>
+          <a:ext cx="0" cy="0"/>
+          <a:chOff x="0" y="0"/>
+          <a:chExt cx="0" cy="0"/>
+        </a:xfrm>
+      </p:grpSpPr>
+      <p:sp>
+        <p:nvSpPr>
+          <p:cNvPr id="2" name="Header Placeholder 1"/>
+          <p:cNvSpPr>
+            <a:spLocks noGrp="1"/>
+          </p:cNvSpPr>
+          <p:nvPr>
+            <p:ph type="hdr" sz="quarter"/>
+          </p:nvPr>
+        </p:nvSpPr>
+        <p:spPr>
+          <a:xfrm>
+            <a:off x="0" y="0"/>
+            <a:ext cx="2971800" cy="458788"/>
+          </a:xfrm>
+          <a:prstGeom prst="rect">
+            <a:avLst/>
+          </a:prstGeom>
+        </p:spPr>
+        <p:txBody>
+          <a:bodyPr vert="horz" lIns="91440" tIns="45720" rIns="91440" bIns="45720" rtlCol="0"/>
+          <a:lstStyle>
+            <a:lvl1pPr algn="l">
+              <a:defRPr sz="1200"/>
+            </a:lvl1pPr>
+          </a:lstStyle>
+          <a:p>
+            <a:endParaRPr lang="en-US"/>
+          </a:p>
+        </p:txBody>
+      </p:sp>
+      <p:sp>
+        <p:nvSpPr>
+          <p:cNvPr id="3" name="Date Placeholder 2"/>
+          <p:cNvSpPr>
+            <a:spLocks noGrp="1"/>
+          </p:cNvSpPr>
+          <p:nvPr>
+            <p:ph type="dt" idx="1"/>
+          </p:nvPr>
+        </p:nvSpPr>
+        <p:spPr>
+          <a:xfrm>
+            <a:off x="3884613" y="0"/>
+            <a:ext cx="2971800" cy="458788"/>
+          </a:xfrm>
+          <a:prstGeom prst="rect">
+            <a:avLst/>
+          </a:prstGeom>
+        </p:spPr>
+        <p:txBody>
+          <a:bodyPr vert="horz" lIns="91440" tIns="45720" rIns="91440" bIns="45720" rtlCol="0"/>
+          <a:lstStyle>
+            <a:lvl1pPr algn="r">
+              <a:defRPr sz="1200"/>
+            </a:lvl1pPr>
+          </a:lstStyle>
+          <a:p>
+            <a:fld id="{826BC068-B3EF-7345-960E-EBD1BBF6ABD5}" type="datetimeFigureOut">
+              <a:rPr lang="en-US" smtClean="0"/>
+              <a:t>1/12/24</a:t>
+            </a:fld>
+            <a:endParaRPr lang="en-US"/>
+          </a:p>
+        </p:txBody>
+      </p:sp>
+      <p:sp>
+        <p:nvSpPr>
+          <p:cNvPr id="4" name="Slide Image Placeholder 3"/>
+          <p:cNvSpPr>
+            <a:spLocks noGrp="1" noRot="1" noChangeAspect="1"/>
+          </p:cNvSpPr>
+          <p:nvPr>
+            <p:ph type="sldImg" idx="2"/>
+          </p:nvPr>
+        </p:nvSpPr>
+        <p:spPr>
+          <a:xfrm>
+            <a:off x="685800" y="1143000"/>
+            <a:ext cx="5486400" cy="3086100"/>
+          </a:xfrm>
+          <a:prstGeom prst="rect">
+            <a:avLst/>
+          </a:prstGeom>
+          <a:noFill/>
+          <a:ln w="12700">
+            <a:solidFill>
+              <a:prstClr val="black"/>
+            </a:solidFill>
+          </a:ln>
+        </p:spPr>
+        <p:txBody>
+          <a:bodyPr vert="horz" lIns="91440" tIns="45720" rIns="91440" bIns="45720" rtlCol="0" anchor="ctr"/>
+          <a:lstStyle/>
+          <a:p>
+            <a:endParaRPr lang="en-US"/>
+          </a:p>
+        </p:txBody>
+      </p:sp>
+      <p:sp>
+        <p:nvSpPr>
+          <p:cNvPr id="5" name="Notes Placeholder 4"/>
+          <p:cNvSpPr>
+            <a:spLocks noGrp="1"/>
+          </p:cNvSpPr>
+          <p:nvPr>
+            <p:ph type="body" sz="quarter" idx="3"/>
+          </p:nvPr>
+        </p:nvSpPr>
+        <p:spPr>
+          <a:xfrm>
+            <a:off x="685800" y="4400550"/>
+            <a:ext cx="5486400" cy="3600450"/>
+          </a:xfrm>
+          <a:prstGeom prst="rect">
+            <a:avLst/>
+          </a:prstGeom>
+        </p:spPr>
+        <p:txBody>
+          <a:bodyPr vert="horz" lIns="91440" tIns="45720" rIns="91440" bIns="45720" rtlCol="0"/>
+          <a:lstStyle/>
+          <a:p>
+            <a:pPr lvl="0"/>
+            <a:r>
+              <a:rPr lang="en-GB"/>
+              <a:t>Click to edit Master text styles</a:t>
+            </a:r>
+          </a:p>
+          <a:p>
+            <a:pPr lvl="1"/>
+            <a:r>
+              <a:rPr lang="en-GB"/>
+              <a:t>Second level</a:t>
+            </a:r>
+          </a:p>
+          <a:p>
+            <a:pPr lvl="2"/>
+            <a:r>
+              <a:rPr lang="en-GB"/>
+              <a:t>Third level</a:t>
+            </a:r>
+          </a:p>
+          <a:p>
+            <a:pPr lvl="3"/>
+            <a:r>
+              <a:rPr lang="en-GB"/>
+              <a:t>Fourth level</a:t>
+            </a:r>
+          </a:p>
+          <a:p>
+            <a:pPr lvl="4"/>
+            <a:r>
+              <a:rPr lang="en-GB"/>
+              <a:t>Fifth level</a:t>
+            </a:r>
+            <a:endParaRPr lang="en-US"/>
+          </a:p>
+        </p:txBody>
+      </p:sp>
+      <p:sp>
+        <p:nvSpPr>
+          <p:cNvPr id="6" name="Footer Placeholder 5"/>
+          <p:cNvSpPr>
+            <a:spLocks noGrp="1"/>
+          </p:cNvSpPr>
+          <p:nvPr>
+            <p:ph type="ftr" sz="quarter" idx="4"/>
+          </p:nvPr>
+        </p:nvSpPr>
+        <p:spPr>
+          <a:xfrm>
+            <a:off x="0" y="8685213"/>
+            <a:ext cx="2971800" cy="458787"/>
+          </a:xfrm>
+          <a:prstGeom prst="rect">
+            <a:avLst/>
+          </a:prstGeom>
+        </p:spPr>
+        <p:txBody>
+          <a:bodyPr vert="horz" lIns="91440" tIns="45720" rIns="91440" bIns="45720" rtlCol="0" anchor="b"/>
+          <a:lstStyle>
+            <a:lvl1pPr algn="l">
+              <a:defRPr sz="1200"/>
+            </a:lvl1pPr>
+          </a:lstStyle>
+          <a:p>
+            <a:endParaRPr lang="en-US"/>
+          </a:p>
+        </p:txBody>
+      </p:sp>
+      <p:sp>
+        <p:nvSpPr>
+          <p:cNvPr id="7" name="Slide Number Placeholder 6"/>
+          <p:cNvSpPr>
+            <a:spLocks noGrp="1"/>
+          </p:cNvSpPr>
+          <p:nvPr>
+            <p:ph type="sldNum" sz="quarter" idx="5"/>
+          </p:nvPr>
+        </p:nvSpPr>
+        <p:spPr>
+          <a:xfrm>
+            <a:off x="3884613" y="8685213"/>
+            <a:ext cx="2971800" cy="458787"/>
+          </a:xfrm>
+          <a:prstGeom prst="rect">
+            <a:avLst/>
+          </a:prstGeom>
+        </p:spPr>
+        <p:txBody>
+          <a:bodyPr vert="horz" lIns="91440" tIns="45720" rIns="91440" bIns="45720" rtlCol="0" anchor="b"/>
+          <a:lstStyle>
+            <a:lvl1pPr algn="r">
+              <a:defRPr sz="1200"/>
+            </a:lvl1pPr>
+          </a:lstStyle>
+          <a:p>
+            <a:fld id="{D88706E4-7558-4843-BB5D-2D69FE049A57}" type="slidenum">
+              <a:rPr lang="en-US" smtClean="0"/>
+              <a:t>‹#›</a:t>
+            </a:fld>
+            <a:endParaRPr lang="en-US"/>
+          </a:p>
+        </p:txBody>
+      </p:sp>
+    </p:spTree>
+    <p:extLst>
+      <p:ext uri="{BB962C8B-B14F-4D97-AF65-F5344CB8AC3E}">
+        <p14:creationId xmlns:p14="http://schemas.microsoft.com/office/powerpoint/2010/main" val="937686173"/>
+      </p:ext>
+    </p:extLst>
+  </p:cSld>
+  <p:clrMap bg1="lt1" tx1="dk1" bg2="lt2" tx2="dk2" accent1="accent1" accent2="accent2" accent3="accent3" accent4="accent4" accent5="accent5" accent6="accent6" hlink="hlink" folHlink="folHlink"/>
+  <p:notesStyle>
+    <a:lvl1pPr marL="0" algn="l" defTabSz="914400" rtl="0" eaLnBrk="1" latinLnBrk="0" hangingPunct="1">
+      <a:defRPr sz="1200" kern="1200">
+        <a:solidFill>
+          <a:schemeClr val="tx1"/>
+        </a:solidFill>
+        <a:latin typeface="+mn-lt"/>
+        <a:ea typeface="+mn-ea"/>
+        <a:cs typeface="+mn-cs"/>
+      </a:defRPr>
+    </a:lvl1pPr>
+    <a:lvl2pPr marL="457200" algn="l" defTabSz="914400" rtl="0" eaLnBrk="1" latinLnBrk="0" hangingPunct="1">
+      <a:defRPr sz="1200" kern="1200">
+        <a:solidFill>
+          <a:schemeClr val="tx1"/>
+        </a:solidFill>
+        <a:latin typeface="+mn-lt"/>
+        <a:ea typeface="+mn-ea"/>
+        <a:cs typeface="+mn-cs"/>
+      </a:defRPr>
+    </a:lvl2pPr>
+    <a:lvl3pPr marL="914400" algn="l" defTabSz="914400" rtl="0" eaLnBrk="1" latinLnBrk="0" hangingPunct="1">
+      <a:defRPr sz="1200" kern="1200">
+        <a:solidFill>
+          <a:schemeClr val="tx1"/>
+        </a:solidFill>
+        <a:latin typeface="+mn-lt"/>
+        <a:ea typeface="+mn-ea"/>
+        <a:cs typeface="+mn-cs"/>
+      </a:defRPr>
+    </a:lvl3pPr>
+    <a:lvl4pPr marL="1371600" algn="l" defTabSz="914400" rtl="0" eaLnBrk="1" latinLnBrk="0" hangingPunct="1">
+      <a:defRPr sz="1200" kern="1200">
+        <a:solidFill>
+          <a:schemeClr val="tx1"/>
+        </a:solidFill>
+        <a:latin typeface="+mn-lt"/>
+        <a:ea typeface="+mn-ea"/>
+        <a:cs typeface="+mn-cs"/>
+      </a:defRPr>
+    </a:lvl4pPr>
+    <a:lvl5pPr marL="1828800" algn="l" defTabSz="914400" rtl="0" eaLnBrk="1" latinLnBrk="0" hangingPunct="1">
+      <a:defRPr sz="1200" kern="1200">
+        <a:solidFill>
+          <a:schemeClr val="tx1"/>
+        </a:solidFill>
+        <a:latin typeface="+mn-lt"/>
+        <a:ea typeface="+mn-ea"/>
+        <a:cs typeface="+mn-cs"/>
+      </a:defRPr>
+    </a:lvl5pPr>
+    <a:lvl6pPr marL="2286000" algn="l" defTabSz="914400" rtl="0" eaLnBrk="1" latinLnBrk="0" hangingPunct="1">
+      <a:defRPr sz="1200" kern="1200">
+        <a:solidFill>
+          <a:schemeClr val="tx1"/>
+        </a:solidFill>
+        <a:latin typeface="+mn-lt"/>
+        <a:ea typeface="+mn-ea"/>
+        <a:cs typeface="+mn-cs"/>
+      </a:defRPr>
+    </a:lvl6pPr>
+    <a:lvl7pPr marL="2743200" algn="l" defTabSz="914400" rtl="0" eaLnBrk="1" latinLnBrk="0" hangingPunct="1">
+      <a:defRPr sz="1200" kern="1200">
+        <a:solidFill>
+          <a:schemeClr val="tx1"/>
+        </a:solidFill>
+        <a:latin typeface="+mn-lt"/>
+        <a:ea typeface="+mn-ea"/>
+        <a:cs typeface="+mn-cs"/>
+      </a:defRPr>
+    </a:lvl7pPr>
+    <a:lvl8pPr marL="3200400" algn="l" defTabSz="914400" rtl="0" eaLnBrk="1" latinLnBrk="0" hangingPunct="1">
+      <a:defRPr sz="1200" kern="1200">
+        <a:solidFill>
+          <a:schemeClr val="tx1"/>
+        </a:solidFill>
+        <a:latin typeface="+mn-lt"/>
+        <a:ea typeface="+mn-ea"/>
+        <a:cs typeface="+mn-cs"/>
+      </a:defRPr>
+    </a:lvl8pPr>
+    <a:lvl9pPr marL="3657600" algn="l" defTabSz="914400" rtl="0" eaLnBrk="1" latinLnBrk="0" hangingPunct="1">
+      <a:defRPr sz="1200" kern="1200">
+        <a:solidFill>
+          <a:schemeClr val="tx1"/>
+        </a:solidFill>
+        <a:latin typeface="+mn-lt"/>
+        <a:ea typeface="+mn-ea"/>
+        <a:cs typeface="+mn-cs"/>
+      </a:defRPr>
+    </a:lvl9pPr>
+  </p:notesStyle>
+</p:notesMaster>
+</file>
+
+<file path=ppt/notesSlides/notesSlide1.xml><?xml version="1.0" encoding="utf-8"?>
+<p:notes xmlns:a="http://schemas.openxmlformats.org/drawingml/2006/main" xmlns:r="http://schemas.openxmlformats.org/officeDocument/2006/relationships" xmlns:p="http://schemas.openxmlformats.org/presentationml/2006/main">
+  <p:cSld>
+    <p:spTree>
+      <p:nvGrpSpPr>
+        <p:cNvPr id="1" name=""/>
+        <p:cNvGrpSpPr/>
+        <p:nvPr/>
+      </p:nvGrpSpPr>
+      <p:grpSpPr>
+        <a:xfrm>
+          <a:off x="0" y="0"/>
+          <a:ext cx="0" cy="0"/>
+          <a:chOff x="0" y="0"/>
+          <a:chExt cx="0" cy="0"/>
+        </a:xfrm>
+      </p:grpSpPr>
+      <p:sp>
+        <p:nvSpPr>
+          <p:cNvPr id="2" name="Slide Image Placeholder 1"/>
+          <p:cNvSpPr>
+            <a:spLocks noGrp="1" noRot="1" noChangeAspect="1"/>
+          </p:cNvSpPr>
+          <p:nvPr>
+            <p:ph type="sldImg"/>
+          </p:nvPr>
+        </p:nvSpPr>
+        <p:spPr/>
+      </p:sp>
+      <p:sp>
+        <p:nvSpPr>
+          <p:cNvPr id="3" name="Notes Placeholder 2"/>
+          <p:cNvSpPr>
+            <a:spLocks noGrp="1"/>
+          </p:cNvSpPr>
+          <p:nvPr>
+            <p:ph type="body" idx="1"/>
+          </p:nvPr>
+        </p:nvSpPr>
+        <p:spPr/>
+        <p:txBody>
+          <a:bodyPr/>
+          <a:lstStyle/>
+          <a:p>
+            <a:endParaRPr lang="en-US"/>
+          </a:p>
+        </p:txBody>
+      </p:sp>
+      <p:sp>
+        <p:nvSpPr>
+          <p:cNvPr id="4" name="Slide Number Placeholder 3"/>
+          <p:cNvSpPr>
+            <a:spLocks noGrp="1"/>
+          </p:cNvSpPr>
+          <p:nvPr>
+            <p:ph type="sldNum" sz="quarter" idx="5"/>
+          </p:nvPr>
+        </p:nvSpPr>
+        <p:spPr/>
+        <p:txBody>
+          <a:bodyPr/>
+          <a:lstStyle/>
+          <a:p>
+            <a:fld id="{D88706E4-7558-4843-BB5D-2D69FE049A57}" type="slidenum">
+              <a:rPr lang="en-US" smtClean="0"/>
+              <a:t>12</a:t>
+            </a:fld>
+            <a:endParaRPr lang="en-US"/>
+          </a:p>
+        </p:txBody>
+      </p:sp>
+    </p:spTree>
+    <p:extLst>
+      <p:ext uri="{BB962C8B-B14F-4D97-AF65-F5344CB8AC3E}">
+        <p14:creationId xmlns:p14="http://schemas.microsoft.com/office/powerpoint/2010/main" val="460165170"/>
+      </p:ext>
+    </p:extLst>
+  </p:cSld>
+  <p:clrMapOvr>
+    <a:masterClrMapping/>
+  </p:clrMapOvr>
+</p:notes>
 </file>
 
 <file path=ppt/slideLayouts/slideLayout1.xml><?xml version="1.0" encoding="utf-8"?>
@@ -299,7 +728,7 @@
           <a:p>
             <a:fld id="{E5C141C8-61DB-4198-9B79-C4369506D355}" type="datetimeFigureOut">
               <a:rPr lang="en-GB" smtClean="0"/>
-              <a:t>05/01/2024</a:t>
+              <a:t>12/01/2024</a:t>
             </a:fld>
             <a:endParaRPr lang="en-GB"/>
           </a:p>
@@ -469,7 +898,7 @@
           <a:p>
             <a:fld id="{E5C141C8-61DB-4198-9B79-C4369506D355}" type="datetimeFigureOut">
               <a:rPr lang="en-GB" smtClean="0"/>
-              <a:t>05/01/2024</a:t>
+              <a:t>12/01/2024</a:t>
             </a:fld>
             <a:endParaRPr lang="en-GB"/>
           </a:p>
@@ -649,7 +1078,7 @@
           <a:p>
             <a:fld id="{E5C141C8-61DB-4198-9B79-C4369506D355}" type="datetimeFigureOut">
               <a:rPr lang="en-GB" smtClean="0"/>
-              <a:t>05/01/2024</a:t>
+              <a:t>12/01/2024</a:t>
             </a:fld>
             <a:endParaRPr lang="en-GB"/>
           </a:p>
@@ -819,7 +1248,7 @@
           <a:p>
             <a:fld id="{E5C141C8-61DB-4198-9B79-C4369506D355}" type="datetimeFigureOut">
               <a:rPr lang="en-GB" smtClean="0"/>
-              <a:t>05/01/2024</a:t>
+              <a:t>12/01/2024</a:t>
             </a:fld>
             <a:endParaRPr lang="en-GB"/>
           </a:p>
@@ -1065,7 +1494,7 @@
           <a:p>
             <a:fld id="{E5C141C8-61DB-4198-9B79-C4369506D355}" type="datetimeFigureOut">
               <a:rPr lang="en-GB" smtClean="0"/>
-              <a:t>05/01/2024</a:t>
+              <a:t>12/01/2024</a:t>
             </a:fld>
             <a:endParaRPr lang="en-GB"/>
           </a:p>
@@ -1297,7 +1726,7 @@
           <a:p>
             <a:fld id="{E5C141C8-61DB-4198-9B79-C4369506D355}" type="datetimeFigureOut">
               <a:rPr lang="en-GB" smtClean="0"/>
-              <a:t>05/01/2024</a:t>
+              <a:t>12/01/2024</a:t>
             </a:fld>
             <a:endParaRPr lang="en-GB"/>
           </a:p>
@@ -1664,7 +2093,7 @@
           <a:p>
             <a:fld id="{E5C141C8-61DB-4198-9B79-C4369506D355}" type="datetimeFigureOut">
               <a:rPr lang="en-GB" smtClean="0"/>
-              <a:t>05/01/2024</a:t>
+              <a:t>12/01/2024</a:t>
             </a:fld>
             <a:endParaRPr lang="en-GB"/>
           </a:p>
@@ -1782,7 +2211,7 @@
           <a:p>
             <a:fld id="{E5C141C8-61DB-4198-9B79-C4369506D355}" type="datetimeFigureOut">
               <a:rPr lang="en-GB" smtClean="0"/>
-              <a:t>05/01/2024</a:t>
+              <a:t>12/01/2024</a:t>
             </a:fld>
             <a:endParaRPr lang="en-GB"/>
           </a:p>
@@ -1877,7 +2306,7 @@
           <a:p>
             <a:fld id="{E5C141C8-61DB-4198-9B79-C4369506D355}" type="datetimeFigureOut">
               <a:rPr lang="en-GB" smtClean="0"/>
-              <a:t>05/01/2024</a:t>
+              <a:t>12/01/2024</a:t>
             </a:fld>
             <a:endParaRPr lang="en-GB"/>
           </a:p>
@@ -2154,7 +2583,7 @@
           <a:p>
             <a:fld id="{E5C141C8-61DB-4198-9B79-C4369506D355}" type="datetimeFigureOut">
               <a:rPr lang="en-GB" smtClean="0"/>
-              <a:t>05/01/2024</a:t>
+              <a:t>12/01/2024</a:t>
             </a:fld>
             <a:endParaRPr lang="en-GB"/>
           </a:p>
@@ -2407,7 +2836,7 @@
           <a:p>
             <a:fld id="{E5C141C8-61DB-4198-9B79-C4369506D355}" type="datetimeFigureOut">
               <a:rPr lang="en-GB" smtClean="0"/>
-              <a:t>05/01/2024</a:t>
+              <a:t>12/01/2024</a:t>
             </a:fld>
             <a:endParaRPr lang="en-GB"/>
           </a:p>
@@ -2626,7 +3055,7 @@
           <a:p>
             <a:fld id="{E5C141C8-61DB-4198-9B79-C4369506D355}" type="datetimeFigureOut">
               <a:rPr lang="en-GB" smtClean="0"/>
-              <a:t>05/01/2024</a:t>
+              <a:t>12/01/2024</a:t>
             </a:fld>
             <a:endParaRPr lang="en-GB"/>
           </a:p>
@@ -4523,79 +4952,6 @@
           </a:p>
         </p:txBody>
       </p:sp>
-      <p:sp>
-        <p:nvSpPr>
-          <p:cNvPr id="7" name="TextBox 6"/>
-          <p:cNvSpPr txBox="1"/>
-          <p:nvPr/>
-        </p:nvSpPr>
-        <p:spPr>
-          <a:xfrm>
-            <a:off x="909637" y="5705753"/>
-            <a:ext cx="10372725" cy="1200329"/>
-          </a:xfrm>
-          <a:prstGeom prst="rect">
-            <a:avLst/>
-          </a:prstGeom>
-          <a:noFill/>
-        </p:spPr>
-        <p:txBody>
-          <a:bodyPr wrap="square" rtlCol="0">
-            <a:spAutoFit/>
-          </a:bodyPr>
-          <a:lstStyle/>
-          <a:p>
-            <a:r>
-              <a:rPr lang="en-GB" sz="2400" dirty="0">
-                <a:solidFill>
-                  <a:srgbClr val="FF0000"/>
-                </a:solidFill>
-              </a:rPr>
-              <a:t>Notice here that </a:t>
-            </a:r>
-            <a:r>
-              <a:rPr lang="en-GB" sz="4000" dirty="0">
-                <a:solidFill>
-                  <a:srgbClr val="FF0000"/>
-                </a:solidFill>
-              </a:rPr>
-              <a:t>theory</a:t>
-            </a:r>
-            <a:r>
-              <a:rPr lang="en-GB" sz="2400" dirty="0">
-                <a:solidFill>
-                  <a:srgbClr val="FF0000"/>
-                </a:solidFill>
-              </a:rPr>
-              <a:t> is </a:t>
-            </a:r>
-            <a:r>
-              <a:rPr lang="en-GB" sz="4000" dirty="0">
-                <a:solidFill>
-                  <a:srgbClr val="FF0000"/>
-                </a:solidFill>
-              </a:rPr>
-              <a:t>not</a:t>
-            </a:r>
-            <a:r>
-              <a:rPr lang="en-GB" sz="2400" dirty="0">
-                <a:solidFill>
-                  <a:srgbClr val="FF0000"/>
-                </a:solidFill>
-              </a:rPr>
-              <a:t> necessarily part of the scientific process. You can run the scientific method to establish an </a:t>
-            </a:r>
-            <a:r>
-              <a:rPr lang="en-GB" sz="3200" dirty="0">
-                <a:solidFill>
-                  <a:srgbClr val="FF0000"/>
-                </a:solidFill>
-              </a:rPr>
-              <a:t>observation</a:t>
-            </a:r>
-          </a:p>
-        </p:txBody>
-      </p:sp>
     </p:spTree>
     <p:extLst>
       <p:ext uri="{BB962C8B-B14F-4D97-AF65-F5344CB8AC3E}">
@@ -4749,51 +5105,6 @@
                       </p:childTnLst>
                     </p:cTn>
                   </p:par>
-                  <p:par>
-                    <p:cTn id="15" fill="hold">
-                      <p:stCondLst>
-                        <p:cond delay="indefinite"/>
-                      </p:stCondLst>
-                      <p:childTnLst>
-                        <p:par>
-                          <p:cTn id="16" fill="hold">
-                            <p:stCondLst>
-                              <p:cond delay="0"/>
-                            </p:stCondLst>
-                            <p:childTnLst>
-                              <p:par>
-                                <p:cTn id="17" presetID="1" presetClass="entr" presetSubtype="0" fill="hold" grpId="0" nodeType="clickEffect">
-                                  <p:stCondLst>
-                                    <p:cond delay="0"/>
-                                  </p:stCondLst>
-                                  <p:childTnLst>
-                                    <p:set>
-                                      <p:cBhvr>
-                                        <p:cTn id="18" dur="1" fill="hold">
-                                          <p:stCondLst>
-                                            <p:cond delay="0"/>
-                                          </p:stCondLst>
-                                        </p:cTn>
-                                        <p:tgtEl>
-                                          <p:spTgt spid="7"/>
-                                        </p:tgtEl>
-                                        <p:attrNameLst>
-                                          <p:attrName>style.visibility</p:attrName>
-                                        </p:attrNameLst>
-                                      </p:cBhvr>
-                                      <p:to>
-                                        <p:strVal val="visible"/>
-                                      </p:to>
-                                    </p:set>
-                                  </p:childTnLst>
-                                </p:cTn>
-                              </p:par>
-                            </p:childTnLst>
-                          </p:cTn>
-                        </p:par>
-                      </p:childTnLst>
-                    </p:cTn>
-                  </p:par>
                 </p:childTnLst>
               </p:cTn>
               <p:prevCondLst>
@@ -4819,7 +5130,6 @@
       <p:bldP spid="4" grpId="0"/>
       <p:bldP spid="5" grpId="0"/>
       <p:bldP spid="6" grpId="0"/>
-      <p:bldP spid="7" grpId="0"/>
     </p:bldLst>
   </p:timing>
 </p:sld>
@@ -5424,7 +5734,7 @@
             </a:pPr>
             <a:r>
               <a:rPr lang="en-GB" dirty="0"/>
-              <a:t>This provides a </a:t>
+              <a:t>This potentially provides a </a:t>
             </a:r>
             <a:r>
               <a:rPr lang="en-GB" u="sng" dirty="0"/>
@@ -5432,16 +5742,7 @@
             </a:r>
             <a:r>
               <a:rPr lang="en-GB" dirty="0"/>
-              <a:t> aspect to the scientific method.</a:t>
-            </a:r>
-          </a:p>
-          <a:p>
-            <a:pPr marL="0" indent="0">
-              <a:buNone/>
-            </a:pPr>
-            <a:r>
-              <a:rPr lang="en-GB" dirty="0"/>
-              <a:t>	Errors / misconduct are discovered by later scientists. </a:t>
+              <a:t> aspect to the scientific method. Errors / misconduct are discovered by later scientists. </a:t>
             </a:r>
           </a:p>
         </p:txBody>
@@ -5493,7 +5794,7 @@
           <a:p>
             <a:r>
               <a:rPr lang="en-GB" dirty="0"/>
-              <a:t>What the scientific method can (vs can’t) do</a:t>
+              <a:t>What the scientific method can (vs. can’t) do</a:t>
             </a:r>
           </a:p>
         </p:txBody>
@@ -5725,16 +6026,16 @@
             </a:pPr>
             <a:r>
               <a:rPr lang="en-GB" dirty="0"/>
-              <a:t>12 x 2 hour lectures 			</a:t>
-            </a:r>
-          </a:p>
-          <a:p>
-            <a:pPr marL="0" indent="0">
-              <a:buNone/>
-            </a:pPr>
-            <a:r>
-              <a:rPr lang="en-GB" dirty="0"/>
-              <a:t>12 x 1 hour workshops 	</a:t>
+              <a:t>11 x 2-hour lectures			</a:t>
+            </a:r>
+          </a:p>
+          <a:p>
+            <a:pPr marL="0" indent="0">
+              <a:buNone/>
+            </a:pPr>
+            <a:r>
+              <a:rPr lang="en-GB" dirty="0"/>
+              <a:t>10 x 1 hour workshops 	</a:t>
             </a:r>
           </a:p>
           <a:p>
@@ -5753,33 +6054,6 @@
             <a:r>
               <a:rPr lang="en-GB" dirty="0"/>
               <a:t>	</a:t>
-            </a:r>
-          </a:p>
-          <a:p>
-            <a:pPr marL="0" indent="0">
-              <a:buNone/>
-            </a:pPr>
-            <a:r>
-              <a:rPr lang="en-GB" dirty="0"/>
-              <a:t>Office hour support from staff teaching on module</a:t>
-            </a:r>
-          </a:p>
-          <a:p>
-            <a:pPr marL="0" indent="0">
-              <a:buNone/>
-            </a:pPr>
-            <a:r>
-              <a:rPr lang="en-GB" dirty="0"/>
-              <a:t>	Prof. Tim Hollins</a:t>
-            </a:r>
-          </a:p>
-          <a:p>
-            <a:pPr marL="0" indent="0">
-              <a:buNone/>
-            </a:pPr>
-            <a:r>
-              <a:rPr lang="en-GB" dirty="0"/>
-              <a:t>	Prof. Mark Tarrant</a:t>
             </a:r>
           </a:p>
           <a:p>
@@ -6237,25 +6511,7 @@
             </a:pPr>
             <a:r>
               <a:rPr lang="en-GB" dirty="0"/>
-              <a:t>	e.g. 	Ghosts are real. </a:t>
-            </a:r>
-          </a:p>
-          <a:p>
-            <a:pPr marL="0" indent="0">
-              <a:buNone/>
-            </a:pPr>
-            <a:r>
-              <a:rPr lang="en-GB" dirty="0"/>
-              <a:t>		Mind-reading works if you believe in it enough.</a:t>
-            </a:r>
-          </a:p>
-          <a:p>
-            <a:pPr marL="0" indent="0">
-              <a:buNone/>
-            </a:pPr>
-            <a:r>
-              <a:rPr lang="en-GB" dirty="0"/>
-              <a:t>		I will go to heaven if I’ve been good enough.  </a:t>
+              <a:t>	</a:t>
             </a:r>
           </a:p>
         </p:txBody>
@@ -6371,15 +6627,6 @@
             <a:pPr marL="0" indent="0">
               <a:buNone/>
             </a:pPr>
-            <a:r>
-              <a:rPr lang="en-GB" dirty="0"/>
-              <a:t>	i.e. “truth” is subjective.</a:t>
-            </a:r>
-          </a:p>
-          <a:p>
-            <a:pPr marL="0" indent="0">
-              <a:buNone/>
-            </a:pPr>
             <a:endParaRPr lang="en-GB" dirty="0"/>
           </a:p>
           <a:p>
@@ -6446,7 +6693,7 @@
           <a:p>
             <a:r>
               <a:rPr lang="en-GB" dirty="0"/>
-              <a:t>Rather than seeking “truth”, think of science as delivering answers that are less wrong. </a:t>
+              <a:t>Think of science as delivering answers that are less wrong. </a:t>
             </a:r>
           </a:p>
         </p:txBody>
@@ -6646,7 +6893,15 @@
             </a:pPr>
             <a:r>
               <a:rPr lang="en-GB" dirty="0"/>
-              <a:t>It doesn’t mean Theory A is TRUE, just less wrong than Theory B (in this instance). </a:t>
+              <a:t>Theory A </a:t>
+            </a:r>
+            <a:r>
+              <a:rPr lang="en-GB"/>
+              <a:t>is less </a:t>
+            </a:r>
+            <a:r>
+              <a:rPr lang="en-GB" dirty="0"/>
+              <a:t>wrong than Theory B (in this instance). </a:t>
             </a:r>
           </a:p>
         </p:txBody>
@@ -11596,7 +11851,7 @@
             </a:pPr>
             <a:r>
               <a:rPr lang="en-GB" dirty="0"/>
-              <a:t>We rely on accepting “facts” from others – particularly those we trust (including experts).  Society wouldn’t function otherwise. </a:t>
+              <a:t>We rely on accepting “facts” from others – particularly those we trust (including experts).  </a:t>
             </a:r>
           </a:p>
           <a:p>
@@ -12313,7 +12568,317 @@
 </a:theme>
 </file>
 
+<file path=ppt/theme/theme2.xml><?xml version="1.0" encoding="utf-8"?>
+<a:theme xmlns:a="http://schemas.openxmlformats.org/drawingml/2006/main" name="Office Theme">
+  <a:themeElements>
+    <a:clrScheme name="Office">
+      <a:dk1>
+        <a:sysClr val="windowText" lastClr="000000"/>
+      </a:dk1>
+      <a:lt1>
+        <a:sysClr val="window" lastClr="FFFFFF"/>
+      </a:lt1>
+      <a:dk2>
+        <a:srgbClr val="44546A"/>
+      </a:dk2>
+      <a:lt2>
+        <a:srgbClr val="E7E6E6"/>
+      </a:lt2>
+      <a:accent1>
+        <a:srgbClr val="4472C4"/>
+      </a:accent1>
+      <a:accent2>
+        <a:srgbClr val="ED7D31"/>
+      </a:accent2>
+      <a:accent3>
+        <a:srgbClr val="A5A5A5"/>
+      </a:accent3>
+      <a:accent4>
+        <a:srgbClr val="FFC000"/>
+      </a:accent4>
+      <a:accent5>
+        <a:srgbClr val="5B9BD5"/>
+      </a:accent5>
+      <a:accent6>
+        <a:srgbClr val="70AD47"/>
+      </a:accent6>
+      <a:hlink>
+        <a:srgbClr val="0563C1"/>
+      </a:hlink>
+      <a:folHlink>
+        <a:srgbClr val="954F72"/>
+      </a:folHlink>
+    </a:clrScheme>
+    <a:fontScheme name="Office">
+      <a:majorFont>
+        <a:latin typeface="Calibri Light" panose="020F0302020204030204"/>
+        <a:ea typeface=""/>
+        <a:cs typeface=""/>
+        <a:font script="Jpan" typeface="游ゴシック Light"/>
+        <a:font script="Hang" typeface="맑은 고딕"/>
+        <a:font script="Hans" typeface="等线 Light"/>
+        <a:font script="Hant" typeface="新細明體"/>
+        <a:font script="Arab" typeface="Times New Roman"/>
+        <a:font script="Hebr" typeface="Times New Roman"/>
+        <a:font script="Thai" typeface="Angsana New"/>
+        <a:font script="Ethi" typeface="Nyala"/>
+        <a:font script="Beng" typeface="Vrinda"/>
+        <a:font script="Gujr" typeface="Shruti"/>
+        <a:font script="Khmr" typeface="MoolBoran"/>
+        <a:font script="Knda" typeface="Tunga"/>
+        <a:font script="Guru" typeface="Raavi"/>
+        <a:font script="Cans" typeface="Euphemia"/>
+        <a:font script="Cher" typeface="Plantagenet Cherokee"/>
+        <a:font script="Yiii" typeface="Microsoft Yi Baiti"/>
+        <a:font script="Tibt" typeface="Microsoft Himalaya"/>
+        <a:font script="Thaa" typeface="MV Boli"/>
+        <a:font script="Deva" typeface="Mangal"/>
+        <a:font script="Telu" typeface="Gautami"/>
+        <a:font script="Taml" typeface="Latha"/>
+        <a:font script="Syrc" typeface="Estrangelo Edessa"/>
+        <a:font script="Orya" typeface="Kalinga"/>
+        <a:font script="Mlym" typeface="Kartika"/>
+        <a:font script="Laoo" typeface="DokChampa"/>
+        <a:font script="Sinh" typeface="Iskoola Pota"/>
+        <a:font script="Mong" typeface="Mongolian Baiti"/>
+        <a:font script="Viet" typeface="Times New Roman"/>
+        <a:font script="Uigh" typeface="Microsoft Uighur"/>
+        <a:font script="Geor" typeface="Sylfaen"/>
+        <a:font script="Armn" typeface="Arial"/>
+        <a:font script="Bugi" typeface="Leelawadee UI"/>
+        <a:font script="Bopo" typeface="Microsoft JhengHei"/>
+        <a:font script="Java" typeface="Javanese Text"/>
+        <a:font script="Lisu" typeface="Segoe UI"/>
+        <a:font script="Mymr" typeface="Myanmar Text"/>
+        <a:font script="Nkoo" typeface="Ebrima"/>
+        <a:font script="Olck" typeface="Nirmala UI"/>
+        <a:font script="Osma" typeface="Ebrima"/>
+        <a:font script="Phag" typeface="Phagspa"/>
+        <a:font script="Syrn" typeface="Estrangelo Edessa"/>
+        <a:font script="Syrj" typeface="Estrangelo Edessa"/>
+        <a:font script="Syre" typeface="Estrangelo Edessa"/>
+        <a:font script="Sora" typeface="Nirmala UI"/>
+        <a:font script="Tale" typeface="Microsoft Tai Le"/>
+        <a:font script="Talu" typeface="Microsoft New Tai Lue"/>
+        <a:font script="Tfng" typeface="Ebrima"/>
+      </a:majorFont>
+      <a:minorFont>
+        <a:latin typeface="Calibri" panose="020F0502020204030204"/>
+        <a:ea typeface=""/>
+        <a:cs typeface=""/>
+        <a:font script="Jpan" typeface="游ゴシック"/>
+        <a:font script="Hang" typeface="맑은 고딕"/>
+        <a:font script="Hans" typeface="等线"/>
+        <a:font script="Hant" typeface="新細明體"/>
+        <a:font script="Arab" typeface="Arial"/>
+        <a:font script="Hebr" typeface="Arial"/>
+        <a:font script="Thai" typeface="Cordia New"/>
+        <a:font script="Ethi" typeface="Nyala"/>
+        <a:font script="Beng" typeface="Vrinda"/>
+        <a:font script="Gujr" typeface="Shruti"/>
+        <a:font script="Khmr" typeface="DaunPenh"/>
+        <a:font script="Knda" typeface="Tunga"/>
+        <a:font script="Guru" typeface="Raavi"/>
+        <a:font script="Cans" typeface="Euphemia"/>
+        <a:font script="Cher" typeface="Plantagenet Cherokee"/>
+        <a:font script="Yiii" typeface="Microsoft Yi Baiti"/>
+        <a:font script="Tibt" typeface="Microsoft Himalaya"/>
+        <a:font script="Thaa" typeface="MV Boli"/>
+        <a:font script="Deva" typeface="Mangal"/>
+        <a:font script="Telu" typeface="Gautami"/>
+        <a:font script="Taml" typeface="Latha"/>
+        <a:font script="Syrc" typeface="Estrangelo Edessa"/>
+        <a:font script="Orya" typeface="Kalinga"/>
+        <a:font script="Mlym" typeface="Kartika"/>
+        <a:font script="Laoo" typeface="DokChampa"/>
+        <a:font script="Sinh" typeface="Iskoola Pota"/>
+        <a:font script="Mong" typeface="Mongolian Baiti"/>
+        <a:font script="Viet" typeface="Arial"/>
+        <a:font script="Uigh" typeface="Microsoft Uighur"/>
+        <a:font script="Geor" typeface="Sylfaen"/>
+        <a:font script="Armn" typeface="Arial"/>
+        <a:font script="Bugi" typeface="Leelawadee UI"/>
+        <a:font script="Bopo" typeface="Microsoft JhengHei"/>
+        <a:font script="Java" typeface="Javanese Text"/>
+        <a:font script="Lisu" typeface="Segoe UI"/>
+        <a:font script="Mymr" typeface="Myanmar Text"/>
+        <a:font script="Nkoo" typeface="Ebrima"/>
+        <a:font script="Olck" typeface="Nirmala UI"/>
+        <a:font script="Osma" typeface="Ebrima"/>
+        <a:font script="Phag" typeface="Phagspa"/>
+        <a:font script="Syrn" typeface="Estrangelo Edessa"/>
+        <a:font script="Syrj" typeface="Estrangelo Edessa"/>
+        <a:font script="Syre" typeface="Estrangelo Edessa"/>
+        <a:font script="Sora" typeface="Nirmala UI"/>
+        <a:font script="Tale" typeface="Microsoft Tai Le"/>
+        <a:font script="Talu" typeface="Microsoft New Tai Lue"/>
+        <a:font script="Tfng" typeface="Ebrima"/>
+      </a:minorFont>
+    </a:fontScheme>
+    <a:fmtScheme name="Office">
+      <a:fillStyleLst>
+        <a:solidFill>
+          <a:schemeClr val="phClr"/>
+        </a:solidFill>
+        <a:gradFill rotWithShape="1">
+          <a:gsLst>
+            <a:gs pos="0">
+              <a:schemeClr val="phClr">
+                <a:lumMod val="110000"/>
+                <a:satMod val="105000"/>
+                <a:tint val="67000"/>
+              </a:schemeClr>
+            </a:gs>
+            <a:gs pos="50000">
+              <a:schemeClr val="phClr">
+                <a:lumMod val="105000"/>
+                <a:satMod val="103000"/>
+                <a:tint val="73000"/>
+              </a:schemeClr>
+            </a:gs>
+            <a:gs pos="100000">
+              <a:schemeClr val="phClr">
+                <a:lumMod val="105000"/>
+                <a:satMod val="109000"/>
+                <a:tint val="81000"/>
+              </a:schemeClr>
+            </a:gs>
+          </a:gsLst>
+          <a:lin ang="5400000" scaled="0"/>
+        </a:gradFill>
+        <a:gradFill rotWithShape="1">
+          <a:gsLst>
+            <a:gs pos="0">
+              <a:schemeClr val="phClr">
+                <a:satMod val="103000"/>
+                <a:lumMod val="102000"/>
+                <a:tint val="94000"/>
+              </a:schemeClr>
+            </a:gs>
+            <a:gs pos="50000">
+              <a:schemeClr val="phClr">
+                <a:satMod val="110000"/>
+                <a:lumMod val="100000"/>
+                <a:shade val="100000"/>
+              </a:schemeClr>
+            </a:gs>
+            <a:gs pos="100000">
+              <a:schemeClr val="phClr">
+                <a:lumMod val="99000"/>
+                <a:satMod val="120000"/>
+                <a:shade val="78000"/>
+              </a:schemeClr>
+            </a:gs>
+          </a:gsLst>
+          <a:lin ang="5400000" scaled="0"/>
+        </a:gradFill>
+      </a:fillStyleLst>
+      <a:lnStyleLst>
+        <a:ln w="6350" cap="flat" cmpd="sng" algn="ctr">
+          <a:solidFill>
+            <a:schemeClr val="phClr"/>
+          </a:solidFill>
+          <a:prstDash val="solid"/>
+          <a:miter lim="800000"/>
+        </a:ln>
+        <a:ln w="12700" cap="flat" cmpd="sng" algn="ctr">
+          <a:solidFill>
+            <a:schemeClr val="phClr"/>
+          </a:solidFill>
+          <a:prstDash val="solid"/>
+          <a:miter lim="800000"/>
+        </a:ln>
+        <a:ln w="19050" cap="flat" cmpd="sng" algn="ctr">
+          <a:solidFill>
+            <a:schemeClr val="phClr"/>
+          </a:solidFill>
+          <a:prstDash val="solid"/>
+          <a:miter lim="800000"/>
+        </a:ln>
+      </a:lnStyleLst>
+      <a:effectStyleLst>
+        <a:effectStyle>
+          <a:effectLst/>
+        </a:effectStyle>
+        <a:effectStyle>
+          <a:effectLst/>
+        </a:effectStyle>
+        <a:effectStyle>
+          <a:effectLst>
+            <a:outerShdw blurRad="57150" dist="19050" dir="5400000" algn="ctr" rotWithShape="0">
+              <a:srgbClr val="000000">
+                <a:alpha val="63000"/>
+              </a:srgbClr>
+            </a:outerShdw>
+          </a:effectLst>
+        </a:effectStyle>
+      </a:effectStyleLst>
+      <a:bgFillStyleLst>
+        <a:solidFill>
+          <a:schemeClr val="phClr"/>
+        </a:solidFill>
+        <a:solidFill>
+          <a:schemeClr val="phClr">
+            <a:tint val="95000"/>
+            <a:satMod val="170000"/>
+          </a:schemeClr>
+        </a:solidFill>
+        <a:gradFill rotWithShape="1">
+          <a:gsLst>
+            <a:gs pos="0">
+              <a:schemeClr val="phClr">
+                <a:tint val="93000"/>
+                <a:satMod val="150000"/>
+                <a:shade val="98000"/>
+                <a:lumMod val="102000"/>
+              </a:schemeClr>
+            </a:gs>
+            <a:gs pos="50000">
+              <a:schemeClr val="phClr">
+                <a:tint val="98000"/>
+                <a:satMod val="130000"/>
+                <a:shade val="90000"/>
+                <a:lumMod val="103000"/>
+              </a:schemeClr>
+            </a:gs>
+            <a:gs pos="100000">
+              <a:schemeClr val="phClr">
+                <a:shade val="63000"/>
+                <a:satMod val="120000"/>
+              </a:schemeClr>
+            </a:gs>
+          </a:gsLst>
+          <a:lin ang="5400000" scaled="0"/>
+        </a:gradFill>
+      </a:bgFillStyleLst>
+    </a:fmtScheme>
+  </a:themeElements>
+  <a:objectDefaults/>
+  <a:extraClrSchemeLst/>
+  <a:extLst>
+    <a:ext uri="{05A4C25C-085E-4340-85A3-A5531E510DB2}">
+      <thm15:themeFamily xmlns:thm15="http://schemas.microsoft.com/office/thememl/2012/main" name="Office Theme" id="{62F939B6-93AF-4DB8-9C6B-D6C7DFDC589F}" vid="{4A3C46E8-61CC-4603-A589-7422A47A8E4A}"/>
+    </a:ext>
+  </a:extLst>
+</a:theme>
+</file>
+
 <file path=customXml/item1.xml><?xml version="1.0" encoding="utf-8"?>
+<p:properties xmlns:p="http://schemas.microsoft.com/office/2006/metadata/properties" xmlns:xsi="http://www.w3.org/2001/XMLSchema-instance" xmlns:pc="http://schemas.microsoft.com/office/infopath/2007/PartnerControls">
+  <documentManagement/>
+</p:properties>
+</file>
+
+<file path=customXml/item2.xml><?xml version="1.0" encoding="utf-8"?>
+<?mso-contentType ?>
+<FormTemplates xmlns="http://schemas.microsoft.com/sharepoint/v3/contenttype/forms">
+  <Display>DocumentLibraryForm</Display>
+  <Edit>DocumentLibraryForm</Edit>
+  <New>DocumentLibraryForm</New>
+</FormTemplates>
+</file>
+
+<file path=customXml/item3.xml><?xml version="1.0" encoding="utf-8"?>
 <ct:contentTypeSchema xmlns:ct="http://schemas.microsoft.com/office/2006/metadata/contentType" xmlns:ma="http://schemas.microsoft.com/office/2006/metadata/properties/metaAttributes" ct:_="" ma:_="" ma:contentTypeName="Document" ma:contentTypeID="0x010100CDC7DA200EEB3445AF1982F3D7270397" ma:contentTypeVersion="14" ma:contentTypeDescription="Create a new document." ma:contentTypeScope="" ma:versionID="8ec0b2246017092d04bce6716d92dcc9">
   <xsd:schema xmlns:xsd="http://www.w3.org/2001/XMLSchema" xmlns:xs="http://www.w3.org/2001/XMLSchema" xmlns:p="http://schemas.microsoft.com/office/2006/metadata/properties" xmlns:ns3="21c8a05f-379f-4a3f-aa4a-81ea9db359bc" xmlns:ns4="0322879f-8624-447d-a89c-1c2bd66f8e04" targetNamespace="http://schemas.microsoft.com/office/2006/metadata/properties" ma:root="true" ma:fieldsID="aa4f8e6e825201c9e1a4f40d409a5ff0" ns3:_="" ns4:_="">
     <xsd:import namespace="21c8a05f-379f-4a3f-aa4a-81ea9db359bc"/>
@@ -12542,22 +13107,32 @@
 </ct:contentTypeSchema>
 </file>
 
-<file path=customXml/item2.xml><?xml version="1.0" encoding="utf-8"?>
-<p:properties xmlns:p="http://schemas.microsoft.com/office/2006/metadata/properties" xmlns:xsi="http://www.w3.org/2001/XMLSchema-instance" xmlns:pc="http://schemas.microsoft.com/office/infopath/2007/PartnerControls">
-  <documentManagement/>
-</p:properties>
+<file path=customXml/itemProps1.xml><?xml version="1.0" encoding="utf-8"?>
+<ds:datastoreItem xmlns:ds="http://schemas.openxmlformats.org/officeDocument/2006/customXml" ds:itemID="{B6617797-34A9-4FB1-9A07-D396B12A8668}">
+  <ds:schemaRefs>
+    <ds:schemaRef ds:uri="http://purl.org/dc/terms/"/>
+    <ds:schemaRef ds:uri="http://schemas.openxmlformats.org/package/2006/metadata/core-properties"/>
+    <ds:schemaRef ds:uri="http://schemas.microsoft.com/office/2006/documentManagement/types"/>
+    <ds:schemaRef ds:uri="0322879f-8624-447d-a89c-1c2bd66f8e04"/>
+    <ds:schemaRef ds:uri="http://purl.org/dc/elements/1.1/"/>
+    <ds:schemaRef ds:uri="http://schemas.microsoft.com/office/2006/metadata/properties"/>
+    <ds:schemaRef ds:uri="http://schemas.microsoft.com/office/infopath/2007/PartnerControls"/>
+    <ds:schemaRef ds:uri="21c8a05f-379f-4a3f-aa4a-81ea9db359bc"/>
+    <ds:schemaRef ds:uri="http://www.w3.org/XML/1998/namespace"/>
+    <ds:schemaRef ds:uri="http://purl.org/dc/dcmitype/"/>
+  </ds:schemaRefs>
+</ds:datastoreItem>
 </file>
 
-<file path=customXml/item3.xml><?xml version="1.0" encoding="utf-8"?>
-<?mso-contentType ?>
-<FormTemplates xmlns="http://schemas.microsoft.com/sharepoint/v3/contenttype/forms">
-  <Display>DocumentLibraryForm</Display>
-  <Edit>DocumentLibraryForm</Edit>
-  <New>DocumentLibraryForm</New>
-</FormTemplates>
+<file path=customXml/itemProps2.xml><?xml version="1.0" encoding="utf-8"?>
+<ds:datastoreItem xmlns:ds="http://schemas.openxmlformats.org/officeDocument/2006/customXml" ds:itemID="{F4A5D631-0828-45C2-B737-825043D01CBF}">
+  <ds:schemaRefs>
+    <ds:schemaRef ds:uri="http://schemas.microsoft.com/sharepoint/v3/contenttype/forms"/>
+  </ds:schemaRefs>
+</ds:datastoreItem>
 </file>
 
-<file path=customXml/itemProps1.xml><?xml version="1.0" encoding="utf-8"?>
+<file path=customXml/itemProps3.xml><?xml version="1.0" encoding="utf-8"?>
 <ds:datastoreItem xmlns:ds="http://schemas.openxmlformats.org/officeDocument/2006/customXml" ds:itemID="{007F6972-5F1F-4BEB-9345-B279380A9AAC}">
   <ds:schemaRefs>
     <ds:schemaRef ds:uri="http://schemas.microsoft.com/office/2006/metadata/contentType"/>
@@ -12574,29 +13149,4 @@
     <ds:schemaRef ds:uri="http://schemas.microsoft.com/internal/obd"/>
   </ds:schemaRefs>
 </ds:datastoreItem>
-</file>
-
-<file path=customXml/itemProps2.xml><?xml version="1.0" encoding="utf-8"?>
-<ds:datastoreItem xmlns:ds="http://schemas.openxmlformats.org/officeDocument/2006/customXml" ds:itemID="{B6617797-34A9-4FB1-9A07-D396B12A8668}">
-  <ds:schemaRefs>
-    <ds:schemaRef ds:uri="http://purl.org/dc/terms/"/>
-    <ds:schemaRef ds:uri="http://schemas.openxmlformats.org/package/2006/metadata/core-properties"/>
-    <ds:schemaRef ds:uri="http://schemas.microsoft.com/office/2006/documentManagement/types"/>
-    <ds:schemaRef ds:uri="0322879f-8624-447d-a89c-1c2bd66f8e04"/>
-    <ds:schemaRef ds:uri="http://purl.org/dc/elements/1.1/"/>
-    <ds:schemaRef ds:uri="http://schemas.microsoft.com/office/2006/metadata/properties"/>
-    <ds:schemaRef ds:uri="http://schemas.microsoft.com/office/infopath/2007/PartnerControls"/>
-    <ds:schemaRef ds:uri="21c8a05f-379f-4a3f-aa4a-81ea9db359bc"/>
-    <ds:schemaRef ds:uri="http://www.w3.org/XML/1998/namespace"/>
-    <ds:schemaRef ds:uri="http://purl.org/dc/dcmitype/"/>
-  </ds:schemaRefs>
-</ds:datastoreItem>
-</file>
-
-<file path=customXml/itemProps3.xml><?xml version="1.0" encoding="utf-8"?>
-<ds:datastoreItem xmlns:ds="http://schemas.openxmlformats.org/officeDocument/2006/customXml" ds:itemID="{F4A5D631-0828-45C2-B737-825043D01CBF}">
-  <ds:schemaRefs>
-    <ds:schemaRef ds:uri="http://schemas.microsoft.com/sharepoint/v3/contenttype/forms"/>
-  </ds:schemaRefs>
-</ds:datastoreItem>
 </file>
--- a/docs/science_truth_honesty.pptx
+++ b/docs/science_truth_honesty.pptx
@@ -5,7 +5,7 @@
     <p:sldMasterId id="2147483648" r:id="rId4"/>
   </p:sldMasterIdLst>
   <p:notesMasterIdLst>
-    <p:notesMasterId r:id="rId54"/>
+    <p:notesMasterId r:id="rId59"/>
   </p:notesMasterIdLst>
   <p:sldIdLst>
     <p:sldId id="256" r:id="rId5"/>
@@ -13,50 +13,55 @@
     <p:sldId id="258" r:id="rId7"/>
     <p:sldId id="321" r:id="rId8"/>
     <p:sldId id="326" r:id="rId9"/>
-    <p:sldId id="298" r:id="rId10"/>
-    <p:sldId id="299" r:id="rId11"/>
-    <p:sldId id="311" r:id="rId12"/>
-    <p:sldId id="313" r:id="rId13"/>
-    <p:sldId id="314" r:id="rId14"/>
-    <p:sldId id="323" r:id="rId15"/>
-    <p:sldId id="322" r:id="rId16"/>
-    <p:sldId id="260" r:id="rId17"/>
-    <p:sldId id="305" r:id="rId18"/>
-    <p:sldId id="268" r:id="rId19"/>
-    <p:sldId id="263" r:id="rId20"/>
-    <p:sldId id="264" r:id="rId21"/>
-    <p:sldId id="265" r:id="rId22"/>
-    <p:sldId id="270" r:id="rId23"/>
-    <p:sldId id="266" r:id="rId24"/>
-    <p:sldId id="269" r:id="rId25"/>
-    <p:sldId id="315" r:id="rId26"/>
-    <p:sldId id="316" r:id="rId27"/>
-    <p:sldId id="317" r:id="rId28"/>
-    <p:sldId id="306" r:id="rId29"/>
-    <p:sldId id="267" r:id="rId30"/>
-    <p:sldId id="318" r:id="rId31"/>
-    <p:sldId id="319" r:id="rId32"/>
-    <p:sldId id="278" r:id="rId33"/>
-    <p:sldId id="271" r:id="rId34"/>
-    <p:sldId id="273" r:id="rId35"/>
-    <p:sldId id="274" r:id="rId36"/>
-    <p:sldId id="276" r:id="rId37"/>
-    <p:sldId id="277" r:id="rId38"/>
-    <p:sldId id="279" r:id="rId39"/>
-    <p:sldId id="281" r:id="rId40"/>
-    <p:sldId id="282" r:id="rId41"/>
-    <p:sldId id="280" r:id="rId42"/>
-    <p:sldId id="283" r:id="rId43"/>
-    <p:sldId id="284" r:id="rId44"/>
-    <p:sldId id="287" r:id="rId45"/>
-    <p:sldId id="288" r:id="rId46"/>
-    <p:sldId id="290" r:id="rId47"/>
-    <p:sldId id="291" r:id="rId48"/>
-    <p:sldId id="292" r:id="rId49"/>
-    <p:sldId id="293" r:id="rId50"/>
-    <p:sldId id="294" r:id="rId51"/>
-    <p:sldId id="295" r:id="rId52"/>
-    <p:sldId id="307" r:id="rId53"/>
+    <p:sldId id="327" r:id="rId10"/>
+    <p:sldId id="298" r:id="rId11"/>
+    <p:sldId id="299" r:id="rId12"/>
+    <p:sldId id="311" r:id="rId13"/>
+    <p:sldId id="309" r:id="rId14"/>
+    <p:sldId id="313" r:id="rId15"/>
+    <p:sldId id="314" r:id="rId16"/>
+    <p:sldId id="328" r:id="rId17"/>
+    <p:sldId id="323" r:id="rId18"/>
+    <p:sldId id="322" r:id="rId19"/>
+    <p:sldId id="260" r:id="rId20"/>
+    <p:sldId id="305" r:id="rId21"/>
+    <p:sldId id="268" r:id="rId22"/>
+    <p:sldId id="263" r:id="rId23"/>
+    <p:sldId id="264" r:id="rId24"/>
+    <p:sldId id="265" r:id="rId25"/>
+    <p:sldId id="270" r:id="rId26"/>
+    <p:sldId id="266" r:id="rId27"/>
+    <p:sldId id="269" r:id="rId28"/>
+    <p:sldId id="315" r:id="rId29"/>
+    <p:sldId id="316" r:id="rId30"/>
+    <p:sldId id="317" r:id="rId31"/>
+    <p:sldId id="267" r:id="rId32"/>
+    <p:sldId id="329" r:id="rId33"/>
+    <p:sldId id="318" r:id="rId34"/>
+    <p:sldId id="319" r:id="rId35"/>
+    <p:sldId id="278" r:id="rId36"/>
+    <p:sldId id="271" r:id="rId37"/>
+    <p:sldId id="273" r:id="rId38"/>
+    <p:sldId id="274" r:id="rId39"/>
+    <p:sldId id="276" r:id="rId40"/>
+    <p:sldId id="277" r:id="rId41"/>
+    <p:sldId id="279" r:id="rId42"/>
+    <p:sldId id="281" r:id="rId43"/>
+    <p:sldId id="282" r:id="rId44"/>
+    <p:sldId id="280" r:id="rId45"/>
+    <p:sldId id="283" r:id="rId46"/>
+    <p:sldId id="284" r:id="rId47"/>
+    <p:sldId id="285" r:id="rId48"/>
+    <p:sldId id="286" r:id="rId49"/>
+    <p:sldId id="287" r:id="rId50"/>
+    <p:sldId id="288" r:id="rId51"/>
+    <p:sldId id="290" r:id="rId52"/>
+    <p:sldId id="291" r:id="rId53"/>
+    <p:sldId id="292" r:id="rId54"/>
+    <p:sldId id="293" r:id="rId55"/>
+    <p:sldId id="294" r:id="rId56"/>
+    <p:sldId id="295" r:id="rId57"/>
+    <p:sldId id="307" r:id="rId58"/>
   </p:sldIdLst>
   <p:sldSz cx="12192000" cy="6858000"/>
   <p:notesSz cx="6858000" cy="9144000"/>
@@ -578,7 +583,7 @@
           <a:p>
             <a:fld id="{D88706E4-7558-4843-BB5D-2D69FE049A57}" type="slidenum">
               <a:rPr lang="en-US" smtClean="0"/>
-              <a:t>12</a:t>
+              <a:t>15</a:t>
             </a:fld>
             <a:endParaRPr lang="en-US"/>
           </a:p>
@@ -3598,7 +3603,7 @@
           <a:p>
             <a:r>
               <a:rPr lang="en-GB" dirty="0"/>
-              <a:t>This example is logically identical to…</a:t>
+              <a:t>Logical example</a:t>
             </a:r>
           </a:p>
         </p:txBody>
@@ -3615,113 +3620,294 @@
         </p:nvSpPr>
         <p:spPr/>
         <p:txBody>
-          <a:bodyPr>
-            <a:normAutofit lnSpcReduction="10000"/>
-          </a:bodyPr>
-          <a:lstStyle/>
-          <a:p>
-            <a:pPr marL="0" indent="0">
-              <a:buNone/>
-            </a:pPr>
-            <a:r>
-              <a:rPr lang="en-GB" dirty="0"/>
-              <a:t>My theory predicts that X will happen</a:t>
-            </a:r>
-          </a:p>
-          <a:p>
-            <a:pPr marL="0" indent="0">
-              <a:buNone/>
-            </a:pPr>
-            <a:r>
-              <a:rPr lang="en-GB" dirty="0"/>
-              <a:t>My experiment shows that X happens</a:t>
-            </a:r>
-          </a:p>
-          <a:p>
-            <a:pPr marL="0" indent="0">
-              <a:buNone/>
-            </a:pPr>
-            <a:r>
-              <a:rPr lang="en-GB" dirty="0"/>
-              <a:t>Therefore this proves my theory?  </a:t>
-            </a:r>
-            <a:endParaRPr lang="en-GB" dirty="0">
-              <a:solidFill>
-                <a:srgbClr val="C00000"/>
-              </a:solidFill>
-            </a:endParaRPr>
-          </a:p>
-          <a:p>
-            <a:pPr marL="0" indent="0">
-              <a:buNone/>
-            </a:pPr>
-            <a:endParaRPr lang="en-GB" dirty="0">
-              <a:solidFill>
-                <a:srgbClr val="C00000"/>
-              </a:solidFill>
-            </a:endParaRPr>
-          </a:p>
-          <a:p>
-            <a:pPr marL="0" indent="0">
-              <a:buNone/>
-            </a:pPr>
-            <a:r>
-              <a:rPr lang="en-GB" dirty="0">
-                <a:solidFill>
-                  <a:srgbClr val="C00000"/>
-                </a:solidFill>
-              </a:rPr>
-              <a:t>NO: This does not logically follow: there may be other explanations. </a:t>
-            </a:r>
-          </a:p>
-          <a:p>
-            <a:pPr marL="0" indent="0">
-              <a:buNone/>
-            </a:pPr>
-            <a:r>
-              <a:rPr lang="en-GB" dirty="0">
-                <a:solidFill>
-                  <a:srgbClr val="C00000"/>
-                </a:solidFill>
-              </a:rPr>
-              <a:t>(e.g. other theories make the same prediction, there are other causes of X). </a:t>
-            </a:r>
-          </a:p>
-          <a:p>
-            <a:pPr marL="0" indent="0">
-              <a:buNone/>
-            </a:pPr>
-            <a:endParaRPr lang="en-GB" dirty="0">
-              <a:solidFill>
-                <a:srgbClr val="C00000"/>
-              </a:solidFill>
-            </a:endParaRPr>
-          </a:p>
-          <a:p>
-            <a:pPr marL="0" indent="0">
-              <a:buNone/>
-            </a:pPr>
-            <a:r>
-              <a:rPr lang="en-GB" dirty="0">
-                <a:solidFill>
-                  <a:srgbClr val="C00000"/>
-                </a:solidFill>
-              </a:rPr>
-              <a:t>So, finding evidence consistent with a theory does not PROVE a theory. </a:t>
-            </a:r>
-          </a:p>
-        </p:txBody>
-      </p:sp>
+          <a:bodyPr/>
+          <a:lstStyle/>
+          <a:p>
+            <a:pPr marL="0" indent="0">
+              <a:buNone/>
+            </a:pPr>
+            <a:r>
+              <a:rPr lang="en-GB" dirty="0"/>
+              <a:t>e.g. (1) 	“If the election is fair, I will win”</a:t>
+            </a:r>
+          </a:p>
+          <a:p>
+            <a:pPr marL="0" indent="0">
+              <a:buNone/>
+            </a:pPr>
+            <a:r>
+              <a:rPr lang="en-GB" dirty="0"/>
+              <a:t>		“I did not win the election”</a:t>
+            </a:r>
+          </a:p>
+          <a:p>
+            <a:pPr marL="0" indent="0">
+              <a:buNone/>
+            </a:pPr>
+            <a:r>
+              <a:rPr lang="en-GB" dirty="0"/>
+              <a:t>		Therefore? </a:t>
+            </a:r>
+          </a:p>
+          <a:p>
+            <a:pPr marL="0" indent="0">
+              <a:buNone/>
+            </a:pPr>
+            <a:endParaRPr lang="en-GB" dirty="0"/>
+          </a:p>
+          <a:p>
+            <a:pPr marL="0" indent="0">
+              <a:buNone/>
+            </a:pPr>
+            <a:r>
+              <a:rPr lang="en-GB" dirty="0"/>
+              <a:t>		The election was not fair. 	TRUE / FALSE</a:t>
+            </a:r>
+          </a:p>
+        </p:txBody>
+      </p:sp>
+      <p:pic>
+        <p:nvPicPr>
+          <p:cNvPr id="4" name="Picture 3"/>
+          <p:cNvPicPr>
+            <a:picLocks noChangeAspect="1"/>
+          </p:cNvPicPr>
+          <p:nvPr/>
+        </p:nvPicPr>
+        <p:blipFill>
+          <a:blip r:embed="rId2"/>
+          <a:stretch>
+            <a:fillRect/>
+          </a:stretch>
+        </p:blipFill>
+        <p:spPr>
+          <a:xfrm>
+            <a:off x="8908037" y="1825625"/>
+            <a:ext cx="2853175" cy="1597290"/>
+          </a:xfrm>
+          <a:prstGeom prst="rect">
+            <a:avLst/>
+          </a:prstGeom>
+        </p:spPr>
+      </p:pic>
     </p:spTree>
     <p:extLst>
       <p:ext uri="{BB962C8B-B14F-4D97-AF65-F5344CB8AC3E}">
-        <p14:creationId xmlns:p14="http://schemas.microsoft.com/office/powerpoint/2010/main" val="2530114077"/>
+        <p14:creationId xmlns:p14="http://schemas.microsoft.com/office/powerpoint/2010/main" val="208319757"/>
       </p:ext>
     </p:extLst>
   </p:cSld>
   <p:clrMapOvr>
     <a:masterClrMapping/>
   </p:clrMapOvr>
+  <p:timing>
+    <p:tnLst>
+      <p:par>
+        <p:cTn id="1" dur="indefinite" restart="never" nodeType="tmRoot">
+          <p:childTnLst>
+            <p:seq concurrent="1" nextAc="seek">
+              <p:cTn id="2" dur="indefinite" nodeType="mainSeq">
+                <p:childTnLst>
+                  <p:par>
+                    <p:cTn id="3" fill="hold">
+                      <p:stCondLst>
+                        <p:cond delay="indefinite"/>
+                      </p:stCondLst>
+                      <p:childTnLst>
+                        <p:par>
+                          <p:cTn id="4" fill="hold">
+                            <p:stCondLst>
+                              <p:cond delay="0"/>
+                            </p:stCondLst>
+                            <p:childTnLst>
+                              <p:par>
+                                <p:cTn id="5" presetID="1" presetClass="entr" presetSubtype="0" fill="hold" nodeType="clickEffect">
+                                  <p:stCondLst>
+                                    <p:cond delay="0"/>
+                                  </p:stCondLst>
+                                  <p:childTnLst>
+                                    <p:set>
+                                      <p:cBhvr>
+                                        <p:cTn id="6" dur="1" fill="hold">
+                                          <p:stCondLst>
+                                            <p:cond delay="0"/>
+                                          </p:stCondLst>
+                                        </p:cTn>
+                                        <p:tgtEl>
+                                          <p:spTgt spid="3">
+                                            <p:txEl>
+                                              <p:pRg st="0" end="0"/>
+                                            </p:txEl>
+                                          </p:spTgt>
+                                        </p:tgtEl>
+                                        <p:attrNameLst>
+                                          <p:attrName>style.visibility</p:attrName>
+                                        </p:attrNameLst>
+                                      </p:cBhvr>
+                                      <p:to>
+                                        <p:strVal val="visible"/>
+                                      </p:to>
+                                    </p:set>
+                                  </p:childTnLst>
+                                </p:cTn>
+                              </p:par>
+                              <p:par>
+                                <p:cTn id="7" presetID="1" presetClass="entr" presetSubtype="0" fill="hold" nodeType="withEffect">
+                                  <p:stCondLst>
+                                    <p:cond delay="0"/>
+                                  </p:stCondLst>
+                                  <p:childTnLst>
+                                    <p:set>
+                                      <p:cBhvr>
+                                        <p:cTn id="8" dur="1" fill="hold">
+                                          <p:stCondLst>
+                                            <p:cond delay="0"/>
+                                          </p:stCondLst>
+                                        </p:cTn>
+                                        <p:tgtEl>
+                                          <p:spTgt spid="3">
+                                            <p:txEl>
+                                              <p:pRg st="1" end="1"/>
+                                            </p:txEl>
+                                          </p:spTgt>
+                                        </p:tgtEl>
+                                        <p:attrNameLst>
+                                          <p:attrName>style.visibility</p:attrName>
+                                        </p:attrNameLst>
+                                      </p:cBhvr>
+                                      <p:to>
+                                        <p:strVal val="visible"/>
+                                      </p:to>
+                                    </p:set>
+                                  </p:childTnLst>
+                                </p:cTn>
+                              </p:par>
+                            </p:childTnLst>
+                          </p:cTn>
+                        </p:par>
+                      </p:childTnLst>
+                    </p:cTn>
+                  </p:par>
+                  <p:par>
+                    <p:cTn id="9" fill="hold">
+                      <p:stCondLst>
+                        <p:cond delay="indefinite"/>
+                      </p:stCondLst>
+                      <p:childTnLst>
+                        <p:par>
+                          <p:cTn id="10" fill="hold">
+                            <p:stCondLst>
+                              <p:cond delay="0"/>
+                            </p:stCondLst>
+                            <p:childTnLst>
+                              <p:par>
+                                <p:cTn id="11" presetID="1" presetClass="entr" presetSubtype="0" fill="hold" nodeType="clickEffect">
+                                  <p:stCondLst>
+                                    <p:cond delay="0"/>
+                                  </p:stCondLst>
+                                  <p:childTnLst>
+                                    <p:set>
+                                      <p:cBhvr>
+                                        <p:cTn id="12" dur="1" fill="hold">
+                                          <p:stCondLst>
+                                            <p:cond delay="0"/>
+                                          </p:stCondLst>
+                                        </p:cTn>
+                                        <p:tgtEl>
+                                          <p:spTgt spid="3">
+                                            <p:txEl>
+                                              <p:pRg st="2" end="2"/>
+                                            </p:txEl>
+                                          </p:spTgt>
+                                        </p:tgtEl>
+                                        <p:attrNameLst>
+                                          <p:attrName>style.visibility</p:attrName>
+                                        </p:attrNameLst>
+                                      </p:cBhvr>
+                                      <p:to>
+                                        <p:strVal val="visible"/>
+                                      </p:to>
+                                    </p:set>
+                                  </p:childTnLst>
+                                </p:cTn>
+                              </p:par>
+                            </p:childTnLst>
+                          </p:cTn>
+                        </p:par>
+                      </p:childTnLst>
+                    </p:cTn>
+                  </p:par>
+                  <p:par>
+                    <p:cTn id="13" fill="hold">
+                      <p:stCondLst>
+                        <p:cond delay="indefinite"/>
+                      </p:stCondLst>
+                      <p:childTnLst>
+                        <p:par>
+                          <p:cTn id="14" fill="hold">
+                            <p:stCondLst>
+                              <p:cond delay="0"/>
+                            </p:stCondLst>
+                            <p:childTnLst>
+                              <p:par>
+                                <p:cTn id="15" presetID="1" presetClass="entr" presetSubtype="0" fill="hold" nodeType="clickEffect">
+                                  <p:stCondLst>
+                                    <p:cond delay="0"/>
+                                  </p:stCondLst>
+                                  <p:childTnLst>
+                                    <p:set>
+                                      <p:cBhvr>
+                                        <p:cTn id="16" dur="1" fill="hold">
+                                          <p:stCondLst>
+                                            <p:cond delay="0"/>
+                                          </p:stCondLst>
+                                        </p:cTn>
+                                        <p:tgtEl>
+                                          <p:spTgt spid="3">
+                                            <p:txEl>
+                                              <p:pRg st="4" end="4"/>
+                                            </p:txEl>
+                                          </p:spTgt>
+                                        </p:tgtEl>
+                                        <p:attrNameLst>
+                                          <p:attrName>style.visibility</p:attrName>
+                                        </p:attrNameLst>
+                                      </p:cBhvr>
+                                      <p:to>
+                                        <p:strVal val="visible"/>
+                                      </p:to>
+                                    </p:set>
+                                  </p:childTnLst>
+                                </p:cTn>
+                              </p:par>
+                            </p:childTnLst>
+                          </p:cTn>
+                        </p:par>
+                      </p:childTnLst>
+                    </p:cTn>
+                  </p:par>
+                </p:childTnLst>
+              </p:cTn>
+              <p:prevCondLst>
+                <p:cond evt="onPrev" delay="0">
+                  <p:tgtEl>
+                    <p:sldTgt/>
+                  </p:tgtEl>
+                </p:cond>
+              </p:prevCondLst>
+              <p:nextCondLst>
+                <p:cond evt="onNext" delay="0">
+                  <p:tgtEl>
+                    <p:sldTgt/>
+                  </p:tgtEl>
+                </p:cond>
+              </p:nextCondLst>
+            </p:seq>
+          </p:childTnLst>
+        </p:cTn>
+      </p:par>
+    </p:tnLst>
+  </p:timing>
 </p:sld>
 </file>
 
@@ -3759,6 +3945,423 @@
           <a:p>
             <a:r>
               <a:rPr lang="en-GB" dirty="0"/>
+              <a:t>Formal logic</a:t>
+            </a:r>
+          </a:p>
+        </p:txBody>
+      </p:sp>
+      <p:sp>
+        <p:nvSpPr>
+          <p:cNvPr id="3" name="Content Placeholder 2"/>
+          <p:cNvSpPr>
+            <a:spLocks noGrp="1"/>
+          </p:cNvSpPr>
+          <p:nvPr>
+            <p:ph idx="1"/>
+          </p:nvPr>
+        </p:nvSpPr>
+        <p:spPr/>
+        <p:txBody>
+          <a:bodyPr/>
+          <a:lstStyle/>
+          <a:p>
+            <a:pPr marL="0" indent="0">
+              <a:buNone/>
+            </a:pPr>
+            <a:r>
+              <a:rPr lang="en-GB" dirty="0"/>
+              <a:t>If a person is a heavy drinker they will damage their liver</a:t>
+            </a:r>
+          </a:p>
+          <a:p>
+            <a:pPr marL="0" indent="0">
+              <a:buNone/>
+            </a:pPr>
+            <a:r>
+              <a:rPr lang="en-GB" dirty="0"/>
+              <a:t>This person has liver damage</a:t>
+            </a:r>
+          </a:p>
+          <a:p>
+            <a:pPr marL="0" indent="0">
+              <a:buNone/>
+            </a:pPr>
+            <a:endParaRPr lang="en-GB" dirty="0"/>
+          </a:p>
+          <a:p>
+            <a:pPr marL="0" indent="0">
+              <a:buNone/>
+            </a:pPr>
+            <a:r>
+              <a:rPr lang="en-GB" dirty="0"/>
+              <a:t>Therefore this person is a heavy drinker?  TRUE / </a:t>
+            </a:r>
+            <a:r>
+              <a:rPr lang="en-GB" dirty="0">
+                <a:solidFill>
+                  <a:srgbClr val="C00000"/>
+                </a:solidFill>
+              </a:rPr>
+              <a:t>FALSE</a:t>
+            </a:r>
+          </a:p>
+          <a:p>
+            <a:pPr marL="0" indent="0">
+              <a:buNone/>
+            </a:pPr>
+            <a:endParaRPr lang="en-GB" dirty="0">
+              <a:solidFill>
+                <a:srgbClr val="C00000"/>
+              </a:solidFill>
+            </a:endParaRPr>
+          </a:p>
+          <a:p>
+            <a:pPr marL="0" indent="0">
+              <a:buNone/>
+            </a:pPr>
+            <a:r>
+              <a:rPr lang="en-GB" dirty="0">
+                <a:solidFill>
+                  <a:srgbClr val="C00000"/>
+                </a:solidFill>
+              </a:rPr>
+              <a:t>This does not logically follow: there are other causes of liver disease. </a:t>
+            </a:r>
+          </a:p>
+        </p:txBody>
+      </p:sp>
+    </p:spTree>
+    <p:extLst>
+      <p:ext uri="{BB962C8B-B14F-4D97-AF65-F5344CB8AC3E}">
+        <p14:creationId xmlns:p14="http://schemas.microsoft.com/office/powerpoint/2010/main" val="1191437962"/>
+      </p:ext>
+    </p:extLst>
+  </p:cSld>
+  <p:clrMapOvr>
+    <a:masterClrMapping/>
+  </p:clrMapOvr>
+</p:sld>
+</file>
+
+<file path=ppt/slides/slide12.xml><?xml version="1.0" encoding="utf-8"?>
+<p:sld xmlns:a="http://schemas.openxmlformats.org/drawingml/2006/main" xmlns:r="http://schemas.openxmlformats.org/officeDocument/2006/relationships" xmlns:p="http://schemas.openxmlformats.org/presentationml/2006/main">
+  <p:cSld>
+    <p:spTree>
+      <p:nvGrpSpPr>
+        <p:cNvPr id="1" name=""/>
+        <p:cNvGrpSpPr/>
+        <p:nvPr/>
+      </p:nvGrpSpPr>
+      <p:grpSpPr>
+        <a:xfrm>
+          <a:off x="0" y="0"/>
+          <a:ext cx="0" cy="0"/>
+          <a:chOff x="0" y="0"/>
+          <a:chExt cx="0" cy="0"/>
+        </a:xfrm>
+      </p:grpSpPr>
+      <p:sp>
+        <p:nvSpPr>
+          <p:cNvPr id="2" name="Title 1"/>
+          <p:cNvSpPr>
+            <a:spLocks noGrp="1"/>
+          </p:cNvSpPr>
+          <p:nvPr>
+            <p:ph type="title"/>
+          </p:nvPr>
+        </p:nvSpPr>
+        <p:spPr/>
+        <p:txBody>
+          <a:bodyPr/>
+          <a:lstStyle/>
+          <a:p>
+            <a:r>
+              <a:rPr lang="en-GB" dirty="0"/>
+              <a:t>This example is logically identical to…</a:t>
+            </a:r>
+          </a:p>
+        </p:txBody>
+      </p:sp>
+      <p:sp>
+        <p:nvSpPr>
+          <p:cNvPr id="3" name="Content Placeholder 2"/>
+          <p:cNvSpPr>
+            <a:spLocks noGrp="1"/>
+          </p:cNvSpPr>
+          <p:nvPr>
+            <p:ph idx="1"/>
+          </p:nvPr>
+        </p:nvSpPr>
+        <p:spPr/>
+        <p:txBody>
+          <a:bodyPr>
+            <a:normAutofit lnSpcReduction="10000"/>
+          </a:bodyPr>
+          <a:lstStyle/>
+          <a:p>
+            <a:pPr marL="0" indent="0">
+              <a:buNone/>
+            </a:pPr>
+            <a:r>
+              <a:rPr lang="en-GB" dirty="0"/>
+              <a:t>My theory predicts that X will happen</a:t>
+            </a:r>
+          </a:p>
+          <a:p>
+            <a:pPr marL="0" indent="0">
+              <a:buNone/>
+            </a:pPr>
+            <a:r>
+              <a:rPr lang="en-GB" dirty="0"/>
+              <a:t>My experiment shows that X happens</a:t>
+            </a:r>
+          </a:p>
+          <a:p>
+            <a:pPr marL="0" indent="0">
+              <a:buNone/>
+            </a:pPr>
+            <a:r>
+              <a:rPr lang="en-GB" dirty="0"/>
+              <a:t>Therefore this proves my theory?  </a:t>
+            </a:r>
+            <a:endParaRPr lang="en-GB" dirty="0">
+              <a:solidFill>
+                <a:srgbClr val="C00000"/>
+              </a:solidFill>
+            </a:endParaRPr>
+          </a:p>
+          <a:p>
+            <a:pPr marL="0" indent="0">
+              <a:buNone/>
+            </a:pPr>
+            <a:endParaRPr lang="en-GB" dirty="0">
+              <a:solidFill>
+                <a:srgbClr val="C00000"/>
+              </a:solidFill>
+            </a:endParaRPr>
+          </a:p>
+          <a:p>
+            <a:pPr marL="0" indent="0">
+              <a:buNone/>
+            </a:pPr>
+            <a:r>
+              <a:rPr lang="en-GB" dirty="0">
+                <a:solidFill>
+                  <a:srgbClr val="C00000"/>
+                </a:solidFill>
+              </a:rPr>
+              <a:t>NO: This does not logically follow: there may be other explanations. </a:t>
+            </a:r>
+          </a:p>
+          <a:p>
+            <a:pPr marL="0" indent="0">
+              <a:buNone/>
+            </a:pPr>
+            <a:r>
+              <a:rPr lang="en-GB" dirty="0">
+                <a:solidFill>
+                  <a:srgbClr val="C00000"/>
+                </a:solidFill>
+              </a:rPr>
+              <a:t>(e.g. other theories make the same prediction, there are other causes of X). </a:t>
+            </a:r>
+          </a:p>
+          <a:p>
+            <a:pPr marL="0" indent="0">
+              <a:buNone/>
+            </a:pPr>
+            <a:endParaRPr lang="en-GB" dirty="0">
+              <a:solidFill>
+                <a:srgbClr val="C00000"/>
+              </a:solidFill>
+            </a:endParaRPr>
+          </a:p>
+          <a:p>
+            <a:pPr marL="0" indent="0">
+              <a:buNone/>
+            </a:pPr>
+            <a:r>
+              <a:rPr lang="en-GB" dirty="0">
+                <a:solidFill>
+                  <a:srgbClr val="C00000"/>
+                </a:solidFill>
+              </a:rPr>
+              <a:t>So, finding evidence consistent with a theory does not PROVE a theory. </a:t>
+            </a:r>
+          </a:p>
+        </p:txBody>
+      </p:sp>
+    </p:spTree>
+    <p:extLst>
+      <p:ext uri="{BB962C8B-B14F-4D97-AF65-F5344CB8AC3E}">
+        <p14:creationId xmlns:p14="http://schemas.microsoft.com/office/powerpoint/2010/main" val="2530114077"/>
+      </p:ext>
+    </p:extLst>
+  </p:cSld>
+  <p:clrMapOvr>
+    <a:masterClrMapping/>
+  </p:clrMapOvr>
+</p:sld>
+</file>
+
+<file path=ppt/slides/slide13.xml><?xml version="1.0" encoding="utf-8"?>
+<p:sld xmlns:a="http://schemas.openxmlformats.org/drawingml/2006/main" xmlns:r="http://schemas.openxmlformats.org/officeDocument/2006/relationships" xmlns:p="http://schemas.openxmlformats.org/presentationml/2006/main">
+  <p:cSld>
+    <p:spTree>
+      <p:nvGrpSpPr>
+        <p:cNvPr id="1" name=""/>
+        <p:cNvGrpSpPr/>
+        <p:nvPr/>
+      </p:nvGrpSpPr>
+      <p:grpSpPr>
+        <a:xfrm>
+          <a:off x="0" y="0"/>
+          <a:ext cx="0" cy="0"/>
+          <a:chOff x="0" y="0"/>
+          <a:chExt cx="0" cy="0"/>
+        </a:xfrm>
+      </p:grpSpPr>
+      <p:sp>
+        <p:nvSpPr>
+          <p:cNvPr id="2" name="Title 1">
+            <a:extLst>
+              <a:ext uri="{FF2B5EF4-FFF2-40B4-BE49-F238E27FC236}">
+                <a16:creationId xmlns:a16="http://schemas.microsoft.com/office/drawing/2014/main" id="{B91F44BA-23C2-1ECD-9BC2-124BD37489B3}"/>
+              </a:ext>
+            </a:extLst>
+          </p:cNvPr>
+          <p:cNvSpPr>
+            <a:spLocks noGrp="1"/>
+          </p:cNvSpPr>
+          <p:nvPr>
+            <p:ph type="title"/>
+          </p:nvPr>
+        </p:nvSpPr>
+        <p:spPr/>
+        <p:txBody>
+          <a:bodyPr/>
+          <a:lstStyle/>
+          <a:p>
+            <a:r>
+              <a:rPr lang="en-US" dirty="0"/>
+              <a:t>Informal reasoning</a:t>
+            </a:r>
+          </a:p>
+        </p:txBody>
+      </p:sp>
+      <p:sp>
+        <p:nvSpPr>
+          <p:cNvPr id="3" name="Content Placeholder 2">
+            <a:extLst>
+              <a:ext uri="{FF2B5EF4-FFF2-40B4-BE49-F238E27FC236}">
+                <a16:creationId xmlns:a16="http://schemas.microsoft.com/office/drawing/2014/main" id="{193EEABF-8A52-AEAC-302A-1B5A95DCD2A8}"/>
+              </a:ext>
+            </a:extLst>
+          </p:cNvPr>
+          <p:cNvSpPr>
+            <a:spLocks noGrp="1"/>
+          </p:cNvSpPr>
+          <p:nvPr>
+            <p:ph idx="1"/>
+          </p:nvPr>
+        </p:nvSpPr>
+        <p:spPr/>
+        <p:txBody>
+          <a:bodyPr/>
+          <a:lstStyle/>
+          <a:p>
+            <a:r>
+              <a:rPr lang="en-US" dirty="0"/>
+              <a:t>Which of these two animals eats most food in day? (kg of food)</a:t>
+            </a:r>
+          </a:p>
+          <a:p>
+            <a:pPr lvl="1"/>
+            <a:r>
+              <a:rPr lang="en-US" dirty="0"/>
+              <a:t>Elephant</a:t>
+            </a:r>
+          </a:p>
+          <a:p>
+            <a:pPr lvl="1"/>
+            <a:r>
+              <a:rPr lang="en-US" dirty="0"/>
+              <a:t>Robin</a:t>
+            </a:r>
+          </a:p>
+          <a:p>
+            <a:pPr lvl="1"/>
+            <a:endParaRPr lang="en-US" dirty="0"/>
+          </a:p>
+          <a:p>
+            <a:r>
+              <a:rPr lang="en-US" dirty="0"/>
+              <a:t>Which city is further north?</a:t>
+            </a:r>
+          </a:p>
+          <a:p>
+            <a:pPr lvl="1"/>
+            <a:r>
+              <a:rPr lang="en-US" dirty="0"/>
+              <a:t>London, England</a:t>
+            </a:r>
+          </a:p>
+          <a:p>
+            <a:pPr lvl="1"/>
+            <a:r>
+              <a:rPr lang="en-US" dirty="0"/>
+              <a:t>Montreal, Canada</a:t>
+            </a:r>
+          </a:p>
+        </p:txBody>
+      </p:sp>
+    </p:spTree>
+    <p:extLst>
+      <p:ext uri="{BB962C8B-B14F-4D97-AF65-F5344CB8AC3E}">
+        <p14:creationId xmlns:p14="http://schemas.microsoft.com/office/powerpoint/2010/main" val="269316412"/>
+      </p:ext>
+    </p:extLst>
+  </p:cSld>
+  <p:clrMapOvr>
+    <a:masterClrMapping/>
+  </p:clrMapOvr>
+</p:sld>
+</file>
+
+<file path=ppt/slides/slide14.xml><?xml version="1.0" encoding="utf-8"?>
+<p:sld xmlns:a="http://schemas.openxmlformats.org/drawingml/2006/main" xmlns:r="http://schemas.openxmlformats.org/officeDocument/2006/relationships" xmlns:p="http://schemas.openxmlformats.org/presentationml/2006/main">
+  <p:cSld>
+    <p:spTree>
+      <p:nvGrpSpPr>
+        <p:cNvPr id="1" name=""/>
+        <p:cNvGrpSpPr/>
+        <p:nvPr/>
+      </p:nvGrpSpPr>
+      <p:grpSpPr>
+        <a:xfrm>
+          <a:off x="0" y="0"/>
+          <a:ext cx="0" cy="0"/>
+          <a:chOff x="0" y="0"/>
+          <a:chExt cx="0" cy="0"/>
+        </a:xfrm>
+      </p:grpSpPr>
+      <p:sp>
+        <p:nvSpPr>
+          <p:cNvPr id="2" name="Title 1"/>
+          <p:cNvSpPr>
+            <a:spLocks noGrp="1"/>
+          </p:cNvSpPr>
+          <p:nvPr>
+            <p:ph type="title"/>
+          </p:nvPr>
+        </p:nvSpPr>
+        <p:spPr/>
+        <p:txBody>
+          <a:bodyPr/>
+          <a:lstStyle/>
+          <a:p>
+            <a:r>
+              <a:rPr lang="en-GB" dirty="0"/>
               <a:t>Reasoning informally</a:t>
             </a:r>
           </a:p>
@@ -3816,7 +4419,7 @@
 </p:sld>
 </file>
 
-<file path=ppt/slides/slide12.xml><?xml version="1.0" encoding="utf-8"?>
+<file path=ppt/slides/slide15.xml><?xml version="1.0" encoding="utf-8"?>
 <p:sld xmlns:a="http://schemas.openxmlformats.org/drawingml/2006/main" xmlns:r="http://schemas.openxmlformats.org/officeDocument/2006/relationships" xmlns:p="http://schemas.openxmlformats.org/presentationml/2006/main">
   <p:cSld>
     <p:spTree>
@@ -4128,7 +4731,7 @@
 </p:sld>
 </file>
 
-<file path=ppt/slides/slide13.xml><?xml version="1.0" encoding="utf-8"?>
+<file path=ppt/slides/slide16.xml><?xml version="1.0" encoding="utf-8"?>
 <p:sld xmlns:a="http://schemas.openxmlformats.org/drawingml/2006/main" xmlns:r="http://schemas.openxmlformats.org/officeDocument/2006/relationships" xmlns:p="http://schemas.openxmlformats.org/presentationml/2006/main">
   <p:cSld>
     <p:bg>
@@ -4364,7 +4967,7 @@
 </p:sld>
 </file>
 
-<file path=ppt/slides/slide14.xml><?xml version="1.0" encoding="utf-8"?>
+<file path=ppt/slides/slide17.xml><?xml version="1.0" encoding="utf-8"?>
 <p:sld xmlns:a="http://schemas.openxmlformats.org/drawingml/2006/main" xmlns:r="http://schemas.openxmlformats.org/officeDocument/2006/relationships" xmlns:p="http://schemas.openxmlformats.org/presentationml/2006/main">
   <p:cSld>
     <p:spTree>
@@ -4472,7 +5075,7 @@
 </p:sld>
 </file>
 
-<file path=ppt/slides/slide15.xml><?xml version="1.0" encoding="utf-8"?>
+<file path=ppt/slides/slide18.xml><?xml version="1.0" encoding="utf-8"?>
 <p:sld xmlns:a="http://schemas.openxmlformats.org/drawingml/2006/main" xmlns:r="http://schemas.openxmlformats.org/officeDocument/2006/relationships" xmlns:p="http://schemas.openxmlformats.org/presentationml/2006/main">
   <p:cSld>
     <p:spTree>
@@ -4738,7 +5341,7 @@
 </p:sld>
 </file>
 
-<file path=ppt/slides/slide16.xml><?xml version="1.0" encoding="utf-8"?>
+<file path=ppt/slides/slide19.xml><?xml version="1.0" encoding="utf-8"?>
 <p:sld xmlns:a="http://schemas.openxmlformats.org/drawingml/2006/main" xmlns:r="http://schemas.openxmlformats.org/officeDocument/2006/relationships" xmlns:p="http://schemas.openxmlformats.org/presentationml/2006/main">
   <p:cSld>
     <p:spTree>
@@ -5135,7 +5738,132 @@
 </p:sld>
 </file>
 
-<file path=ppt/slides/slide17.xml><?xml version="1.0" encoding="utf-8"?>
+<file path=ppt/slides/slide2.xml><?xml version="1.0" encoding="utf-8"?>
+<p:sld xmlns:a="http://schemas.openxmlformats.org/drawingml/2006/main" xmlns:r="http://schemas.openxmlformats.org/officeDocument/2006/relationships" xmlns:p="http://schemas.openxmlformats.org/presentationml/2006/main">
+  <p:cSld>
+    <p:spTree>
+      <p:nvGrpSpPr>
+        <p:cNvPr id="1" name=""/>
+        <p:cNvGrpSpPr/>
+        <p:nvPr/>
+      </p:nvGrpSpPr>
+      <p:grpSpPr>
+        <a:xfrm>
+          <a:off x="0" y="0"/>
+          <a:ext cx="0" cy="0"/>
+          <a:chOff x="0" y="0"/>
+          <a:chExt cx="0" cy="0"/>
+        </a:xfrm>
+      </p:grpSpPr>
+      <p:sp>
+        <p:nvSpPr>
+          <p:cNvPr id="2" name="Title 1"/>
+          <p:cNvSpPr>
+            <a:spLocks noGrp="1"/>
+          </p:cNvSpPr>
+          <p:nvPr>
+            <p:ph type="title"/>
+          </p:nvPr>
+        </p:nvSpPr>
+        <p:spPr/>
+        <p:txBody>
+          <a:bodyPr/>
+          <a:lstStyle/>
+          <a:p>
+            <a:r>
+              <a:rPr lang="en-GB" dirty="0"/>
+              <a:t>Module overview</a:t>
+            </a:r>
+          </a:p>
+        </p:txBody>
+      </p:sp>
+      <p:sp>
+        <p:nvSpPr>
+          <p:cNvPr id="3" name="Content Placeholder 2"/>
+          <p:cNvSpPr>
+            <a:spLocks noGrp="1"/>
+          </p:cNvSpPr>
+          <p:nvPr>
+            <p:ph idx="1"/>
+          </p:nvPr>
+        </p:nvSpPr>
+        <p:spPr/>
+        <p:txBody>
+          <a:bodyPr>
+            <a:normAutofit/>
+          </a:bodyPr>
+          <a:lstStyle/>
+          <a:p>
+            <a:pPr marL="0" indent="0">
+              <a:buNone/>
+            </a:pPr>
+            <a:r>
+              <a:rPr lang="en-GB" u="sng" dirty="0"/>
+              <a:t>Delivery</a:t>
+            </a:r>
+            <a:r>
+              <a:rPr lang="en-GB" dirty="0"/>
+              <a:t>					</a:t>
+            </a:r>
+          </a:p>
+          <a:p>
+            <a:pPr marL="0" indent="0">
+              <a:buNone/>
+            </a:pPr>
+            <a:r>
+              <a:rPr lang="en-GB" dirty="0"/>
+              <a:t>11 x 2-hour lectures			</a:t>
+            </a:r>
+          </a:p>
+          <a:p>
+            <a:pPr marL="0" indent="0">
+              <a:buNone/>
+            </a:pPr>
+            <a:r>
+              <a:rPr lang="en-GB" dirty="0"/>
+              <a:t>10 x 1 hour workshops 	</a:t>
+            </a:r>
+          </a:p>
+          <a:p>
+            <a:pPr marL="0" indent="0">
+              <a:buNone/>
+            </a:pPr>
+            <a:r>
+              <a:rPr lang="en-GB" dirty="0"/>
+              <a:t>3 x 1 hour tutorials </a:t>
+            </a:r>
+          </a:p>
+          <a:p>
+            <a:pPr marL="0" indent="0">
+              <a:buNone/>
+            </a:pPr>
+            <a:r>
+              <a:rPr lang="en-GB" dirty="0"/>
+              <a:t>	</a:t>
+            </a:r>
+          </a:p>
+          <a:p>
+            <a:pPr marL="0" indent="0">
+              <a:buNone/>
+            </a:pPr>
+            <a:endParaRPr lang="en-GB" dirty="0"/>
+          </a:p>
+        </p:txBody>
+      </p:sp>
+    </p:spTree>
+    <p:extLst>
+      <p:ext uri="{BB962C8B-B14F-4D97-AF65-F5344CB8AC3E}">
+        <p14:creationId xmlns:p14="http://schemas.microsoft.com/office/powerpoint/2010/main" val="2510197079"/>
+      </p:ext>
+    </p:extLst>
+  </p:cSld>
+  <p:clrMapOvr>
+    <a:masterClrMapping/>
+  </p:clrMapOvr>
+</p:sld>
+</file>
+
+<file path=ppt/slides/slide20.xml><?xml version="1.0" encoding="utf-8"?>
 <p:sld xmlns:a="http://schemas.openxmlformats.org/drawingml/2006/main" xmlns:r="http://schemas.openxmlformats.org/officeDocument/2006/relationships" xmlns:p="http://schemas.openxmlformats.org/presentationml/2006/main">
   <p:cSld>
     <p:spTree>
@@ -5645,7 +6373,7 @@
 </p:sld>
 </file>
 
-<file path=ppt/slides/slide18.xml><?xml version="1.0" encoding="utf-8"?>
+<file path=ppt/slides/slide21.xml><?xml version="1.0" encoding="utf-8"?>
 <p:sld xmlns:a="http://schemas.openxmlformats.org/drawingml/2006/main" xmlns:r="http://schemas.openxmlformats.org/officeDocument/2006/relationships" xmlns:p="http://schemas.openxmlformats.org/presentationml/2006/main">
   <p:cSld>
     <p:spTree>
@@ -5760,7 +6488,7 @@
 </p:sld>
 </file>
 
-<file path=ppt/slides/slide19.xml><?xml version="1.0" encoding="utf-8"?>
+<file path=ppt/slides/slide22.xml><?xml version="1.0" encoding="utf-8"?>
 <p:sld xmlns:a="http://schemas.openxmlformats.org/drawingml/2006/main" xmlns:r="http://schemas.openxmlformats.org/officeDocument/2006/relationships" xmlns:p="http://schemas.openxmlformats.org/presentationml/2006/main">
   <p:cSld>
     <p:spTree>
@@ -5952,132 +6680,7 @@
 </p:sld>
 </file>
 
-<file path=ppt/slides/slide2.xml><?xml version="1.0" encoding="utf-8"?>
-<p:sld xmlns:a="http://schemas.openxmlformats.org/drawingml/2006/main" xmlns:r="http://schemas.openxmlformats.org/officeDocument/2006/relationships" xmlns:p="http://schemas.openxmlformats.org/presentationml/2006/main">
-  <p:cSld>
-    <p:spTree>
-      <p:nvGrpSpPr>
-        <p:cNvPr id="1" name=""/>
-        <p:cNvGrpSpPr/>
-        <p:nvPr/>
-      </p:nvGrpSpPr>
-      <p:grpSpPr>
-        <a:xfrm>
-          <a:off x="0" y="0"/>
-          <a:ext cx="0" cy="0"/>
-          <a:chOff x="0" y="0"/>
-          <a:chExt cx="0" cy="0"/>
-        </a:xfrm>
-      </p:grpSpPr>
-      <p:sp>
-        <p:nvSpPr>
-          <p:cNvPr id="2" name="Title 1"/>
-          <p:cNvSpPr>
-            <a:spLocks noGrp="1"/>
-          </p:cNvSpPr>
-          <p:nvPr>
-            <p:ph type="title"/>
-          </p:nvPr>
-        </p:nvSpPr>
-        <p:spPr/>
-        <p:txBody>
-          <a:bodyPr/>
-          <a:lstStyle/>
-          <a:p>
-            <a:r>
-              <a:rPr lang="en-GB" dirty="0"/>
-              <a:t>Module overview</a:t>
-            </a:r>
-          </a:p>
-        </p:txBody>
-      </p:sp>
-      <p:sp>
-        <p:nvSpPr>
-          <p:cNvPr id="3" name="Content Placeholder 2"/>
-          <p:cNvSpPr>
-            <a:spLocks noGrp="1"/>
-          </p:cNvSpPr>
-          <p:nvPr>
-            <p:ph idx="1"/>
-          </p:nvPr>
-        </p:nvSpPr>
-        <p:spPr/>
-        <p:txBody>
-          <a:bodyPr>
-            <a:normAutofit/>
-          </a:bodyPr>
-          <a:lstStyle/>
-          <a:p>
-            <a:pPr marL="0" indent="0">
-              <a:buNone/>
-            </a:pPr>
-            <a:r>
-              <a:rPr lang="en-GB" u="sng" dirty="0"/>
-              <a:t>Delivery</a:t>
-            </a:r>
-            <a:r>
-              <a:rPr lang="en-GB" dirty="0"/>
-              <a:t>					</a:t>
-            </a:r>
-          </a:p>
-          <a:p>
-            <a:pPr marL="0" indent="0">
-              <a:buNone/>
-            </a:pPr>
-            <a:r>
-              <a:rPr lang="en-GB" dirty="0"/>
-              <a:t>11 x 2-hour lectures			</a:t>
-            </a:r>
-          </a:p>
-          <a:p>
-            <a:pPr marL="0" indent="0">
-              <a:buNone/>
-            </a:pPr>
-            <a:r>
-              <a:rPr lang="en-GB" dirty="0"/>
-              <a:t>10 x 1 hour workshops 	</a:t>
-            </a:r>
-          </a:p>
-          <a:p>
-            <a:pPr marL="0" indent="0">
-              <a:buNone/>
-            </a:pPr>
-            <a:r>
-              <a:rPr lang="en-GB" dirty="0"/>
-              <a:t>3 x 1 hour tutorials </a:t>
-            </a:r>
-          </a:p>
-          <a:p>
-            <a:pPr marL="0" indent="0">
-              <a:buNone/>
-            </a:pPr>
-            <a:r>
-              <a:rPr lang="en-GB" dirty="0"/>
-              <a:t>	</a:t>
-            </a:r>
-          </a:p>
-          <a:p>
-            <a:pPr marL="0" indent="0">
-              <a:buNone/>
-            </a:pPr>
-            <a:endParaRPr lang="en-GB" dirty="0"/>
-          </a:p>
-        </p:txBody>
-      </p:sp>
-    </p:spTree>
-    <p:extLst>
-      <p:ext uri="{BB962C8B-B14F-4D97-AF65-F5344CB8AC3E}">
-        <p14:creationId xmlns:p14="http://schemas.microsoft.com/office/powerpoint/2010/main" val="2510197079"/>
-      </p:ext>
-    </p:extLst>
-  </p:cSld>
-  <p:clrMapOvr>
-    <a:masterClrMapping/>
-  </p:clrMapOvr>
-</p:sld>
-</file>
-
-<file path=ppt/slides/slide20.xml><?xml version="1.0" encoding="utf-8"?>
+<file path=ppt/slides/slide23.xml><?xml version="1.0" encoding="utf-8"?>
 <p:sld xmlns:a="http://schemas.openxmlformats.org/drawingml/2006/main" xmlns:r="http://schemas.openxmlformats.org/officeDocument/2006/relationships" xmlns:p="http://schemas.openxmlformats.org/presentationml/2006/main">
   <p:cSld>
     <p:spTree>
@@ -6420,390 +7023,6 @@
 </p:sld>
 </file>
 
-<file path=ppt/slides/slide21.xml><?xml version="1.0" encoding="utf-8"?>
-<p:sld xmlns:a="http://schemas.openxmlformats.org/drawingml/2006/main" xmlns:r="http://schemas.openxmlformats.org/officeDocument/2006/relationships" xmlns:p="http://schemas.openxmlformats.org/presentationml/2006/main">
-  <p:cSld>
-    <p:spTree>
-      <p:nvGrpSpPr>
-        <p:cNvPr id="1" name=""/>
-        <p:cNvGrpSpPr/>
-        <p:nvPr/>
-      </p:nvGrpSpPr>
-      <p:grpSpPr>
-        <a:xfrm>
-          <a:off x="0" y="0"/>
-          <a:ext cx="0" cy="0"/>
-          <a:chOff x="0" y="0"/>
-          <a:chExt cx="0" cy="0"/>
-        </a:xfrm>
-      </p:grpSpPr>
-      <p:sp>
-        <p:nvSpPr>
-          <p:cNvPr id="2" name="Title 1"/>
-          <p:cNvSpPr>
-            <a:spLocks noGrp="1"/>
-          </p:cNvSpPr>
-          <p:nvPr>
-            <p:ph type="title"/>
-          </p:nvPr>
-        </p:nvSpPr>
-        <p:spPr/>
-        <p:txBody>
-          <a:bodyPr/>
-          <a:lstStyle/>
-          <a:p>
-            <a:r>
-              <a:rPr lang="en-GB" dirty="0"/>
-              <a:t>A scientific theory</a:t>
-            </a:r>
-          </a:p>
-        </p:txBody>
-      </p:sp>
-      <p:sp>
-        <p:nvSpPr>
-          <p:cNvPr id="3" name="Content Placeholder 2"/>
-          <p:cNvSpPr>
-            <a:spLocks noGrp="1"/>
-          </p:cNvSpPr>
-          <p:nvPr>
-            <p:ph idx="1"/>
-          </p:nvPr>
-        </p:nvSpPr>
-        <p:spPr/>
-        <p:txBody>
-          <a:bodyPr/>
-          <a:lstStyle/>
-          <a:p>
-            <a:pPr marL="0" indent="0">
-              <a:buNone/>
-            </a:pPr>
-            <a:r>
-              <a:rPr lang="en-GB" dirty="0"/>
-              <a:t>Must be </a:t>
-            </a:r>
-            <a:r>
-              <a:rPr lang="en-GB" i="1" dirty="0"/>
-              <a:t>potentially</a:t>
-            </a:r>
-            <a:r>
-              <a:rPr lang="en-GB" dirty="0"/>
-              <a:t> refutable. </a:t>
-            </a:r>
-          </a:p>
-          <a:p>
-            <a:pPr marL="0" indent="0">
-              <a:buNone/>
-            </a:pPr>
-            <a:endParaRPr lang="en-GB" dirty="0"/>
-          </a:p>
-          <a:p>
-            <a:pPr marL="0" indent="0">
-              <a:buNone/>
-            </a:pPr>
-            <a:r>
-              <a:rPr lang="en-GB" dirty="0"/>
-              <a:t>Not all theories can be disproved. </a:t>
-            </a:r>
-          </a:p>
-          <a:p>
-            <a:pPr marL="0" indent="0">
-              <a:buNone/>
-            </a:pPr>
-            <a:r>
-              <a:rPr lang="en-GB" dirty="0"/>
-              <a:t>	</a:t>
-            </a:r>
-          </a:p>
-        </p:txBody>
-      </p:sp>
-    </p:spTree>
-    <p:extLst>
-      <p:ext uri="{BB962C8B-B14F-4D97-AF65-F5344CB8AC3E}">
-        <p14:creationId xmlns:p14="http://schemas.microsoft.com/office/powerpoint/2010/main" val="2510076036"/>
-      </p:ext>
-    </p:extLst>
-  </p:cSld>
-  <p:clrMapOvr>
-    <a:masterClrMapping/>
-  </p:clrMapOvr>
-</p:sld>
-</file>
-
-<file path=ppt/slides/slide22.xml><?xml version="1.0" encoding="utf-8"?>
-<p:sld xmlns:a="http://schemas.openxmlformats.org/drawingml/2006/main" xmlns:r="http://schemas.openxmlformats.org/officeDocument/2006/relationships" xmlns:p="http://schemas.openxmlformats.org/presentationml/2006/main">
-  <p:cSld>
-    <p:spTree>
-      <p:nvGrpSpPr>
-        <p:cNvPr id="1" name=""/>
-        <p:cNvGrpSpPr/>
-        <p:nvPr/>
-      </p:nvGrpSpPr>
-      <p:grpSpPr>
-        <a:xfrm>
-          <a:off x="0" y="0"/>
-          <a:ext cx="0" cy="0"/>
-          <a:chOff x="0" y="0"/>
-          <a:chExt cx="0" cy="0"/>
-        </a:xfrm>
-      </p:grpSpPr>
-      <p:sp>
-        <p:nvSpPr>
-          <p:cNvPr id="2" name="Title 1"/>
-          <p:cNvSpPr>
-            <a:spLocks noGrp="1"/>
-          </p:cNvSpPr>
-          <p:nvPr>
-            <p:ph type="title"/>
-          </p:nvPr>
-        </p:nvSpPr>
-        <p:spPr>
-          <a:xfrm>
-            <a:off x="838200" y="365125"/>
-            <a:ext cx="10972800" cy="1325563"/>
-          </a:xfrm>
-        </p:spPr>
-        <p:txBody>
-          <a:bodyPr/>
-          <a:lstStyle/>
-          <a:p>
-            <a:r>
-              <a:rPr lang="en-GB" dirty="0"/>
-              <a:t>Are facts established by science actually “true”? </a:t>
-            </a:r>
-          </a:p>
-        </p:txBody>
-      </p:sp>
-      <p:sp>
-        <p:nvSpPr>
-          <p:cNvPr id="3" name="Content Placeholder 2"/>
-          <p:cNvSpPr>
-            <a:spLocks noGrp="1"/>
-          </p:cNvSpPr>
-          <p:nvPr>
-            <p:ph idx="1"/>
-          </p:nvPr>
-        </p:nvSpPr>
-        <p:spPr/>
-        <p:txBody>
-          <a:bodyPr/>
-          <a:lstStyle/>
-          <a:p>
-            <a:pPr marL="0" indent="0">
-              <a:buNone/>
-            </a:pPr>
-            <a:r>
-              <a:rPr lang="en-GB" dirty="0"/>
-              <a:t>One criticism is that science isn’t truly objective. There are biases in</a:t>
-            </a:r>
-          </a:p>
-          <a:p>
-            <a:pPr marL="0" indent="0">
-              <a:buNone/>
-            </a:pPr>
-            <a:r>
-              <a:rPr lang="en-GB" dirty="0"/>
-              <a:t>	The questions asked</a:t>
-            </a:r>
-          </a:p>
-          <a:p>
-            <a:pPr marL="0" indent="0">
-              <a:buNone/>
-            </a:pPr>
-            <a:r>
-              <a:rPr lang="en-GB" dirty="0"/>
-              <a:t>	The methods used</a:t>
-            </a:r>
-          </a:p>
-          <a:p>
-            <a:pPr marL="0" indent="0">
-              <a:buNone/>
-            </a:pPr>
-            <a:r>
-              <a:rPr lang="en-GB" dirty="0"/>
-              <a:t>	The interpretations made</a:t>
-            </a:r>
-          </a:p>
-          <a:p>
-            <a:pPr marL="0" indent="0">
-              <a:buNone/>
-            </a:pPr>
-            <a:endParaRPr lang="en-GB" dirty="0"/>
-          </a:p>
-          <a:p>
-            <a:pPr marL="0" indent="0">
-              <a:buNone/>
-            </a:pPr>
-            <a:r>
-              <a:rPr lang="en-GB" dirty="0"/>
-              <a:t>Another criticism is that scientific facts are only true until they are disproved by an advance in our understanding.  </a:t>
-            </a:r>
-          </a:p>
-          <a:p>
-            <a:pPr marL="0" indent="0">
-              <a:buNone/>
-            </a:pPr>
-            <a:endParaRPr lang="en-GB" dirty="0"/>
-          </a:p>
-        </p:txBody>
-      </p:sp>
-    </p:spTree>
-    <p:extLst>
-      <p:ext uri="{BB962C8B-B14F-4D97-AF65-F5344CB8AC3E}">
-        <p14:creationId xmlns:p14="http://schemas.microsoft.com/office/powerpoint/2010/main" val="4245732071"/>
-      </p:ext>
-    </p:extLst>
-  </p:cSld>
-  <p:clrMapOvr>
-    <a:masterClrMapping/>
-  </p:clrMapOvr>
-</p:sld>
-</file>
-
-<file path=ppt/slides/slide23.xml><?xml version="1.0" encoding="utf-8"?>
-<p:sld xmlns:a="http://schemas.openxmlformats.org/drawingml/2006/main" xmlns:r="http://schemas.openxmlformats.org/officeDocument/2006/relationships" xmlns:p="http://schemas.openxmlformats.org/presentationml/2006/main">
-  <p:cSld>
-    <p:spTree>
-      <p:nvGrpSpPr>
-        <p:cNvPr id="1" name=""/>
-        <p:cNvGrpSpPr/>
-        <p:nvPr/>
-      </p:nvGrpSpPr>
-      <p:grpSpPr>
-        <a:xfrm>
-          <a:off x="0" y="0"/>
-          <a:ext cx="0" cy="0"/>
-          <a:chOff x="0" y="0"/>
-          <a:chExt cx="0" cy="0"/>
-        </a:xfrm>
-      </p:grpSpPr>
-      <p:sp>
-        <p:nvSpPr>
-          <p:cNvPr id="2" name="Title 1"/>
-          <p:cNvSpPr>
-            <a:spLocks noGrp="1"/>
-          </p:cNvSpPr>
-          <p:nvPr>
-            <p:ph type="title"/>
-          </p:nvPr>
-        </p:nvSpPr>
-        <p:spPr/>
-        <p:txBody>
-          <a:bodyPr/>
-          <a:lstStyle/>
-          <a:p>
-            <a:r>
-              <a:rPr lang="en-GB" dirty="0"/>
-              <a:t>Think of science as delivering answers that are less wrong. </a:t>
-            </a:r>
-          </a:p>
-        </p:txBody>
-      </p:sp>
-      <p:sp>
-        <p:nvSpPr>
-          <p:cNvPr id="3" name="Content Placeholder 2"/>
-          <p:cNvSpPr>
-            <a:spLocks noGrp="1"/>
-          </p:cNvSpPr>
-          <p:nvPr>
-            <p:ph idx="1"/>
-          </p:nvPr>
-        </p:nvSpPr>
-        <p:spPr/>
-        <p:txBody>
-          <a:bodyPr/>
-          <a:lstStyle/>
-          <a:p>
-            <a:pPr marL="0" indent="0">
-              <a:buNone/>
-            </a:pPr>
-            <a:r>
-              <a:rPr lang="en-GB" dirty="0"/>
-              <a:t>An answer that is less wrong is more </a:t>
-            </a:r>
-            <a:r>
-              <a:rPr lang="en-GB" sz="4000" dirty="0">
-                <a:solidFill>
-                  <a:srgbClr val="FF0000"/>
-                </a:solidFill>
-              </a:rPr>
-              <a:t>useful.</a:t>
-            </a:r>
-            <a:endParaRPr lang="en-GB" dirty="0"/>
-          </a:p>
-          <a:p>
-            <a:pPr marL="0" indent="0">
-              <a:buNone/>
-            </a:pPr>
-            <a:endParaRPr lang="en-GB" sz="4000" dirty="0">
-              <a:solidFill>
-                <a:srgbClr val="FF0000"/>
-              </a:solidFill>
-            </a:endParaRPr>
-          </a:p>
-          <a:p>
-            <a:pPr marL="0" indent="0">
-              <a:buNone/>
-            </a:pPr>
-            <a:r>
-              <a:rPr lang="en-GB" dirty="0"/>
-              <a:t>i.e. we can make better predictions about the world. </a:t>
-            </a:r>
-          </a:p>
-          <a:p>
-            <a:pPr marL="0" indent="0">
-              <a:buNone/>
-            </a:pPr>
-            <a:r>
-              <a:rPr lang="en-GB" dirty="0"/>
-              <a:t>	predictions that are more accurate (</a:t>
-            </a:r>
-            <a:r>
-              <a:rPr lang="en-GB" i="1" dirty="0"/>
-              <a:t>precision</a:t>
-            </a:r>
-            <a:r>
-              <a:rPr lang="en-GB" dirty="0"/>
-              <a:t>)</a:t>
-            </a:r>
-          </a:p>
-          <a:p>
-            <a:pPr marL="0" indent="0">
-              <a:buNone/>
-            </a:pPr>
-            <a:r>
-              <a:rPr lang="en-GB" dirty="0"/>
-              <a:t>	predictions that apply in more circumstances (</a:t>
-            </a:r>
-            <a:r>
-              <a:rPr lang="en-GB" i="1" dirty="0"/>
-              <a:t>generalisation</a:t>
-            </a:r>
-            <a:r>
-              <a:rPr lang="en-GB" dirty="0"/>
-              <a:t>)</a:t>
-            </a:r>
-          </a:p>
-          <a:p>
-            <a:pPr marL="0" indent="0">
-              <a:buNone/>
-            </a:pPr>
-            <a:endParaRPr lang="en-GB" dirty="0"/>
-          </a:p>
-        </p:txBody>
-      </p:sp>
-    </p:spTree>
-    <p:extLst>
-      <p:ext uri="{BB962C8B-B14F-4D97-AF65-F5344CB8AC3E}">
-        <p14:creationId xmlns:p14="http://schemas.microsoft.com/office/powerpoint/2010/main" val="4224303823"/>
-      </p:ext>
-    </p:extLst>
-  </p:cSld>
-  <p:clrMapOvr>
-    <a:masterClrMapping/>
-  </p:clrMapOvr>
-</p:sld>
-</file>
-
 <file path=ppt/slides/slide24.xml><?xml version="1.0" encoding="utf-8"?>
 <p:sld xmlns:a="http://schemas.openxmlformats.org/drawingml/2006/main" xmlns:r="http://schemas.openxmlformats.org/officeDocument/2006/relationships" xmlns:p="http://schemas.openxmlformats.org/presentationml/2006/main">
   <p:cSld>
@@ -6838,7 +7057,7 @@
           <a:p>
             <a:r>
               <a:rPr lang="en-GB" dirty="0"/>
-              <a:t>Theories can be more or less accurate</a:t>
+              <a:t>A scientific theory</a:t>
             </a:r>
           </a:p>
         </p:txBody>
@@ -6863,7 +7082,15 @@
             </a:pPr>
             <a:r>
               <a:rPr lang="en-GB" dirty="0"/>
-              <a:t>e.g. You observe an outcome (in a psychological experiment) that is consistent with Theory A, but not Theory B. </a:t>
+              <a:t>Must be </a:t>
+            </a:r>
+            <a:r>
+              <a:rPr lang="en-GB" i="1" dirty="0"/>
+              <a:t>potentially</a:t>
+            </a:r>
+            <a:r>
+              <a:rPr lang="en-GB" dirty="0"/>
+              <a:t> refutable. </a:t>
             </a:r>
           </a:p>
           <a:p>
@@ -6878,30 +7105,16 @@
             </a:pPr>
             <a:r>
               <a:rPr lang="en-GB" dirty="0"/>
-              <a:t>For this outcome, Theory A is better than Theory B. </a:t>
-            </a:r>
-          </a:p>
-          <a:p>
-            <a:pPr marL="0" indent="0">
-              <a:buNone/>
-            </a:pPr>
-            <a:endParaRPr lang="en-GB" dirty="0"/>
-          </a:p>
-          <a:p>
-            <a:pPr marL="0" indent="0">
-              <a:buNone/>
-            </a:pPr>
-            <a:r>
-              <a:rPr lang="en-GB" dirty="0"/>
-              <a:t>Theory A </a:t>
-            </a:r>
-            <a:r>
-              <a:rPr lang="en-GB"/>
-              <a:t>is less </a:t>
-            </a:r>
-            <a:r>
-              <a:rPr lang="en-GB" dirty="0"/>
-              <a:t>wrong than Theory B (in this instance). </a:t>
+              <a:t>Not all theories can be disproved. </a:t>
+            </a:r>
+          </a:p>
+          <a:p>
+            <a:pPr marL="0" indent="0">
+              <a:buNone/>
+            </a:pPr>
+            <a:r>
+              <a:rPr lang="en-GB" dirty="0"/>
+              <a:t>	</a:t>
             </a:r>
           </a:p>
         </p:txBody>
@@ -6909,7 +7122,7 @@
     </p:spTree>
     <p:extLst>
       <p:ext uri="{BB962C8B-B14F-4D97-AF65-F5344CB8AC3E}">
-        <p14:creationId xmlns:p14="http://schemas.microsoft.com/office/powerpoint/2010/main" val="2254222529"/>
+        <p14:creationId xmlns:p14="http://schemas.microsoft.com/office/powerpoint/2010/main" val="2510076036"/>
       </p:ext>
     </p:extLst>
   </p:cSld>
@@ -6946,39 +7159,71 @@
             <p:ph type="title"/>
           </p:nvPr>
         </p:nvSpPr>
+        <p:spPr>
+          <a:xfrm>
+            <a:off x="838200" y="365125"/>
+            <a:ext cx="10972800" cy="1325563"/>
+          </a:xfrm>
+        </p:spPr>
+        <p:txBody>
+          <a:bodyPr/>
+          <a:lstStyle/>
+          <a:p>
+            <a:r>
+              <a:rPr lang="en-GB" dirty="0"/>
+              <a:t>Are facts established by science actually “true”? </a:t>
+            </a:r>
+          </a:p>
+        </p:txBody>
+      </p:sp>
+      <p:sp>
+        <p:nvSpPr>
+          <p:cNvPr id="3" name="Content Placeholder 2"/>
+          <p:cNvSpPr>
+            <a:spLocks noGrp="1"/>
+          </p:cNvSpPr>
+          <p:nvPr>
+            <p:ph idx="1"/>
+          </p:nvPr>
+        </p:nvSpPr>
         <p:spPr/>
         <p:txBody>
           <a:bodyPr/>
           <a:lstStyle/>
           <a:p>
-            <a:r>
-              <a:rPr lang="en-GB" dirty="0"/>
-              <a:t>Belief in Science vs belief in Authority.</a:t>
-            </a:r>
-          </a:p>
-        </p:txBody>
-      </p:sp>
-      <p:sp>
-        <p:nvSpPr>
-          <p:cNvPr id="3" name="Content Placeholder 2"/>
-          <p:cNvSpPr>
-            <a:spLocks noGrp="1"/>
-          </p:cNvSpPr>
-          <p:nvPr>
-            <p:ph idx="1"/>
-          </p:nvPr>
-        </p:nvSpPr>
-        <p:spPr/>
-        <p:txBody>
-          <a:bodyPr/>
-          <a:lstStyle/>
-          <a:p>
-            <a:pPr marL="0" indent="0">
-              <a:buNone/>
-            </a:pPr>
-            <a:r>
-              <a:rPr lang="en-GB" dirty="0"/>
-              <a:t>We don’t have the time / resources / ability to test all the “facts” we are told (and so “know”). But facts based upon scientific evidence…</a:t>
+            <a:pPr marL="0" indent="0">
+              <a:buNone/>
+            </a:pPr>
+            <a:r>
+              <a:rPr lang="en-GB" dirty="0"/>
+              <a:t>One criticism is that science isn’t truly objective. There are biases in</a:t>
+            </a:r>
+          </a:p>
+          <a:p>
+            <a:pPr marL="0" indent="0">
+              <a:buNone/>
+            </a:pPr>
+            <a:r>
+              <a:rPr lang="en-GB" dirty="0"/>
+              <a:t>	The questions asked</a:t>
+            </a:r>
+          </a:p>
+          <a:p>
+            <a:pPr marL="0" indent="0">
+              <a:buNone/>
+            </a:pPr>
+            <a:r>
+              <a:rPr lang="en-GB" dirty="0"/>
+              <a:t>	The methods used</a:t>
+            </a:r>
+          </a:p>
+          <a:p>
+            <a:pPr marL="0" indent="0">
+              <a:buNone/>
+            </a:pPr>
+            <a:r>
+              <a:rPr lang="en-GB" dirty="0"/>
+              <a:t>	The interpretations made</a:t>
             </a:r>
           </a:p>
           <a:p>
@@ -6988,50 +7233,26 @@
             <a:endParaRPr lang="en-GB" dirty="0"/>
           </a:p>
           <a:p>
-            <a:pPr marL="514350" indent="-514350">
-              <a:buAutoNum type="arabicParenR"/>
-            </a:pPr>
-            <a:r>
-              <a:rPr lang="en-GB" dirty="0"/>
-              <a:t>Are potentially refutable (by someone)</a:t>
-            </a:r>
-          </a:p>
-          <a:p>
-            <a:pPr marL="514350" indent="-514350">
-              <a:buAutoNum type="arabicParenR"/>
+            <a:pPr marL="0" indent="0">
+              <a:buNone/>
+            </a:pPr>
+            <a:r>
+              <a:rPr lang="en-GB" dirty="0"/>
+              <a:t>Another criticism is that scientific facts are only true until they are disproved by an advance in our understanding.  </a:t>
+            </a:r>
+          </a:p>
+          <a:p>
+            <a:pPr marL="0" indent="0">
+              <a:buNone/>
             </a:pPr>
             <a:endParaRPr lang="en-GB" dirty="0"/>
-          </a:p>
-          <a:p>
-            <a:pPr marL="514350" indent="-514350">
-              <a:buAutoNum type="arabicParenR"/>
-            </a:pPr>
-            <a:r>
-              <a:rPr lang="en-GB" dirty="0"/>
-              <a:t>Would eventually be rediscovered if all knowledge were lost and humanity had to start again.   </a:t>
-            </a:r>
-          </a:p>
-          <a:p>
-            <a:pPr marL="0" indent="0">
-              <a:buNone/>
-            </a:pPr>
-            <a:endParaRPr lang="en-GB" dirty="0"/>
-          </a:p>
-          <a:p>
-            <a:pPr marL="0" indent="0">
-              <a:buNone/>
-            </a:pPr>
-            <a:r>
-              <a:rPr lang="en-GB" dirty="0"/>
-              <a:t>The same isn’t true of claims based entirely on Authority. </a:t>
-            </a:r>
           </a:p>
         </p:txBody>
       </p:sp>
     </p:spTree>
     <p:extLst>
       <p:ext uri="{BB962C8B-B14F-4D97-AF65-F5344CB8AC3E}">
-        <p14:creationId xmlns:p14="http://schemas.microsoft.com/office/powerpoint/2010/main" val="3171369778"/>
+        <p14:creationId xmlns:p14="http://schemas.microsoft.com/office/powerpoint/2010/main" val="4245732071"/>
       </p:ext>
     </p:extLst>
   </p:cSld>
@@ -7074,37 +7295,95 @@
           <a:lstStyle/>
           <a:p>
             <a:r>
+              <a:rPr lang="en-GB" dirty="0"/>
+              <a:t>Think of science as delivering answers that are less wrong. </a:t>
+            </a:r>
+          </a:p>
+        </p:txBody>
+      </p:sp>
+      <p:sp>
+        <p:nvSpPr>
+          <p:cNvPr id="3" name="Content Placeholder 2"/>
+          <p:cNvSpPr>
+            <a:spLocks noGrp="1"/>
+          </p:cNvSpPr>
+          <p:nvPr>
+            <p:ph idx="1"/>
+          </p:nvPr>
+        </p:nvSpPr>
+        <p:spPr/>
+        <p:txBody>
+          <a:bodyPr/>
+          <a:lstStyle/>
+          <a:p>
+            <a:pPr marL="0" indent="0">
+              <a:buNone/>
+            </a:pPr>
+            <a:r>
+              <a:rPr lang="en-GB" dirty="0"/>
+              <a:t>An answer that is less wrong is more </a:t>
+            </a:r>
+            <a:r>
+              <a:rPr lang="en-GB" sz="4000" dirty="0">
+                <a:solidFill>
+                  <a:srgbClr val="FF0000"/>
+                </a:solidFill>
+              </a:rPr>
+              <a:t>useful.</a:t>
+            </a:r>
+            <a:endParaRPr lang="en-GB" dirty="0"/>
+          </a:p>
+          <a:p>
+            <a:pPr marL="0" indent="0">
+              <a:buNone/>
+            </a:pPr>
+            <a:endParaRPr lang="en-GB" sz="4000" dirty="0">
+              <a:solidFill>
+                <a:srgbClr val="FF0000"/>
+              </a:solidFill>
+            </a:endParaRPr>
+          </a:p>
+          <a:p>
+            <a:pPr marL="0" indent="0">
+              <a:buNone/>
+            </a:pPr>
+            <a:r>
+              <a:rPr lang="en-GB" dirty="0"/>
+              <a:t>i.e. we can make better predictions about the world. </a:t>
+            </a:r>
+          </a:p>
+          <a:p>
+            <a:pPr marL="0" indent="0">
+              <a:buNone/>
+            </a:pPr>
+            <a:r>
+              <a:rPr lang="en-GB" dirty="0"/>
+              <a:t>	predictions that are more accurate (</a:t>
+            </a:r>
+            <a:r>
               <a:rPr lang="en-GB" i="1" dirty="0"/>
-              <a:t>Psychology</a:t>
-            </a:r>
-            <a:r>
-              <a:rPr lang="en-GB" dirty="0"/>
-              <a:t> as a science</a:t>
-            </a:r>
-          </a:p>
-        </p:txBody>
-      </p:sp>
-      <p:sp>
-        <p:nvSpPr>
-          <p:cNvPr id="3" name="Content Placeholder 2"/>
-          <p:cNvSpPr>
-            <a:spLocks noGrp="1"/>
-          </p:cNvSpPr>
-          <p:nvPr>
-            <p:ph idx="1"/>
-          </p:nvPr>
-        </p:nvSpPr>
-        <p:spPr/>
-        <p:txBody>
-          <a:bodyPr/>
-          <a:lstStyle/>
-          <a:p>
-            <a:pPr marL="0" indent="0">
-              <a:buNone/>
-            </a:pPr>
-            <a:r>
-              <a:rPr lang="en-GB" dirty="0"/>
-              <a:t>Human behaviours can be observed.</a:t>
+              <a:t>precision</a:t>
+            </a:r>
+            <a:r>
+              <a:rPr lang="en-GB" dirty="0"/>
+              <a:t>)</a:t>
+            </a:r>
+          </a:p>
+          <a:p>
+            <a:pPr marL="0" indent="0">
+              <a:buNone/>
+            </a:pPr>
+            <a:r>
+              <a:rPr lang="en-GB" dirty="0"/>
+              <a:t>	predictions that apply in more circumstances (</a:t>
+            </a:r>
+            <a:r>
+              <a:rPr lang="en-GB" i="1" dirty="0"/>
+              <a:t>generalisation</a:t>
+            </a:r>
+            <a:r>
+              <a:rPr lang="en-GB" dirty="0"/>
+              <a:t>)</a:t>
             </a:r>
           </a:p>
           <a:p>
@@ -7112,61 +7391,13 @@
               <a:buNone/>
             </a:pPr>
             <a:endParaRPr lang="en-GB" dirty="0"/>
-          </a:p>
-          <a:p>
-            <a:pPr marL="0" indent="0">
-              <a:buNone/>
-            </a:pPr>
-            <a:r>
-              <a:rPr lang="en-GB" dirty="0"/>
-              <a:t>Predictions about human behaviour can be tested.</a:t>
-            </a:r>
-          </a:p>
-          <a:p>
-            <a:pPr marL="0" indent="0">
-              <a:buNone/>
-            </a:pPr>
-            <a:endParaRPr lang="en-GB" dirty="0"/>
-          </a:p>
-          <a:p>
-            <a:pPr marL="0" indent="0">
-              <a:buNone/>
-            </a:pPr>
-            <a:r>
-              <a:rPr lang="en-GB" dirty="0"/>
-              <a:t>The results can be disseminated</a:t>
-            </a:r>
-          </a:p>
-          <a:p>
-            <a:pPr marL="0" indent="0">
-              <a:buNone/>
-            </a:pPr>
-            <a:r>
-              <a:rPr lang="en-GB" dirty="0"/>
-              <a:t>	(Theories can be developed). </a:t>
-            </a:r>
-          </a:p>
-          <a:p>
-            <a:pPr marL="0" indent="0">
-              <a:buNone/>
-            </a:pPr>
-            <a:endParaRPr lang="en-GB" dirty="0"/>
-          </a:p>
-          <a:p>
-            <a:pPr marL="0" indent="0">
-              <a:buNone/>
-            </a:pPr>
-            <a:r>
-              <a:rPr lang="en-GB" dirty="0"/>
-              <a:t>i.e. Psychological knowledge is the result of the scientific method. </a:t>
-            </a:r>
           </a:p>
         </p:txBody>
       </p:sp>
     </p:spTree>
     <p:extLst>
       <p:ext uri="{BB962C8B-B14F-4D97-AF65-F5344CB8AC3E}">
-        <p14:creationId xmlns:p14="http://schemas.microsoft.com/office/powerpoint/2010/main" val="136618630"/>
+        <p14:creationId xmlns:p14="http://schemas.microsoft.com/office/powerpoint/2010/main" val="4224303823"/>
       </p:ext>
     </p:extLst>
   </p:cSld>
@@ -7210,7 +7441,7 @@
           <a:p>
             <a:r>
               <a:rPr lang="en-GB" dirty="0"/>
-              <a:t>Psychological constructs</a:t>
+              <a:t>Theories can be more or less accurate</a:t>
             </a:r>
           </a:p>
         </p:txBody>
@@ -7225,157 +7456,55 @@
             <p:ph idx="1"/>
           </p:nvPr>
         </p:nvSpPr>
-        <p:spPr>
-          <a:xfrm>
-            <a:off x="838200" y="1825625"/>
-            <a:ext cx="5674743" cy="4351338"/>
-          </a:xfrm>
-        </p:spPr>
-        <p:txBody>
-          <a:bodyPr>
-            <a:normAutofit fontScale="92500" lnSpcReduction="10000"/>
-          </a:bodyPr>
-          <a:lstStyle/>
-          <a:p>
-            <a:pPr marL="0" indent="0">
-              <a:buNone/>
-            </a:pPr>
-            <a:r>
-              <a:rPr lang="en-GB" dirty="0"/>
-              <a:t>You just made a series of judgements about common psychological constructs: </a:t>
-            </a:r>
-          </a:p>
-          <a:p>
-            <a:pPr marL="0" indent="0">
-              <a:buNone/>
-            </a:pPr>
-            <a:r>
-              <a:rPr lang="en-GB" dirty="0"/>
-              <a:t>	Happiness </a:t>
-            </a:r>
-          </a:p>
-          <a:p>
-            <a:pPr marL="0" indent="0">
-              <a:buNone/>
-            </a:pPr>
-            <a:r>
-              <a:rPr lang="en-GB" dirty="0"/>
-              <a:t>	Sadness</a:t>
-            </a:r>
-          </a:p>
-          <a:p>
-            <a:pPr marL="0" indent="0">
-              <a:buNone/>
-            </a:pPr>
-            <a:r>
-              <a:rPr lang="en-GB" dirty="0"/>
-              <a:t>	Intelligence</a:t>
-            </a:r>
-          </a:p>
-          <a:p>
-            <a:pPr marL="0" indent="0">
-              <a:buNone/>
-            </a:pPr>
-            <a:r>
-              <a:rPr lang="en-GB" dirty="0"/>
-              <a:t>	Prejudice</a:t>
-            </a:r>
-          </a:p>
-          <a:p>
-            <a:pPr marL="0" indent="0">
-              <a:buNone/>
-            </a:pPr>
-            <a:r>
-              <a:rPr lang="en-GB" dirty="0"/>
-              <a:t>	Memory</a:t>
-            </a:r>
-          </a:p>
-          <a:p>
-            <a:pPr marL="0" indent="0">
-              <a:buNone/>
-            </a:pPr>
-            <a:r>
-              <a:rPr lang="en-GB" dirty="0"/>
-              <a:t>	Anger</a:t>
-            </a:r>
-          </a:p>
-          <a:p>
-            <a:pPr marL="0" indent="0">
-              <a:buNone/>
-            </a:pPr>
-            <a:r>
-              <a:rPr lang="en-GB" dirty="0"/>
-              <a:t>	Concentration / boredom</a:t>
-            </a:r>
-          </a:p>
-          <a:p>
-            <a:pPr marL="0" indent="0">
-              <a:buNone/>
-            </a:pPr>
-            <a:r>
-              <a:rPr lang="en-GB" dirty="0"/>
-              <a:t>	</a:t>
-            </a:r>
-          </a:p>
-        </p:txBody>
-      </p:sp>
-      <p:sp>
-        <p:nvSpPr>
-          <p:cNvPr id="4" name="TextBox 3"/>
-          <p:cNvSpPr txBox="1"/>
-          <p:nvPr/>
-        </p:nvSpPr>
-        <p:spPr>
-          <a:xfrm>
-            <a:off x="6903468" y="2514600"/>
-            <a:ext cx="4945632" cy="3416320"/>
-          </a:xfrm>
-          <a:prstGeom prst="rect">
-            <a:avLst/>
-          </a:prstGeom>
-          <a:noFill/>
-        </p:spPr>
-        <p:txBody>
-          <a:bodyPr wrap="square" rtlCol="0">
-            <a:spAutoFit/>
-          </a:bodyPr>
-          <a:lstStyle/>
-          <a:p>
-            <a:r>
-              <a:rPr lang="en-GB" sz="2400" dirty="0"/>
-              <a:t>You didn’t have difficulty in accepting these constructs exist. </a:t>
-            </a:r>
-          </a:p>
-          <a:p>
-            <a:endParaRPr lang="en-GB" sz="2400" dirty="0"/>
-          </a:p>
-          <a:p>
-            <a:endParaRPr lang="en-GB" sz="2400" dirty="0"/>
-          </a:p>
-          <a:p>
-            <a:r>
-              <a:rPr lang="en-GB" sz="2400" dirty="0"/>
-              <a:t>But none of them exist in the physical world. </a:t>
-            </a:r>
-          </a:p>
-          <a:p>
-            <a:endParaRPr lang="en-GB" sz="2400" dirty="0"/>
-          </a:p>
-          <a:p>
-            <a:r>
-              <a:rPr lang="en-GB" sz="2400" dirty="0"/>
-              <a:t>i.e. they can’t be directly measured. </a:t>
-            </a:r>
-          </a:p>
-          <a:p>
-            <a:endParaRPr lang="en-GB" sz="2400" dirty="0"/>
+        <p:spPr/>
+        <p:txBody>
+          <a:bodyPr/>
+          <a:lstStyle/>
+          <a:p>
+            <a:pPr marL="0" indent="0">
+              <a:buNone/>
+            </a:pPr>
+            <a:r>
+              <a:rPr lang="en-GB" dirty="0"/>
+              <a:t>e.g. You observe an outcome (in a psychological experiment) that is consistent with Theory A, but not Theory B. </a:t>
+            </a:r>
+          </a:p>
+          <a:p>
+            <a:pPr marL="0" indent="0">
+              <a:buNone/>
+            </a:pPr>
+            <a:endParaRPr lang="en-GB" dirty="0"/>
+          </a:p>
+          <a:p>
+            <a:pPr marL="0" indent="0">
+              <a:buNone/>
+            </a:pPr>
+            <a:r>
+              <a:rPr lang="en-GB" dirty="0"/>
+              <a:t>For this outcome, Theory A is better than Theory B. </a:t>
+            </a:r>
+          </a:p>
+          <a:p>
+            <a:pPr marL="0" indent="0">
+              <a:buNone/>
+            </a:pPr>
+            <a:endParaRPr lang="en-GB" dirty="0"/>
+          </a:p>
+          <a:p>
+            <a:pPr marL="0" indent="0">
+              <a:buNone/>
+            </a:pPr>
+            <a:r>
+              <a:rPr lang="en-GB" dirty="0"/>
+              <a:t>Theory A is less wrong than Theory B (in this instance). </a:t>
+            </a:r>
           </a:p>
         </p:txBody>
       </p:sp>
     </p:spTree>
     <p:extLst>
       <p:ext uri="{BB962C8B-B14F-4D97-AF65-F5344CB8AC3E}">
-        <p14:creationId xmlns:p14="http://schemas.microsoft.com/office/powerpoint/2010/main" val="3002103545"/>
+        <p14:creationId xmlns:p14="http://schemas.microsoft.com/office/powerpoint/2010/main" val="2254222529"/>
       </p:ext>
     </p:extLst>
   </p:cSld>
@@ -7418,165 +7547,91 @@
           <a:lstStyle/>
           <a:p>
             <a:r>
-              <a:rPr lang="en-GB" dirty="0"/>
-              <a:t>This is a common approach in science</a:t>
-            </a:r>
-          </a:p>
-        </p:txBody>
-      </p:sp>
-      <p:pic>
-        <p:nvPicPr>
-          <p:cNvPr id="5" name="Picture 4"/>
-          <p:cNvPicPr>
-            <a:picLocks noChangeAspect="1"/>
-          </p:cNvPicPr>
-          <p:nvPr/>
-        </p:nvPicPr>
-        <p:blipFill>
-          <a:blip r:embed="rId2"/>
-          <a:stretch>
-            <a:fillRect/>
-          </a:stretch>
-        </p:blipFill>
-        <p:spPr>
-          <a:xfrm>
-            <a:off x="1199521" y="1959814"/>
-            <a:ext cx="2581275" cy="1885950"/>
-          </a:xfrm>
-          <a:prstGeom prst="rect">
-            <a:avLst/>
-          </a:prstGeom>
-        </p:spPr>
-      </p:pic>
-      <p:sp>
-        <p:nvSpPr>
-          <p:cNvPr id="6" name="TextBox 5"/>
-          <p:cNvSpPr txBox="1"/>
-          <p:nvPr/>
-        </p:nvSpPr>
-        <p:spPr>
-          <a:xfrm>
-            <a:off x="4622141" y="2502645"/>
-            <a:ext cx="2096219" cy="584775"/>
-          </a:xfrm>
-          <a:prstGeom prst="rect">
-            <a:avLst/>
-          </a:prstGeom>
-          <a:noFill/>
-        </p:spPr>
-        <p:txBody>
-          <a:bodyPr wrap="square" rtlCol="0">
-            <a:spAutoFit/>
-          </a:bodyPr>
-          <a:lstStyle/>
-          <a:p>
-            <a:r>
-              <a:rPr lang="en-GB" sz="3200" dirty="0"/>
-              <a:t>=  “Gravity”</a:t>
-            </a:r>
-          </a:p>
-        </p:txBody>
-      </p:sp>
-      <p:pic>
-        <p:nvPicPr>
-          <p:cNvPr id="9" name="Picture 8"/>
-          <p:cNvPicPr>
-            <a:picLocks noChangeAspect="1"/>
-          </p:cNvPicPr>
-          <p:nvPr/>
-        </p:nvPicPr>
-        <p:blipFill>
-          <a:blip r:embed="rId3"/>
-          <a:stretch>
-            <a:fillRect/>
-          </a:stretch>
-        </p:blipFill>
-        <p:spPr>
-          <a:xfrm>
-            <a:off x="1323705" y="4289754"/>
-            <a:ext cx="2143125" cy="2143125"/>
-          </a:xfrm>
-          <a:prstGeom prst="rect">
-            <a:avLst/>
-          </a:prstGeom>
-        </p:spPr>
-      </p:pic>
-      <p:sp>
-        <p:nvSpPr>
-          <p:cNvPr id="10" name="TextBox 9"/>
-          <p:cNvSpPr txBox="1"/>
-          <p:nvPr/>
-        </p:nvSpPr>
-        <p:spPr>
-          <a:xfrm>
-            <a:off x="4622141" y="5068928"/>
-            <a:ext cx="2096219" cy="584775"/>
-          </a:xfrm>
-          <a:prstGeom prst="rect">
-            <a:avLst/>
-          </a:prstGeom>
-          <a:noFill/>
-        </p:spPr>
-        <p:txBody>
-          <a:bodyPr wrap="square" rtlCol="0">
-            <a:spAutoFit/>
-          </a:bodyPr>
-          <a:lstStyle/>
-          <a:p>
-            <a:r>
-              <a:rPr lang="en-GB" sz="3200" dirty="0"/>
-              <a:t>=  “Time”</a:t>
-            </a:r>
-          </a:p>
-        </p:txBody>
-      </p:sp>
-      <p:sp>
-        <p:nvSpPr>
-          <p:cNvPr id="11" name="TextBox 10"/>
-          <p:cNvSpPr txBox="1"/>
-          <p:nvPr/>
-        </p:nvSpPr>
-        <p:spPr>
-          <a:xfrm>
-            <a:off x="7372351" y="3129936"/>
-            <a:ext cx="4146970" cy="1938992"/>
-          </a:xfrm>
-          <a:prstGeom prst="rect">
-            <a:avLst/>
-          </a:prstGeom>
-          <a:noFill/>
-          <a:ln>
-            <a:solidFill>
-              <a:schemeClr val="tx1"/>
-            </a:solidFill>
-          </a:ln>
-        </p:spPr>
-        <p:txBody>
-          <a:bodyPr wrap="square" rtlCol="0">
-            <a:spAutoFit/>
-          </a:bodyPr>
-          <a:lstStyle/>
-          <a:p>
-            <a:r>
-              <a:rPr lang="en-GB" sz="2400" dirty="0"/>
-              <a:t>These are both observations of the </a:t>
-            </a:r>
-            <a:r>
-              <a:rPr lang="en-GB" sz="2400" u="sng" dirty="0"/>
-              <a:t>effects</a:t>
-            </a:r>
-            <a:r>
-              <a:rPr lang="en-GB" sz="2400" dirty="0"/>
-              <a:t> of the underlying construct. </a:t>
-            </a:r>
-          </a:p>
-          <a:p>
-            <a:endParaRPr lang="en-GB" sz="2400" u="sng" dirty="0"/>
-          </a:p>
-          <a:p>
-            <a:r>
-              <a:rPr lang="en-GB" sz="2400" dirty="0"/>
-              <a:t>We can’t “see” time or gravity.</a:t>
+              <a:rPr lang="en-GB" i="1" dirty="0"/>
+              <a:t>Psychology</a:t>
+            </a:r>
+            <a:r>
+              <a:rPr lang="en-GB" dirty="0"/>
+              <a:t> as a science</a:t>
+            </a:r>
+          </a:p>
+        </p:txBody>
+      </p:sp>
+      <p:sp>
+        <p:nvSpPr>
+          <p:cNvPr id="3" name="Content Placeholder 2"/>
+          <p:cNvSpPr>
+            <a:spLocks noGrp="1"/>
+          </p:cNvSpPr>
+          <p:nvPr>
+            <p:ph idx="1"/>
+          </p:nvPr>
+        </p:nvSpPr>
+        <p:spPr/>
+        <p:txBody>
+          <a:bodyPr/>
+          <a:lstStyle/>
+          <a:p>
+            <a:pPr marL="0" indent="0">
+              <a:buNone/>
+            </a:pPr>
+            <a:r>
+              <a:rPr lang="en-GB" dirty="0"/>
+              <a:t>Human behaviours can be observed.</a:t>
+            </a:r>
+          </a:p>
+          <a:p>
+            <a:pPr marL="0" indent="0">
+              <a:buNone/>
+            </a:pPr>
+            <a:endParaRPr lang="en-GB" dirty="0"/>
+          </a:p>
+          <a:p>
+            <a:pPr marL="0" indent="0">
+              <a:buNone/>
+            </a:pPr>
+            <a:r>
+              <a:rPr lang="en-GB" dirty="0"/>
+              <a:t>Predictions about human behaviour can be tested.</a:t>
+            </a:r>
+          </a:p>
+          <a:p>
+            <a:pPr marL="0" indent="0">
+              <a:buNone/>
+            </a:pPr>
+            <a:endParaRPr lang="en-GB" dirty="0"/>
+          </a:p>
+          <a:p>
+            <a:pPr marL="0" indent="0">
+              <a:buNone/>
+            </a:pPr>
+            <a:r>
+              <a:rPr lang="en-GB" dirty="0"/>
+              <a:t>The results can be disseminated</a:t>
+            </a:r>
+          </a:p>
+          <a:p>
+            <a:pPr marL="0" indent="0">
+              <a:buNone/>
+            </a:pPr>
+            <a:r>
+              <a:rPr lang="en-GB" dirty="0"/>
+              <a:t>	(Theories can be developed). </a:t>
+            </a:r>
+          </a:p>
+          <a:p>
+            <a:pPr marL="0" indent="0">
+              <a:buNone/>
+            </a:pPr>
+            <a:endParaRPr lang="en-GB" dirty="0"/>
+          </a:p>
+          <a:p>
+            <a:pPr marL="0" indent="0">
+              <a:buNone/>
+            </a:pPr>
+            <a:r>
+              <a:rPr lang="en-GB" dirty="0"/>
+              <a:t>i.e. Psychological knowledge is the result of the scientific method. </a:t>
             </a:r>
           </a:p>
         </p:txBody>
@@ -7584,7 +7639,7 @@
     </p:spTree>
     <p:extLst>
       <p:ext uri="{BB962C8B-B14F-4D97-AF65-F5344CB8AC3E}">
-        <p14:creationId xmlns:p14="http://schemas.microsoft.com/office/powerpoint/2010/main" val="2900624889"/>
+        <p14:creationId xmlns:p14="http://schemas.microsoft.com/office/powerpoint/2010/main" val="136618630"/>
       </p:ext>
     </p:extLst>
   </p:cSld>
@@ -7616,7 +7671,7 @@
           <p:cNvPr id="2" name="Title 1">
             <a:extLst>
               <a:ext uri="{FF2B5EF4-FFF2-40B4-BE49-F238E27FC236}">
-                <a16:creationId xmlns:a16="http://schemas.microsoft.com/office/drawing/2014/main" id="{618F485A-1EEB-590B-5F17-E52C2F55F192}"/>
+                <a16:creationId xmlns:a16="http://schemas.microsoft.com/office/drawing/2014/main" id="{66337468-0732-94A1-FB36-0F217AF6FE2F}"/>
               </a:ext>
             </a:extLst>
           </p:cNvPr>
@@ -7633,8 +7688,8 @@
           <a:lstStyle/>
           <a:p>
             <a:r>
-              <a:rPr lang="en-GB" dirty="0"/>
-              <a:t>The nature of Psychological evidence</a:t>
+              <a:rPr lang="en-US" dirty="0"/>
+              <a:t>Some questions (answer ’yes’ or ‘no’)</a:t>
             </a:r>
           </a:p>
         </p:txBody>
@@ -7644,7 +7699,7 @@
           <p:cNvPr id="3" name="Content Placeholder 2">
             <a:extLst>
               <a:ext uri="{FF2B5EF4-FFF2-40B4-BE49-F238E27FC236}">
-                <a16:creationId xmlns:a16="http://schemas.microsoft.com/office/drawing/2014/main" id="{D9B7C476-B6A6-0F2E-67BF-20037977A857}"/>
+                <a16:creationId xmlns:a16="http://schemas.microsoft.com/office/drawing/2014/main" id="{51BBEF35-34FC-586B-118C-40DF96BBB8C2}"/>
               </a:ext>
             </a:extLst>
           </p:cNvPr>
@@ -7660,57 +7715,48 @@
           <a:bodyPr/>
           <a:lstStyle/>
           <a:p>
-            <a:pPr marL="0" indent="0">
-              <a:buNone/>
-            </a:pPr>
-            <a:r>
-              <a:rPr lang="en-GB" dirty="0"/>
-              <a:t>1: Psychological constructs are not measured directly. </a:t>
-            </a:r>
-          </a:p>
-          <a:p>
-            <a:pPr marL="0" indent="0">
-              <a:buNone/>
-            </a:pPr>
-            <a:endParaRPr lang="en-GB" dirty="0"/>
-          </a:p>
-          <a:p>
-            <a:pPr marL="0" indent="0">
-              <a:buNone/>
-            </a:pPr>
-            <a:r>
-              <a:rPr lang="en-GB" dirty="0"/>
-              <a:t>2: For any psychological construct we expect people to vary. </a:t>
-            </a:r>
-          </a:p>
-          <a:p>
-            <a:pPr marL="0" indent="0">
-              <a:buNone/>
-            </a:pPr>
-            <a:endParaRPr lang="en-GB" dirty="0"/>
-          </a:p>
-          <a:p>
-            <a:pPr marL="0" indent="0">
-              <a:buNone/>
-            </a:pPr>
-            <a:r>
-              <a:rPr lang="en-GB" dirty="0"/>
-              <a:t>3: Variations in psychological constructs are often caused by many things.</a:t>
-            </a:r>
-          </a:p>
-          <a:p>
-            <a:pPr marL="0" indent="0">
-              <a:buNone/>
-            </a:pPr>
-            <a:endParaRPr lang="en-GB" dirty="0"/>
-          </a:p>
-          <a:p>
-            <a:pPr marL="0" indent="0">
-              <a:buNone/>
-            </a:pPr>
-            <a:r>
-              <a:rPr lang="en-GB" dirty="0"/>
-              <a:t>4: Measurements of psychological constructs are often “reactive”. </a:t>
+            <a:endParaRPr lang="en-US" dirty="0"/>
+          </a:p>
+          <a:p>
+            <a:r>
+              <a:rPr lang="en-US" dirty="0"/>
+              <a:t>Sometimes I feel happy</a:t>
+            </a:r>
+          </a:p>
+          <a:p>
+            <a:r>
+              <a:rPr lang="en-US" dirty="0"/>
+              <a:t>Sometimes I feel sad</a:t>
+            </a:r>
+          </a:p>
+          <a:p>
+            <a:r>
+              <a:rPr lang="en-US" dirty="0"/>
+              <a:t>Intelligent people are good at problem solving</a:t>
+            </a:r>
+          </a:p>
+          <a:p>
+            <a:r>
+              <a:rPr lang="en-US" dirty="0"/>
+              <a:t>Some people are prejudiced</a:t>
+            </a:r>
+          </a:p>
+          <a:p>
+            <a:r>
+              <a:rPr lang="en-US" dirty="0"/>
+              <a:t>Memory tends to get worse as you get old</a:t>
+            </a:r>
+          </a:p>
+          <a:p>
+            <a:r>
+              <a:rPr lang="en-US" dirty="0"/>
+              <a:t>People often shout when they are angry</a:t>
+            </a:r>
+          </a:p>
+          <a:p>
+            <a:r>
+              <a:rPr lang="en-US" dirty="0"/>
+              <a:t>It's hard to concentrate when you are bored</a:t>
             </a:r>
           </a:p>
         </p:txBody>
@@ -7718,7 +7764,7 @@
     </p:spTree>
     <p:extLst>
       <p:ext uri="{BB962C8B-B14F-4D97-AF65-F5344CB8AC3E}">
-        <p14:creationId xmlns:p14="http://schemas.microsoft.com/office/powerpoint/2010/main" val="1312649240"/>
+        <p14:creationId xmlns:p14="http://schemas.microsoft.com/office/powerpoint/2010/main" val="2541900045"/>
       </p:ext>
     </p:extLst>
   </p:cSld>
@@ -7856,6 +7902,558 @@
 </file>
 
 <file path=ppt/slides/slide30.xml><?xml version="1.0" encoding="utf-8"?>
+<p:sld xmlns:a="http://schemas.openxmlformats.org/drawingml/2006/main" xmlns:r="http://schemas.openxmlformats.org/officeDocument/2006/relationships" xmlns:p="http://schemas.openxmlformats.org/presentationml/2006/main">
+  <p:cSld>
+    <p:spTree>
+      <p:nvGrpSpPr>
+        <p:cNvPr id="1" name=""/>
+        <p:cNvGrpSpPr/>
+        <p:nvPr/>
+      </p:nvGrpSpPr>
+      <p:grpSpPr>
+        <a:xfrm>
+          <a:off x="0" y="0"/>
+          <a:ext cx="0" cy="0"/>
+          <a:chOff x="0" y="0"/>
+          <a:chExt cx="0" cy="0"/>
+        </a:xfrm>
+      </p:grpSpPr>
+      <p:sp>
+        <p:nvSpPr>
+          <p:cNvPr id="2" name="Title 1"/>
+          <p:cNvSpPr>
+            <a:spLocks noGrp="1"/>
+          </p:cNvSpPr>
+          <p:nvPr>
+            <p:ph type="title"/>
+          </p:nvPr>
+        </p:nvSpPr>
+        <p:spPr/>
+        <p:txBody>
+          <a:bodyPr/>
+          <a:lstStyle/>
+          <a:p>
+            <a:r>
+              <a:rPr lang="en-GB" dirty="0"/>
+              <a:t>Psychological constructs</a:t>
+            </a:r>
+          </a:p>
+        </p:txBody>
+      </p:sp>
+      <p:sp>
+        <p:nvSpPr>
+          <p:cNvPr id="3" name="Content Placeholder 2"/>
+          <p:cNvSpPr>
+            <a:spLocks noGrp="1"/>
+          </p:cNvSpPr>
+          <p:nvPr>
+            <p:ph idx="1"/>
+          </p:nvPr>
+        </p:nvSpPr>
+        <p:spPr>
+          <a:xfrm>
+            <a:off x="838200" y="1825625"/>
+            <a:ext cx="5674743" cy="4351338"/>
+          </a:xfrm>
+        </p:spPr>
+        <p:txBody>
+          <a:bodyPr>
+            <a:normAutofit fontScale="92500" lnSpcReduction="10000"/>
+          </a:bodyPr>
+          <a:lstStyle/>
+          <a:p>
+            <a:pPr marL="0" indent="0">
+              <a:buNone/>
+            </a:pPr>
+            <a:r>
+              <a:rPr lang="en-GB" dirty="0"/>
+              <a:t>You just made a series of judgements about common psychological constructs: </a:t>
+            </a:r>
+          </a:p>
+          <a:p>
+            <a:pPr marL="0" indent="0">
+              <a:buNone/>
+            </a:pPr>
+            <a:r>
+              <a:rPr lang="en-GB" dirty="0"/>
+              <a:t>	Happiness </a:t>
+            </a:r>
+          </a:p>
+          <a:p>
+            <a:pPr marL="0" indent="0">
+              <a:buNone/>
+            </a:pPr>
+            <a:r>
+              <a:rPr lang="en-GB" dirty="0"/>
+              <a:t>	Sadness</a:t>
+            </a:r>
+          </a:p>
+          <a:p>
+            <a:pPr marL="0" indent="0">
+              <a:buNone/>
+            </a:pPr>
+            <a:r>
+              <a:rPr lang="en-GB" dirty="0"/>
+              <a:t>	Intelligence</a:t>
+            </a:r>
+          </a:p>
+          <a:p>
+            <a:pPr marL="0" indent="0">
+              <a:buNone/>
+            </a:pPr>
+            <a:r>
+              <a:rPr lang="en-GB" dirty="0"/>
+              <a:t>	Prejudice</a:t>
+            </a:r>
+          </a:p>
+          <a:p>
+            <a:pPr marL="0" indent="0">
+              <a:buNone/>
+            </a:pPr>
+            <a:r>
+              <a:rPr lang="en-GB" dirty="0"/>
+              <a:t>	Memory</a:t>
+            </a:r>
+          </a:p>
+          <a:p>
+            <a:pPr marL="0" indent="0">
+              <a:buNone/>
+            </a:pPr>
+            <a:r>
+              <a:rPr lang="en-GB" dirty="0"/>
+              <a:t>	Anger</a:t>
+            </a:r>
+          </a:p>
+          <a:p>
+            <a:pPr marL="0" indent="0">
+              <a:buNone/>
+            </a:pPr>
+            <a:r>
+              <a:rPr lang="en-GB" dirty="0"/>
+              <a:t>	Concentration / boredom</a:t>
+            </a:r>
+          </a:p>
+          <a:p>
+            <a:pPr marL="0" indent="0">
+              <a:buNone/>
+            </a:pPr>
+            <a:r>
+              <a:rPr lang="en-GB" dirty="0"/>
+              <a:t>	</a:t>
+            </a:r>
+          </a:p>
+        </p:txBody>
+      </p:sp>
+      <p:sp>
+        <p:nvSpPr>
+          <p:cNvPr id="4" name="TextBox 3"/>
+          <p:cNvSpPr txBox="1"/>
+          <p:nvPr/>
+        </p:nvSpPr>
+        <p:spPr>
+          <a:xfrm>
+            <a:off x="6903468" y="2514600"/>
+            <a:ext cx="4945632" cy="3416320"/>
+          </a:xfrm>
+          <a:prstGeom prst="rect">
+            <a:avLst/>
+          </a:prstGeom>
+          <a:noFill/>
+        </p:spPr>
+        <p:txBody>
+          <a:bodyPr wrap="square" rtlCol="0">
+            <a:spAutoFit/>
+          </a:bodyPr>
+          <a:lstStyle/>
+          <a:p>
+            <a:r>
+              <a:rPr lang="en-GB" sz="2400" dirty="0"/>
+              <a:t>You didn’t have difficulty in accepting these constructs exist. </a:t>
+            </a:r>
+          </a:p>
+          <a:p>
+            <a:endParaRPr lang="en-GB" sz="2400" dirty="0"/>
+          </a:p>
+          <a:p>
+            <a:endParaRPr lang="en-GB" sz="2400" dirty="0"/>
+          </a:p>
+          <a:p>
+            <a:r>
+              <a:rPr lang="en-GB" sz="2400" dirty="0"/>
+              <a:t>But none of them exist in the physical world. </a:t>
+            </a:r>
+          </a:p>
+          <a:p>
+            <a:endParaRPr lang="en-GB" sz="2400" dirty="0"/>
+          </a:p>
+          <a:p>
+            <a:r>
+              <a:rPr lang="en-GB" sz="2400" dirty="0"/>
+              <a:t>i.e. they can’t be directly measured. </a:t>
+            </a:r>
+          </a:p>
+          <a:p>
+            <a:endParaRPr lang="en-GB" sz="2400" dirty="0"/>
+          </a:p>
+        </p:txBody>
+      </p:sp>
+    </p:spTree>
+    <p:extLst>
+      <p:ext uri="{BB962C8B-B14F-4D97-AF65-F5344CB8AC3E}">
+        <p14:creationId xmlns:p14="http://schemas.microsoft.com/office/powerpoint/2010/main" val="3002103545"/>
+      </p:ext>
+    </p:extLst>
+  </p:cSld>
+  <p:clrMapOvr>
+    <a:masterClrMapping/>
+  </p:clrMapOvr>
+</p:sld>
+</file>
+
+<file path=ppt/slides/slide31.xml><?xml version="1.0" encoding="utf-8"?>
+<p:sld xmlns:a="http://schemas.openxmlformats.org/drawingml/2006/main" xmlns:r="http://schemas.openxmlformats.org/officeDocument/2006/relationships" xmlns:p="http://schemas.openxmlformats.org/presentationml/2006/main">
+  <p:cSld>
+    <p:spTree>
+      <p:nvGrpSpPr>
+        <p:cNvPr id="1" name=""/>
+        <p:cNvGrpSpPr/>
+        <p:nvPr/>
+      </p:nvGrpSpPr>
+      <p:grpSpPr>
+        <a:xfrm>
+          <a:off x="0" y="0"/>
+          <a:ext cx="0" cy="0"/>
+          <a:chOff x="0" y="0"/>
+          <a:chExt cx="0" cy="0"/>
+        </a:xfrm>
+      </p:grpSpPr>
+      <p:sp>
+        <p:nvSpPr>
+          <p:cNvPr id="2" name="Title 1"/>
+          <p:cNvSpPr>
+            <a:spLocks noGrp="1"/>
+          </p:cNvSpPr>
+          <p:nvPr>
+            <p:ph type="title"/>
+          </p:nvPr>
+        </p:nvSpPr>
+        <p:spPr/>
+        <p:txBody>
+          <a:bodyPr/>
+          <a:lstStyle/>
+          <a:p>
+            <a:r>
+              <a:rPr lang="en-GB" dirty="0"/>
+              <a:t>This is a common approach in science</a:t>
+            </a:r>
+          </a:p>
+        </p:txBody>
+      </p:sp>
+      <p:pic>
+        <p:nvPicPr>
+          <p:cNvPr id="5" name="Picture 4"/>
+          <p:cNvPicPr>
+            <a:picLocks noChangeAspect="1"/>
+          </p:cNvPicPr>
+          <p:nvPr/>
+        </p:nvPicPr>
+        <p:blipFill>
+          <a:blip r:embed="rId2"/>
+          <a:stretch>
+            <a:fillRect/>
+          </a:stretch>
+        </p:blipFill>
+        <p:spPr>
+          <a:xfrm>
+            <a:off x="1199521" y="1959814"/>
+            <a:ext cx="2581275" cy="1885950"/>
+          </a:xfrm>
+          <a:prstGeom prst="rect">
+            <a:avLst/>
+          </a:prstGeom>
+        </p:spPr>
+      </p:pic>
+      <p:sp>
+        <p:nvSpPr>
+          <p:cNvPr id="6" name="TextBox 5"/>
+          <p:cNvSpPr txBox="1"/>
+          <p:nvPr/>
+        </p:nvSpPr>
+        <p:spPr>
+          <a:xfrm>
+            <a:off x="4622141" y="2502645"/>
+            <a:ext cx="2096219" cy="584775"/>
+          </a:xfrm>
+          <a:prstGeom prst="rect">
+            <a:avLst/>
+          </a:prstGeom>
+          <a:noFill/>
+        </p:spPr>
+        <p:txBody>
+          <a:bodyPr wrap="square" rtlCol="0">
+            <a:spAutoFit/>
+          </a:bodyPr>
+          <a:lstStyle/>
+          <a:p>
+            <a:r>
+              <a:rPr lang="en-GB" sz="3200" dirty="0"/>
+              <a:t>=  “Gravity”</a:t>
+            </a:r>
+          </a:p>
+        </p:txBody>
+      </p:sp>
+      <p:pic>
+        <p:nvPicPr>
+          <p:cNvPr id="9" name="Picture 8"/>
+          <p:cNvPicPr>
+            <a:picLocks noChangeAspect="1"/>
+          </p:cNvPicPr>
+          <p:nvPr/>
+        </p:nvPicPr>
+        <p:blipFill>
+          <a:blip r:embed="rId3"/>
+          <a:stretch>
+            <a:fillRect/>
+          </a:stretch>
+        </p:blipFill>
+        <p:spPr>
+          <a:xfrm>
+            <a:off x="1323705" y="4289754"/>
+            <a:ext cx="2143125" cy="2143125"/>
+          </a:xfrm>
+          <a:prstGeom prst="rect">
+            <a:avLst/>
+          </a:prstGeom>
+        </p:spPr>
+      </p:pic>
+      <p:sp>
+        <p:nvSpPr>
+          <p:cNvPr id="10" name="TextBox 9"/>
+          <p:cNvSpPr txBox="1"/>
+          <p:nvPr/>
+        </p:nvSpPr>
+        <p:spPr>
+          <a:xfrm>
+            <a:off x="4622141" y="5068928"/>
+            <a:ext cx="2096219" cy="584775"/>
+          </a:xfrm>
+          <a:prstGeom prst="rect">
+            <a:avLst/>
+          </a:prstGeom>
+          <a:noFill/>
+        </p:spPr>
+        <p:txBody>
+          <a:bodyPr wrap="square" rtlCol="0">
+            <a:spAutoFit/>
+          </a:bodyPr>
+          <a:lstStyle/>
+          <a:p>
+            <a:r>
+              <a:rPr lang="en-GB" sz="3200" dirty="0"/>
+              <a:t>=  “Time”</a:t>
+            </a:r>
+          </a:p>
+        </p:txBody>
+      </p:sp>
+      <p:sp>
+        <p:nvSpPr>
+          <p:cNvPr id="11" name="TextBox 10"/>
+          <p:cNvSpPr txBox="1"/>
+          <p:nvPr/>
+        </p:nvSpPr>
+        <p:spPr>
+          <a:xfrm>
+            <a:off x="7372351" y="3129936"/>
+            <a:ext cx="4146970" cy="1938992"/>
+          </a:xfrm>
+          <a:prstGeom prst="rect">
+            <a:avLst/>
+          </a:prstGeom>
+          <a:noFill/>
+          <a:ln>
+            <a:solidFill>
+              <a:schemeClr val="tx1"/>
+            </a:solidFill>
+          </a:ln>
+        </p:spPr>
+        <p:txBody>
+          <a:bodyPr wrap="square" rtlCol="0">
+            <a:spAutoFit/>
+          </a:bodyPr>
+          <a:lstStyle/>
+          <a:p>
+            <a:r>
+              <a:rPr lang="en-GB" sz="2400" dirty="0"/>
+              <a:t>These are both observations of the </a:t>
+            </a:r>
+            <a:r>
+              <a:rPr lang="en-GB" sz="2400" u="sng" dirty="0"/>
+              <a:t>effects</a:t>
+            </a:r>
+            <a:r>
+              <a:rPr lang="en-GB" sz="2400" dirty="0"/>
+              <a:t> of the underlying construct. </a:t>
+            </a:r>
+          </a:p>
+          <a:p>
+            <a:endParaRPr lang="en-GB" sz="2400" u="sng" dirty="0"/>
+          </a:p>
+          <a:p>
+            <a:r>
+              <a:rPr lang="en-GB" sz="2400" dirty="0"/>
+              <a:t>We can’t “see” time or gravity.</a:t>
+            </a:r>
+          </a:p>
+        </p:txBody>
+      </p:sp>
+    </p:spTree>
+    <p:extLst>
+      <p:ext uri="{BB962C8B-B14F-4D97-AF65-F5344CB8AC3E}">
+        <p14:creationId xmlns:p14="http://schemas.microsoft.com/office/powerpoint/2010/main" val="2900624889"/>
+      </p:ext>
+    </p:extLst>
+  </p:cSld>
+  <p:clrMapOvr>
+    <a:masterClrMapping/>
+  </p:clrMapOvr>
+</p:sld>
+</file>
+
+<file path=ppt/slides/slide32.xml><?xml version="1.0" encoding="utf-8"?>
+<p:sld xmlns:a="http://schemas.openxmlformats.org/drawingml/2006/main" xmlns:r="http://schemas.openxmlformats.org/officeDocument/2006/relationships" xmlns:p="http://schemas.openxmlformats.org/presentationml/2006/main">
+  <p:cSld>
+    <p:spTree>
+      <p:nvGrpSpPr>
+        <p:cNvPr id="1" name=""/>
+        <p:cNvGrpSpPr/>
+        <p:nvPr/>
+      </p:nvGrpSpPr>
+      <p:grpSpPr>
+        <a:xfrm>
+          <a:off x="0" y="0"/>
+          <a:ext cx="0" cy="0"/>
+          <a:chOff x="0" y="0"/>
+          <a:chExt cx="0" cy="0"/>
+        </a:xfrm>
+      </p:grpSpPr>
+      <p:sp>
+        <p:nvSpPr>
+          <p:cNvPr id="2" name="Title 1">
+            <a:extLst>
+              <a:ext uri="{FF2B5EF4-FFF2-40B4-BE49-F238E27FC236}">
+                <a16:creationId xmlns:a16="http://schemas.microsoft.com/office/drawing/2014/main" id="{618F485A-1EEB-590B-5F17-E52C2F55F192}"/>
+              </a:ext>
+            </a:extLst>
+          </p:cNvPr>
+          <p:cNvSpPr>
+            <a:spLocks noGrp="1"/>
+          </p:cNvSpPr>
+          <p:nvPr>
+            <p:ph type="title"/>
+          </p:nvPr>
+        </p:nvSpPr>
+        <p:spPr/>
+        <p:txBody>
+          <a:bodyPr/>
+          <a:lstStyle/>
+          <a:p>
+            <a:r>
+              <a:rPr lang="en-GB" dirty="0"/>
+              <a:t>The nature of Psychological evidence</a:t>
+            </a:r>
+          </a:p>
+        </p:txBody>
+      </p:sp>
+      <p:sp>
+        <p:nvSpPr>
+          <p:cNvPr id="3" name="Content Placeholder 2">
+            <a:extLst>
+              <a:ext uri="{FF2B5EF4-FFF2-40B4-BE49-F238E27FC236}">
+                <a16:creationId xmlns:a16="http://schemas.microsoft.com/office/drawing/2014/main" id="{D9B7C476-B6A6-0F2E-67BF-20037977A857}"/>
+              </a:ext>
+            </a:extLst>
+          </p:cNvPr>
+          <p:cNvSpPr>
+            <a:spLocks noGrp="1"/>
+          </p:cNvSpPr>
+          <p:nvPr>
+            <p:ph idx="1"/>
+          </p:nvPr>
+        </p:nvSpPr>
+        <p:spPr/>
+        <p:txBody>
+          <a:bodyPr/>
+          <a:lstStyle/>
+          <a:p>
+            <a:pPr marL="0" indent="0">
+              <a:buNone/>
+            </a:pPr>
+            <a:r>
+              <a:rPr lang="en-GB" dirty="0"/>
+              <a:t>1: Psychological constructs are not measured directly. </a:t>
+            </a:r>
+          </a:p>
+          <a:p>
+            <a:pPr marL="0" indent="0">
+              <a:buNone/>
+            </a:pPr>
+            <a:endParaRPr lang="en-GB" dirty="0"/>
+          </a:p>
+          <a:p>
+            <a:pPr marL="0" indent="0">
+              <a:buNone/>
+            </a:pPr>
+            <a:r>
+              <a:rPr lang="en-GB" dirty="0"/>
+              <a:t>2: For any psychological construct we expect people to vary. </a:t>
+            </a:r>
+          </a:p>
+          <a:p>
+            <a:pPr marL="0" indent="0">
+              <a:buNone/>
+            </a:pPr>
+            <a:endParaRPr lang="en-GB" dirty="0"/>
+          </a:p>
+          <a:p>
+            <a:pPr marL="0" indent="0">
+              <a:buNone/>
+            </a:pPr>
+            <a:r>
+              <a:rPr lang="en-GB" dirty="0"/>
+              <a:t>3: Variations in psychological constructs are often caused by many things.</a:t>
+            </a:r>
+          </a:p>
+          <a:p>
+            <a:pPr marL="0" indent="0">
+              <a:buNone/>
+            </a:pPr>
+            <a:endParaRPr lang="en-GB" dirty="0"/>
+          </a:p>
+          <a:p>
+            <a:pPr marL="0" indent="0">
+              <a:buNone/>
+            </a:pPr>
+            <a:r>
+              <a:rPr lang="en-GB" dirty="0"/>
+              <a:t>4: Measurements of psychological constructs are often “reactive”. </a:t>
+            </a:r>
+          </a:p>
+        </p:txBody>
+      </p:sp>
+    </p:spTree>
+    <p:extLst>
+      <p:ext uri="{BB962C8B-B14F-4D97-AF65-F5344CB8AC3E}">
+        <p14:creationId xmlns:p14="http://schemas.microsoft.com/office/powerpoint/2010/main" val="1312649240"/>
+      </p:ext>
+    </p:extLst>
+  </p:cSld>
+  <p:clrMapOvr>
+    <a:masterClrMapping/>
+  </p:clrMapOvr>
+</p:sld>
+</file>
+
+<file path=ppt/slides/slide33.xml><?xml version="1.0" encoding="utf-8"?>
 <p:sld xmlns:a="http://schemas.openxmlformats.org/drawingml/2006/main" xmlns:r="http://schemas.openxmlformats.org/officeDocument/2006/relationships" xmlns:p="http://schemas.openxmlformats.org/presentationml/2006/main">
   <p:cSld>
     <p:spTree>
@@ -8083,7 +8681,7 @@
 </p:sld>
 </file>
 
-<file path=ppt/slides/slide31.xml><?xml version="1.0" encoding="utf-8"?>
+<file path=ppt/slides/slide34.xml><?xml version="1.0" encoding="utf-8"?>
 <p:sld xmlns:a="http://schemas.openxmlformats.org/drawingml/2006/main" xmlns:r="http://schemas.openxmlformats.org/officeDocument/2006/relationships" xmlns:p="http://schemas.openxmlformats.org/presentationml/2006/main">
   <p:cSld>
     <p:spTree>
@@ -8276,7 +8874,7 @@
 </p:sld>
 </file>
 
-<file path=ppt/slides/slide32.xml><?xml version="1.0" encoding="utf-8"?>
+<file path=ppt/slides/slide35.xml><?xml version="1.0" encoding="utf-8"?>
 <p:sld xmlns:a="http://schemas.openxmlformats.org/drawingml/2006/main" xmlns:r="http://schemas.openxmlformats.org/officeDocument/2006/relationships" xmlns:p="http://schemas.openxmlformats.org/presentationml/2006/main">
   <p:cSld>
     <p:spTree>
@@ -8486,7 +9084,7 @@
 </p:sld>
 </file>
 
-<file path=ppt/slides/slide33.xml><?xml version="1.0" encoding="utf-8"?>
+<file path=ppt/slides/slide36.xml><?xml version="1.0" encoding="utf-8"?>
 <p:sld xmlns:a="http://schemas.openxmlformats.org/drawingml/2006/main" xmlns:r="http://schemas.openxmlformats.org/officeDocument/2006/relationships" xmlns:p="http://schemas.openxmlformats.org/presentationml/2006/main">
   <p:cSld>
     <p:bg>
@@ -8830,7 +9428,7 @@
 </p:sld>
 </file>
 
-<file path=ppt/slides/slide34.xml><?xml version="1.0" encoding="utf-8"?>
+<file path=ppt/slides/slide37.xml><?xml version="1.0" encoding="utf-8"?>
 <p:sld xmlns:a="http://schemas.openxmlformats.org/drawingml/2006/main" xmlns:r="http://schemas.openxmlformats.org/officeDocument/2006/relationships" xmlns:p="http://schemas.openxmlformats.org/presentationml/2006/main">
   <p:cSld>
     <p:spTree>
@@ -9010,7 +9608,7 @@
 </p:sld>
 </file>
 
-<file path=ppt/slides/slide35.xml><?xml version="1.0" encoding="utf-8"?>
+<file path=ppt/slides/slide38.xml><?xml version="1.0" encoding="utf-8"?>
 <p:sld xmlns:a="http://schemas.openxmlformats.org/drawingml/2006/main" xmlns:r="http://schemas.openxmlformats.org/officeDocument/2006/relationships" xmlns:p="http://schemas.openxmlformats.org/presentationml/2006/main">
   <p:cSld>
     <p:spTree>
@@ -9359,7 +9957,7 @@
 </p:sld>
 </file>
 
-<file path=ppt/slides/slide36.xml><?xml version="1.0" encoding="utf-8"?>
+<file path=ppt/slides/slide39.xml><?xml version="1.0" encoding="utf-8"?>
 <p:sld xmlns:a="http://schemas.openxmlformats.org/drawingml/2006/main" xmlns:r="http://schemas.openxmlformats.org/officeDocument/2006/relationships" xmlns:p="http://schemas.openxmlformats.org/presentationml/2006/main">
   <p:cSld>
     <p:spTree>
@@ -9726,7 +10324,99 @@
 </p:sld>
 </file>
 
-<file path=ppt/slides/slide37.xml><?xml version="1.0" encoding="utf-8"?>
+<file path=ppt/slides/slide4.xml><?xml version="1.0" encoding="utf-8"?>
+<p:sld xmlns:a="http://schemas.openxmlformats.org/drawingml/2006/main" xmlns:r="http://schemas.openxmlformats.org/officeDocument/2006/relationships" xmlns:p="http://schemas.openxmlformats.org/presentationml/2006/main">
+  <p:cSld>
+    <p:spTree>
+      <p:nvGrpSpPr>
+        <p:cNvPr id="1" name=""/>
+        <p:cNvGrpSpPr/>
+        <p:nvPr/>
+      </p:nvGrpSpPr>
+      <p:grpSpPr>
+        <a:xfrm>
+          <a:off x="0" y="0"/>
+          <a:ext cx="0" cy="0"/>
+          <a:chOff x="0" y="0"/>
+          <a:chExt cx="0" cy="0"/>
+        </a:xfrm>
+      </p:grpSpPr>
+      <p:sp>
+        <p:nvSpPr>
+          <p:cNvPr id="2" name="Title 1"/>
+          <p:cNvSpPr>
+            <a:spLocks noGrp="1"/>
+          </p:cNvSpPr>
+          <p:nvPr>
+            <p:ph type="title"/>
+          </p:nvPr>
+        </p:nvSpPr>
+        <p:spPr/>
+        <p:txBody>
+          <a:bodyPr/>
+          <a:lstStyle/>
+          <a:p>
+            <a:r>
+              <a:rPr lang="en-GB" dirty="0"/>
+              <a:t>This lecture covers two broad topics</a:t>
+            </a:r>
+          </a:p>
+        </p:txBody>
+      </p:sp>
+      <p:sp>
+        <p:nvSpPr>
+          <p:cNvPr id="3" name="Content Placeholder 2"/>
+          <p:cNvSpPr>
+            <a:spLocks noGrp="1"/>
+          </p:cNvSpPr>
+          <p:nvPr>
+            <p:ph idx="1"/>
+          </p:nvPr>
+        </p:nvSpPr>
+        <p:spPr/>
+        <p:txBody>
+          <a:bodyPr/>
+          <a:lstStyle/>
+          <a:p>
+            <a:pPr marL="514350" indent="-514350">
+              <a:buAutoNum type="arabicParenR"/>
+            </a:pPr>
+            <a:r>
+              <a:rPr lang="en-GB" dirty="0"/>
+              <a:t>Psychology as a science</a:t>
+            </a:r>
+          </a:p>
+          <a:p>
+            <a:pPr marL="514350" indent="-514350">
+              <a:buAutoNum type="arabicParenR"/>
+            </a:pPr>
+            <a:endParaRPr lang="en-GB" dirty="0"/>
+          </a:p>
+          <a:p>
+            <a:pPr marL="514350" indent="-514350">
+              <a:buAutoNum type="arabicParenR"/>
+            </a:pPr>
+            <a:r>
+              <a:rPr lang="en-GB" dirty="0"/>
+              <a:t>Research ethics in Psychology</a:t>
+            </a:r>
+          </a:p>
+        </p:txBody>
+      </p:sp>
+    </p:spTree>
+    <p:extLst>
+      <p:ext uri="{BB962C8B-B14F-4D97-AF65-F5344CB8AC3E}">
+        <p14:creationId xmlns:p14="http://schemas.microsoft.com/office/powerpoint/2010/main" val="2536140273"/>
+      </p:ext>
+    </p:extLst>
+  </p:cSld>
+  <p:clrMapOvr>
+    <a:masterClrMapping/>
+  </p:clrMapOvr>
+</p:sld>
+</file>
+
+<file path=ppt/slides/slide40.xml><?xml version="1.0" encoding="utf-8"?>
 <p:sld xmlns:a="http://schemas.openxmlformats.org/drawingml/2006/main" xmlns:r="http://schemas.openxmlformats.org/officeDocument/2006/relationships" xmlns:p="http://schemas.openxmlformats.org/presentationml/2006/main">
   <p:cSld>
     <p:spTree>
@@ -9934,7 +10624,7 @@
 </p:sld>
 </file>
 
-<file path=ppt/slides/slide38.xml><?xml version="1.0" encoding="utf-8"?>
+<file path=ppt/slides/slide41.xml><?xml version="1.0" encoding="utf-8"?>
 <p:sld xmlns:a="http://schemas.openxmlformats.org/drawingml/2006/main" xmlns:r="http://schemas.openxmlformats.org/officeDocument/2006/relationships" xmlns:p="http://schemas.openxmlformats.org/presentationml/2006/main">
   <p:cSld>
     <p:spTree>
@@ -10022,7 +10712,7 @@
 </p:sld>
 </file>
 
-<file path=ppt/slides/slide39.xml><?xml version="1.0" encoding="utf-8"?>
+<file path=ppt/slides/slide42.xml><?xml version="1.0" encoding="utf-8"?>
 <p:sld xmlns:a="http://schemas.openxmlformats.org/drawingml/2006/main" xmlns:r="http://schemas.openxmlformats.org/officeDocument/2006/relationships" xmlns:p="http://schemas.openxmlformats.org/presentationml/2006/main">
   <p:cSld>
     <p:spTree>
@@ -10156,99 +10846,7 @@
 </p:sld>
 </file>
 
-<file path=ppt/slides/slide4.xml><?xml version="1.0" encoding="utf-8"?>
-<p:sld xmlns:a="http://schemas.openxmlformats.org/drawingml/2006/main" xmlns:r="http://schemas.openxmlformats.org/officeDocument/2006/relationships" xmlns:p="http://schemas.openxmlformats.org/presentationml/2006/main">
-  <p:cSld>
-    <p:spTree>
-      <p:nvGrpSpPr>
-        <p:cNvPr id="1" name=""/>
-        <p:cNvGrpSpPr/>
-        <p:nvPr/>
-      </p:nvGrpSpPr>
-      <p:grpSpPr>
-        <a:xfrm>
-          <a:off x="0" y="0"/>
-          <a:ext cx="0" cy="0"/>
-          <a:chOff x="0" y="0"/>
-          <a:chExt cx="0" cy="0"/>
-        </a:xfrm>
-      </p:grpSpPr>
-      <p:sp>
-        <p:nvSpPr>
-          <p:cNvPr id="2" name="Title 1"/>
-          <p:cNvSpPr>
-            <a:spLocks noGrp="1"/>
-          </p:cNvSpPr>
-          <p:nvPr>
-            <p:ph type="title"/>
-          </p:nvPr>
-        </p:nvSpPr>
-        <p:spPr/>
-        <p:txBody>
-          <a:bodyPr/>
-          <a:lstStyle/>
-          <a:p>
-            <a:r>
-              <a:rPr lang="en-GB" dirty="0"/>
-              <a:t>This lecture covers two broad topics</a:t>
-            </a:r>
-          </a:p>
-        </p:txBody>
-      </p:sp>
-      <p:sp>
-        <p:nvSpPr>
-          <p:cNvPr id="3" name="Content Placeholder 2"/>
-          <p:cNvSpPr>
-            <a:spLocks noGrp="1"/>
-          </p:cNvSpPr>
-          <p:nvPr>
-            <p:ph idx="1"/>
-          </p:nvPr>
-        </p:nvSpPr>
-        <p:spPr/>
-        <p:txBody>
-          <a:bodyPr/>
-          <a:lstStyle/>
-          <a:p>
-            <a:pPr marL="514350" indent="-514350">
-              <a:buAutoNum type="arabicParenR"/>
-            </a:pPr>
-            <a:r>
-              <a:rPr lang="en-GB" dirty="0"/>
-              <a:t>Psychology as a science</a:t>
-            </a:r>
-          </a:p>
-          <a:p>
-            <a:pPr marL="514350" indent="-514350">
-              <a:buAutoNum type="arabicParenR"/>
-            </a:pPr>
-            <a:endParaRPr lang="en-GB" dirty="0"/>
-          </a:p>
-          <a:p>
-            <a:pPr marL="514350" indent="-514350">
-              <a:buAutoNum type="arabicParenR"/>
-            </a:pPr>
-            <a:r>
-              <a:rPr lang="en-GB" dirty="0"/>
-              <a:t>Research ethics in Psychology</a:t>
-            </a:r>
-          </a:p>
-        </p:txBody>
-      </p:sp>
-    </p:spTree>
-    <p:extLst>
-      <p:ext uri="{BB962C8B-B14F-4D97-AF65-F5344CB8AC3E}">
-        <p14:creationId xmlns:p14="http://schemas.microsoft.com/office/powerpoint/2010/main" val="2536140273"/>
-      </p:ext>
-    </p:extLst>
-  </p:cSld>
-  <p:clrMapOvr>
-    <a:masterClrMapping/>
-  </p:clrMapOvr>
-</p:sld>
-</file>
-
-<file path=ppt/slides/slide40.xml><?xml version="1.0" encoding="utf-8"?>
+<file path=ppt/slides/slide43.xml><?xml version="1.0" encoding="utf-8"?>
 <p:sld xmlns:a="http://schemas.openxmlformats.org/drawingml/2006/main" xmlns:r="http://schemas.openxmlformats.org/officeDocument/2006/relationships" xmlns:p="http://schemas.openxmlformats.org/presentationml/2006/main">
   <p:cSld>
     <p:bg>
@@ -10393,479 +10991,6 @@
 </p:sld>
 </file>
 
-<file path=ppt/slides/slide41.xml><?xml version="1.0" encoding="utf-8"?>
-<p:sld xmlns:a="http://schemas.openxmlformats.org/drawingml/2006/main" xmlns:r="http://schemas.openxmlformats.org/officeDocument/2006/relationships" xmlns:p="http://schemas.openxmlformats.org/presentationml/2006/main">
-  <p:cSld>
-    <p:spTree>
-      <p:nvGrpSpPr>
-        <p:cNvPr id="1" name=""/>
-        <p:cNvGrpSpPr/>
-        <p:nvPr/>
-      </p:nvGrpSpPr>
-      <p:grpSpPr>
-        <a:xfrm>
-          <a:off x="0" y="0"/>
-          <a:ext cx="0" cy="0"/>
-          <a:chOff x="0" y="0"/>
-          <a:chExt cx="0" cy="0"/>
-        </a:xfrm>
-      </p:grpSpPr>
-      <p:sp>
-        <p:nvSpPr>
-          <p:cNvPr id="2" name="Title 1">
-            <a:extLst>
-              <a:ext uri="{FF2B5EF4-FFF2-40B4-BE49-F238E27FC236}">
-                <a16:creationId xmlns:a16="http://schemas.microsoft.com/office/drawing/2014/main" id="{D63B2D66-A1C3-3EA1-B630-31D8CAC4C2C9}"/>
-              </a:ext>
-            </a:extLst>
-          </p:cNvPr>
-          <p:cNvSpPr>
-            <a:spLocks noGrp="1"/>
-          </p:cNvSpPr>
-          <p:nvPr>
-            <p:ph type="title"/>
-          </p:nvPr>
-        </p:nvSpPr>
-        <p:spPr/>
-        <p:txBody>
-          <a:bodyPr/>
-          <a:lstStyle/>
-          <a:p>
-            <a:r>
-              <a:rPr lang="en-GB" dirty="0"/>
-              <a:t>From principles to guidelines</a:t>
-            </a:r>
-          </a:p>
-        </p:txBody>
-      </p:sp>
-      <p:sp>
-        <p:nvSpPr>
-          <p:cNvPr id="3" name="Content Placeholder 2">
-            <a:extLst>
-              <a:ext uri="{FF2B5EF4-FFF2-40B4-BE49-F238E27FC236}">
-                <a16:creationId xmlns:a16="http://schemas.microsoft.com/office/drawing/2014/main" id="{528F8971-2864-C967-E1F5-9A369BFE9D0A}"/>
-              </a:ext>
-            </a:extLst>
-          </p:cNvPr>
-          <p:cNvSpPr>
-            <a:spLocks noGrp="1"/>
-          </p:cNvSpPr>
-          <p:nvPr>
-            <p:ph idx="1"/>
-          </p:nvPr>
-        </p:nvSpPr>
-        <p:spPr/>
-        <p:txBody>
-          <a:bodyPr>
-            <a:normAutofit/>
-          </a:bodyPr>
-          <a:lstStyle/>
-          <a:p>
-            <a:pPr marL="0" indent="0">
-              <a:buNone/>
-            </a:pPr>
-            <a:r>
-              <a:rPr lang="en-GB" dirty="0"/>
-              <a:t>Experiments involving human (or animal) participants require ethical approval (by a suitably appointed ethics committee).</a:t>
-            </a:r>
-          </a:p>
-          <a:p>
-            <a:pPr marL="0" indent="0">
-              <a:buNone/>
-            </a:pPr>
-            <a:endParaRPr lang="en-GB" dirty="0"/>
-          </a:p>
-          <a:p>
-            <a:pPr marL="0" indent="0">
-              <a:buNone/>
-            </a:pPr>
-            <a:r>
-              <a:rPr lang="en-GB" dirty="0"/>
-              <a:t>For your group project, you will have to get ethical approval, </a:t>
-            </a:r>
-            <a:r>
-              <a:rPr lang="en-GB" u="sng" dirty="0"/>
-              <a:t>before you recruit anyone to take part in your research. </a:t>
-            </a:r>
-            <a:endParaRPr lang="en-GB" dirty="0"/>
-          </a:p>
-          <a:p>
-            <a:pPr marL="0" indent="0">
-              <a:buNone/>
-            </a:pPr>
-            <a:endParaRPr lang="en-GB" dirty="0"/>
-          </a:p>
-          <a:p>
-            <a:pPr marL="0" indent="0">
-              <a:buNone/>
-            </a:pPr>
-            <a:endParaRPr lang="en-GB" dirty="0"/>
-          </a:p>
-          <a:p>
-            <a:pPr marL="0" indent="0">
-              <a:buNone/>
-            </a:pPr>
-            <a:endParaRPr lang="en-GB" dirty="0"/>
-          </a:p>
-        </p:txBody>
-      </p:sp>
-    </p:spTree>
-    <p:extLst>
-      <p:ext uri="{BB962C8B-B14F-4D97-AF65-F5344CB8AC3E}">
-        <p14:creationId xmlns:p14="http://schemas.microsoft.com/office/powerpoint/2010/main" val="2197231077"/>
-      </p:ext>
-    </p:extLst>
-  </p:cSld>
-  <p:clrMapOvr>
-    <a:masterClrMapping/>
-  </p:clrMapOvr>
-</p:sld>
-</file>
-
-<file path=ppt/slides/slide42.xml><?xml version="1.0" encoding="utf-8"?>
-<p:sld xmlns:a="http://schemas.openxmlformats.org/drawingml/2006/main" xmlns:r="http://schemas.openxmlformats.org/officeDocument/2006/relationships" xmlns:p="http://schemas.openxmlformats.org/presentationml/2006/main">
-  <p:cSld>
-    <p:spTree>
-      <p:nvGrpSpPr>
-        <p:cNvPr id="1" name=""/>
-        <p:cNvGrpSpPr/>
-        <p:nvPr/>
-      </p:nvGrpSpPr>
-      <p:grpSpPr>
-        <a:xfrm>
-          <a:off x="0" y="0"/>
-          <a:ext cx="0" cy="0"/>
-          <a:chOff x="0" y="0"/>
-          <a:chExt cx="0" cy="0"/>
-        </a:xfrm>
-      </p:grpSpPr>
-      <p:sp>
-        <p:nvSpPr>
-          <p:cNvPr id="2" name="Title 1">
-            <a:extLst>
-              <a:ext uri="{FF2B5EF4-FFF2-40B4-BE49-F238E27FC236}">
-                <a16:creationId xmlns:a16="http://schemas.microsoft.com/office/drawing/2014/main" id="{C5A8A8FC-98C8-1C42-DEB7-51AE99B32042}"/>
-              </a:ext>
-            </a:extLst>
-          </p:cNvPr>
-          <p:cNvSpPr>
-            <a:spLocks noGrp="1"/>
-          </p:cNvSpPr>
-          <p:nvPr>
-            <p:ph type="title"/>
-          </p:nvPr>
-        </p:nvSpPr>
-        <p:spPr/>
-        <p:txBody>
-          <a:bodyPr/>
-          <a:lstStyle/>
-          <a:p>
-            <a:r>
-              <a:rPr lang="en-GB" dirty="0"/>
-              <a:t>The ethics form should detail:</a:t>
-            </a:r>
-          </a:p>
-        </p:txBody>
-      </p:sp>
-      <p:sp>
-        <p:nvSpPr>
-          <p:cNvPr id="3" name="Content Placeholder 2">
-            <a:extLst>
-              <a:ext uri="{FF2B5EF4-FFF2-40B4-BE49-F238E27FC236}">
-                <a16:creationId xmlns:a16="http://schemas.microsoft.com/office/drawing/2014/main" id="{5AFA315D-04B8-1D11-35CC-B7E7C2A46E58}"/>
-              </a:ext>
-            </a:extLst>
-          </p:cNvPr>
-          <p:cNvSpPr>
-            <a:spLocks noGrp="1"/>
-          </p:cNvSpPr>
-          <p:nvPr>
-            <p:ph idx="1"/>
-          </p:nvPr>
-        </p:nvSpPr>
-        <p:spPr/>
-        <p:txBody>
-          <a:bodyPr>
-            <a:noAutofit/>
-          </a:bodyPr>
-          <a:lstStyle/>
-          <a:p>
-            <a:pPr marL="0" indent="0">
-              <a:buNone/>
-            </a:pPr>
-            <a:r>
-              <a:rPr lang="en-GB" sz="2400" dirty="0"/>
-              <a:t>what will happen to the participants</a:t>
-            </a:r>
-          </a:p>
-          <a:p>
-            <a:pPr marL="0" indent="0">
-              <a:buNone/>
-            </a:pPr>
-            <a:r>
-              <a:rPr lang="en-GB" sz="2400" dirty="0"/>
-              <a:t>	and where necessary, to justify these (i.e. </a:t>
-            </a:r>
-            <a:r>
-              <a:rPr lang="en-GB" sz="2400" dirty="0">
-                <a:solidFill>
-                  <a:srgbClr val="FF0000"/>
-                </a:solidFill>
-              </a:rPr>
-              <a:t>Benefit</a:t>
-            </a:r>
-            <a:r>
-              <a:rPr lang="en-GB" sz="2400" dirty="0"/>
-              <a:t> vs risk). 		</a:t>
-            </a:r>
-          </a:p>
-          <a:p>
-            <a:pPr marL="0" indent="0">
-              <a:buNone/>
-            </a:pPr>
-            <a:r>
-              <a:rPr lang="en-GB" sz="2400" dirty="0"/>
-              <a:t>the level of anticipated harm / risk </a:t>
-            </a:r>
-          </a:p>
-          <a:p>
-            <a:pPr marL="0" indent="0">
-              <a:buNone/>
-            </a:pPr>
-            <a:r>
-              <a:rPr lang="en-GB" sz="2400" dirty="0"/>
-              <a:t>	and what steps taken to reduce these</a:t>
-            </a:r>
-          </a:p>
-          <a:p>
-            <a:pPr marL="0" indent="0">
-              <a:buNone/>
-            </a:pPr>
-            <a:r>
-              <a:rPr lang="en-GB" sz="2400" dirty="0"/>
-              <a:t>How participant’s rights are protected</a:t>
-            </a:r>
-          </a:p>
-          <a:p>
-            <a:pPr marL="0" indent="0">
-              <a:buNone/>
-            </a:pPr>
-            <a:r>
-              <a:rPr lang="en-GB" sz="2400" dirty="0"/>
-              <a:t>	Informed consent</a:t>
-            </a:r>
-          </a:p>
-          <a:p>
-            <a:pPr marL="0" indent="0">
-              <a:buNone/>
-            </a:pPr>
-            <a:r>
-              <a:rPr lang="en-GB" sz="2400" dirty="0"/>
-              <a:t>	Treated with respect (including not being deceived unnecessarily)</a:t>
-            </a:r>
-          </a:p>
-          <a:p>
-            <a:pPr marL="0" indent="0">
-              <a:buNone/>
-            </a:pPr>
-            <a:r>
-              <a:rPr lang="en-GB" sz="2400" dirty="0"/>
-              <a:t>	Right to withdraw</a:t>
-            </a:r>
-          </a:p>
-          <a:p>
-            <a:pPr marL="0" indent="0">
-              <a:buNone/>
-            </a:pPr>
-            <a:r>
-              <a:rPr lang="en-GB" sz="2400" dirty="0"/>
-              <a:t>	Anonymity</a:t>
-            </a:r>
-          </a:p>
-          <a:p>
-            <a:pPr marL="0" indent="0">
-              <a:buNone/>
-            </a:pPr>
-            <a:r>
-              <a:rPr lang="en-GB" sz="2400" dirty="0"/>
-              <a:t>	Brief and Debrief</a:t>
-            </a:r>
-          </a:p>
-          <a:p>
-            <a:pPr marL="0" indent="0">
-              <a:buNone/>
-            </a:pPr>
-            <a:r>
-              <a:rPr lang="en-GB" sz="2400" dirty="0"/>
-              <a:t>		</a:t>
-            </a:r>
-          </a:p>
-        </p:txBody>
-      </p:sp>
-    </p:spTree>
-    <p:extLst>
-      <p:ext uri="{BB962C8B-B14F-4D97-AF65-F5344CB8AC3E}">
-        <p14:creationId xmlns:p14="http://schemas.microsoft.com/office/powerpoint/2010/main" val="55065727"/>
-      </p:ext>
-    </p:extLst>
-  </p:cSld>
-  <p:clrMapOvr>
-    <a:masterClrMapping/>
-  </p:clrMapOvr>
-</p:sld>
-</file>
-
-<file path=ppt/slides/slide43.xml><?xml version="1.0" encoding="utf-8"?>
-<p:sld xmlns:a="http://schemas.openxmlformats.org/drawingml/2006/main" xmlns:r="http://schemas.openxmlformats.org/officeDocument/2006/relationships" xmlns:p="http://schemas.openxmlformats.org/presentationml/2006/main">
-  <p:cSld>
-    <p:spTree>
-      <p:nvGrpSpPr>
-        <p:cNvPr id="1" name=""/>
-        <p:cNvGrpSpPr/>
-        <p:nvPr/>
-      </p:nvGrpSpPr>
-      <p:grpSpPr>
-        <a:xfrm>
-          <a:off x="0" y="0"/>
-          <a:ext cx="0" cy="0"/>
-          <a:chOff x="0" y="0"/>
-          <a:chExt cx="0" cy="0"/>
-        </a:xfrm>
-      </p:grpSpPr>
-      <p:sp>
-        <p:nvSpPr>
-          <p:cNvPr id="2" name="Title 1">
-            <a:extLst>
-              <a:ext uri="{FF2B5EF4-FFF2-40B4-BE49-F238E27FC236}">
-                <a16:creationId xmlns:a16="http://schemas.microsoft.com/office/drawing/2014/main" id="{55FED1B8-89C6-65EA-6D1A-22A3CDC784EC}"/>
-              </a:ext>
-            </a:extLst>
-          </p:cNvPr>
-          <p:cNvSpPr>
-            <a:spLocks noGrp="1"/>
-          </p:cNvSpPr>
-          <p:nvPr>
-            <p:ph type="title"/>
-          </p:nvPr>
-        </p:nvSpPr>
-        <p:spPr/>
-        <p:txBody>
-          <a:bodyPr/>
-          <a:lstStyle/>
-          <a:p>
-            <a:r>
-              <a:rPr lang="en-GB" dirty="0"/>
-              <a:t>Ethical process for your group projects</a:t>
-            </a:r>
-          </a:p>
-        </p:txBody>
-      </p:sp>
-      <p:sp>
-        <p:nvSpPr>
-          <p:cNvPr id="3" name="Content Placeholder 2">
-            <a:extLst>
-              <a:ext uri="{FF2B5EF4-FFF2-40B4-BE49-F238E27FC236}">
-                <a16:creationId xmlns:a16="http://schemas.microsoft.com/office/drawing/2014/main" id="{70D44FA8-51F6-8AD8-F73B-9BF24CA02C6E}"/>
-              </a:ext>
-            </a:extLst>
-          </p:cNvPr>
-          <p:cNvSpPr>
-            <a:spLocks noGrp="1"/>
-          </p:cNvSpPr>
-          <p:nvPr>
-            <p:ph idx="1"/>
-          </p:nvPr>
-        </p:nvSpPr>
-        <p:spPr/>
-        <p:txBody>
-          <a:bodyPr>
-            <a:normAutofit lnSpcReduction="10000"/>
-          </a:bodyPr>
-          <a:lstStyle/>
-          <a:p>
-            <a:pPr marL="0" indent="0">
-              <a:buNone/>
-            </a:pPr>
-            <a:r>
-              <a:rPr lang="en-GB" dirty="0"/>
-              <a:t>Your ethics approval request should detail</a:t>
-            </a:r>
-          </a:p>
-          <a:p>
-            <a:pPr marL="0" indent="0">
-              <a:buNone/>
-            </a:pPr>
-            <a:endParaRPr lang="en-GB" dirty="0"/>
-          </a:p>
-          <a:p>
-            <a:pPr marL="514350" indent="-514350">
-              <a:buAutoNum type="arabicParenR"/>
-            </a:pPr>
-            <a:r>
-              <a:rPr lang="en-GB" dirty="0"/>
-              <a:t>Confirmation of who your sample will be</a:t>
-            </a:r>
-          </a:p>
-          <a:p>
-            <a:pPr marL="514350" indent="-514350">
-              <a:buAutoNum type="arabicParenR"/>
-            </a:pPr>
-            <a:r>
-              <a:rPr lang="en-GB" dirty="0"/>
-              <a:t>An outline of your research procedure</a:t>
-            </a:r>
-          </a:p>
-          <a:p>
-            <a:pPr marL="514350" indent="-514350">
-              <a:buAutoNum type="arabicParenR"/>
-            </a:pPr>
-            <a:r>
-              <a:rPr lang="en-GB" dirty="0"/>
-              <a:t>Explanation of how you have considered and dealt with potential ethical concerns</a:t>
-            </a:r>
-          </a:p>
-          <a:p>
-            <a:pPr marL="514350" indent="-514350">
-              <a:buAutoNum type="arabicParenR"/>
-            </a:pPr>
-            <a:r>
-              <a:rPr lang="en-GB" dirty="0"/>
-              <a:t>The nature of the data you plan to collect</a:t>
-            </a:r>
-          </a:p>
-          <a:p>
-            <a:pPr marL="514350" indent="-514350">
-              <a:buAutoNum type="arabicParenR"/>
-            </a:pPr>
-            <a:r>
-              <a:rPr lang="en-GB" dirty="0"/>
-              <a:t>A copy of the Brief and Debrief you plan to show participants</a:t>
-            </a:r>
-          </a:p>
-          <a:p>
-            <a:pPr marL="514350" indent="-514350">
-              <a:buAutoNum type="arabicParenR"/>
-            </a:pPr>
-            <a:r>
-              <a:rPr lang="en-GB" dirty="0"/>
-              <a:t>A consent form. </a:t>
-            </a:r>
-          </a:p>
-        </p:txBody>
-      </p:sp>
-    </p:spTree>
-    <p:extLst>
-      <p:ext uri="{BB962C8B-B14F-4D97-AF65-F5344CB8AC3E}">
-        <p14:creationId xmlns:p14="http://schemas.microsoft.com/office/powerpoint/2010/main" val="257883396"/>
-      </p:ext>
-    </p:extLst>
-  </p:cSld>
-  <p:clrMapOvr>
-    <a:masterClrMapping/>
-  </p:clrMapOvr>
-</p:sld>
-</file>
-
 <file path=ppt/slides/slide44.xml><?xml version="1.0" encoding="utf-8"?>
 <p:sld xmlns:a="http://schemas.openxmlformats.org/drawingml/2006/main" xmlns:r="http://schemas.openxmlformats.org/officeDocument/2006/relationships" xmlns:p="http://schemas.openxmlformats.org/presentationml/2006/main">
   <p:cSld>
@@ -10888,7 +11013,7 @@
           <p:cNvPr id="2" name="Title 1">
             <a:extLst>
               <a:ext uri="{FF2B5EF4-FFF2-40B4-BE49-F238E27FC236}">
-                <a16:creationId xmlns:a16="http://schemas.microsoft.com/office/drawing/2014/main" id="{2B7A4C12-173C-6FC7-C5E6-EE560C845070}"/>
+                <a16:creationId xmlns:a16="http://schemas.microsoft.com/office/drawing/2014/main" id="{3AE6DCF2-63B2-54DC-9CA3-D5F55DF361F7}"/>
               </a:ext>
             </a:extLst>
           </p:cNvPr>
@@ -10906,7 +11031,7 @@
           <a:p>
             <a:r>
               <a:rPr lang="en-GB" dirty="0"/>
-              <a:t>Informed consent</a:t>
+              <a:t>Discussion: Risk vs benefits</a:t>
             </a:r>
           </a:p>
         </p:txBody>
@@ -10916,7 +11041,7 @@
           <p:cNvPr id="3" name="Content Placeholder 2">
             <a:extLst>
               <a:ext uri="{FF2B5EF4-FFF2-40B4-BE49-F238E27FC236}">
-                <a16:creationId xmlns:a16="http://schemas.microsoft.com/office/drawing/2014/main" id="{C12C8D32-8609-C9D9-BE08-E74CF5E532A5}"/>
+                <a16:creationId xmlns:a16="http://schemas.microsoft.com/office/drawing/2014/main" id="{55BA23AA-A228-5C8F-4C00-07A5598342EB}"/>
               </a:ext>
             </a:extLst>
           </p:cNvPr>
@@ -10930,7 +11055,7 @@
         <p:spPr/>
         <p:txBody>
           <a:bodyPr>
-            <a:normAutofit fontScale="92500" lnSpcReduction="20000"/>
+            <a:normAutofit lnSpcReduction="10000"/>
           </a:bodyPr>
           <a:lstStyle/>
           <a:p>
@@ -10939,7 +11064,7 @@
             </a:pPr>
             <a:r>
               <a:rPr lang="en-GB" dirty="0"/>
-              <a:t>Participants should the necessary information to judge whether they wish to participate. </a:t>
+              <a:t>Social problem: there is an ongoing dispute as to whether therapy can create false memories of childhood trauma. </a:t>
             </a:r>
           </a:p>
           <a:p>
@@ -10954,43 +11079,15 @@
             </a:pPr>
             <a:r>
               <a:rPr lang="en-GB" dirty="0"/>
-              <a:t>	What will happen to them? </a:t>
-            </a:r>
-          </a:p>
-          <a:p>
-            <a:pPr marL="0" indent="0">
-              <a:buNone/>
-            </a:pPr>
-            <a:r>
-              <a:rPr lang="en-GB" dirty="0"/>
-              <a:t>	What is expected of them? </a:t>
-            </a:r>
-          </a:p>
-          <a:p>
-            <a:pPr marL="0" indent="0">
-              <a:buNone/>
-            </a:pPr>
-            <a:r>
-              <a:rPr lang="en-GB" dirty="0"/>
-              <a:t>	What are the potential harms / risks? </a:t>
-            </a:r>
-          </a:p>
-          <a:p>
-            <a:pPr marL="0" indent="0">
-              <a:buNone/>
-            </a:pPr>
-            <a:r>
-              <a:rPr lang="en-GB" dirty="0"/>
-              <a:t>	What are their rights? 					 (more later)</a:t>
-            </a:r>
-          </a:p>
-          <a:p>
-            <a:pPr marL="0" indent="0">
-              <a:buNone/>
-            </a:pPr>
-            <a:r>
-              <a:rPr lang="en-GB" dirty="0"/>
-              <a:t>	What rewards (if any) are on offer? </a:t>
+              <a:t>A researcher decides to try to get people to “recover” a memory that is </a:t>
+            </a:r>
+            <a:r>
+              <a:rPr lang="en-GB" u="sng" dirty="0"/>
+              <a:t>known to be false</a:t>
+            </a:r>
+            <a:r>
+              <a:rPr lang="en-GB" dirty="0"/>
+              <a:t>, using methods reported by therapists, such as guided imagination. </a:t>
             </a:r>
           </a:p>
           <a:p>
@@ -11005,7 +11102,25 @@
             </a:pPr>
             <a:r>
               <a:rPr lang="en-GB" dirty="0"/>
-              <a:t>Note: the level of information needs to be balanced against the aims of the experiment (i.e. the potential benefits)</a:t>
+              <a:t>What are the risks vs benefits of this kind of research? </a:t>
+            </a:r>
+          </a:p>
+          <a:p>
+            <a:pPr marL="0" indent="0">
+              <a:buNone/>
+            </a:pPr>
+            <a:r>
+              <a:rPr lang="en-GB" dirty="0"/>
+              <a:t>	What would decrease the risk?</a:t>
+            </a:r>
+          </a:p>
+          <a:p>
+            <a:pPr marL="0" indent="0">
+              <a:buNone/>
+            </a:pPr>
+            <a:r>
+              <a:rPr lang="en-GB" dirty="0"/>
+              <a:t>	What would increase the benefit? </a:t>
             </a:r>
           </a:p>
         </p:txBody>
@@ -11013,7 +11128,7 @@
     </p:spTree>
     <p:extLst>
       <p:ext uri="{BB962C8B-B14F-4D97-AF65-F5344CB8AC3E}">
-        <p14:creationId xmlns:p14="http://schemas.microsoft.com/office/powerpoint/2010/main" val="2822529869"/>
+        <p14:creationId xmlns:p14="http://schemas.microsoft.com/office/powerpoint/2010/main" val="3865412898"/>
       </p:ext>
     </p:extLst>
   </p:cSld>
@@ -11045,7 +11160,7 @@
           <p:cNvPr id="2" name="Title 1">
             <a:extLst>
               <a:ext uri="{FF2B5EF4-FFF2-40B4-BE49-F238E27FC236}">
-                <a16:creationId xmlns:a16="http://schemas.microsoft.com/office/drawing/2014/main" id="{E4FEF5A6-6F84-C4A8-9E02-081F33728A3B}"/>
+                <a16:creationId xmlns:a16="http://schemas.microsoft.com/office/drawing/2014/main" id="{97B8356B-7D08-FD65-188B-D0CB0957C175}"/>
               </a:ext>
             </a:extLst>
           </p:cNvPr>
@@ -11063,7 +11178,7 @@
           <a:p>
             <a:r>
               <a:rPr lang="en-GB" dirty="0"/>
-              <a:t>Treated with respect</a:t>
+              <a:t>Discussion 2: Respect</a:t>
             </a:r>
           </a:p>
         </p:txBody>
@@ -11073,7 +11188,7 @@
           <p:cNvPr id="3" name="Content Placeholder 2">
             <a:extLst>
               <a:ext uri="{FF2B5EF4-FFF2-40B4-BE49-F238E27FC236}">
-                <a16:creationId xmlns:a16="http://schemas.microsoft.com/office/drawing/2014/main" id="{B1A146CF-5BF3-571B-4F16-BCC8CD5F4C0B}"/>
+                <a16:creationId xmlns:a16="http://schemas.microsoft.com/office/drawing/2014/main" id="{122A4E05-0029-7730-EDF2-ADFA3AF87B50}"/>
               </a:ext>
             </a:extLst>
           </p:cNvPr>
@@ -11092,30 +11207,36 @@
             <a:pPr marL="0" indent="0">
               <a:buNone/>
             </a:pPr>
+            <a:r>
+              <a:rPr lang="en-GB" dirty="0"/>
+              <a:t>For the purposes of research, is it ever justified to lie or otherwise deceive participants? </a:t>
+            </a:r>
+          </a:p>
+          <a:p>
+            <a:pPr marL="0" indent="0">
+              <a:buNone/>
+            </a:pPr>
             <a:endParaRPr lang="en-GB" dirty="0"/>
           </a:p>
           <a:p>
             <a:pPr marL="0" indent="0">
               <a:buNone/>
             </a:pPr>
-            <a:r>
-              <a:rPr lang="en-GB" dirty="0"/>
-              <a:t>The language used with the participant should be appropriate.</a:t>
-            </a:r>
-          </a:p>
-          <a:p>
-            <a:pPr marL="0" indent="0">
-              <a:buNone/>
-            </a:pPr>
             <a:endParaRPr lang="en-GB" dirty="0"/>
           </a:p>
           <a:p>
             <a:pPr marL="0" indent="0">
               <a:buNone/>
             </a:pPr>
-            <a:r>
-              <a:rPr lang="en-GB" dirty="0"/>
-              <a:t>The experimenter should not be judgmental / authoritarian (etc). </a:t>
+            <a:endParaRPr lang="en-GB" dirty="0"/>
+          </a:p>
+          <a:p>
+            <a:pPr marL="0" indent="0">
+              <a:buNone/>
+            </a:pPr>
+            <a:r>
+              <a:rPr lang="en-GB" dirty="0"/>
+              <a:t>Hint: Think about different levels or degrees of deception</a:t>
             </a:r>
           </a:p>
         </p:txBody>
@@ -11123,7 +11244,7 @@
     </p:spTree>
     <p:extLst>
       <p:ext uri="{BB962C8B-B14F-4D97-AF65-F5344CB8AC3E}">
-        <p14:creationId xmlns:p14="http://schemas.microsoft.com/office/powerpoint/2010/main" val="1663709077"/>
+        <p14:creationId xmlns:p14="http://schemas.microsoft.com/office/powerpoint/2010/main" val="1963826241"/>
       </p:ext>
     </p:extLst>
   </p:cSld>
@@ -11155,6 +11276,862 @@
           <p:cNvPr id="2" name="Title 1">
             <a:extLst>
               <a:ext uri="{FF2B5EF4-FFF2-40B4-BE49-F238E27FC236}">
+                <a16:creationId xmlns:a16="http://schemas.microsoft.com/office/drawing/2014/main" id="{D63B2D66-A1C3-3EA1-B630-31D8CAC4C2C9}"/>
+              </a:ext>
+            </a:extLst>
+          </p:cNvPr>
+          <p:cNvSpPr>
+            <a:spLocks noGrp="1"/>
+          </p:cNvSpPr>
+          <p:nvPr>
+            <p:ph type="title"/>
+          </p:nvPr>
+        </p:nvSpPr>
+        <p:spPr/>
+        <p:txBody>
+          <a:bodyPr/>
+          <a:lstStyle/>
+          <a:p>
+            <a:r>
+              <a:rPr lang="en-GB" dirty="0"/>
+              <a:t>From principles to guidelines</a:t>
+            </a:r>
+          </a:p>
+        </p:txBody>
+      </p:sp>
+      <p:sp>
+        <p:nvSpPr>
+          <p:cNvPr id="3" name="Content Placeholder 2">
+            <a:extLst>
+              <a:ext uri="{FF2B5EF4-FFF2-40B4-BE49-F238E27FC236}">
+                <a16:creationId xmlns:a16="http://schemas.microsoft.com/office/drawing/2014/main" id="{528F8971-2864-C967-E1F5-9A369BFE9D0A}"/>
+              </a:ext>
+            </a:extLst>
+          </p:cNvPr>
+          <p:cNvSpPr>
+            <a:spLocks noGrp="1"/>
+          </p:cNvSpPr>
+          <p:nvPr>
+            <p:ph idx="1"/>
+          </p:nvPr>
+        </p:nvSpPr>
+        <p:spPr/>
+        <p:txBody>
+          <a:bodyPr>
+            <a:normAutofit/>
+          </a:bodyPr>
+          <a:lstStyle/>
+          <a:p>
+            <a:pPr marL="0" indent="0">
+              <a:buNone/>
+            </a:pPr>
+            <a:r>
+              <a:rPr lang="en-GB" dirty="0"/>
+              <a:t>Experiments involving human (or animal) participants require ethical approval (by a suitably appointed ethics committee).</a:t>
+            </a:r>
+          </a:p>
+          <a:p>
+            <a:pPr marL="0" indent="0">
+              <a:buNone/>
+            </a:pPr>
+            <a:endParaRPr lang="en-GB" dirty="0"/>
+          </a:p>
+          <a:p>
+            <a:pPr marL="0" indent="0">
+              <a:buNone/>
+            </a:pPr>
+            <a:r>
+              <a:rPr lang="en-GB" dirty="0"/>
+              <a:t>For your group project, you will have to get ethical approval, </a:t>
+            </a:r>
+            <a:r>
+              <a:rPr lang="en-GB" u="sng" dirty="0"/>
+              <a:t>before you recruit anyone to take part in your research. </a:t>
+            </a:r>
+            <a:endParaRPr lang="en-GB" dirty="0"/>
+          </a:p>
+          <a:p>
+            <a:pPr marL="0" indent="0">
+              <a:buNone/>
+            </a:pPr>
+            <a:endParaRPr lang="en-GB" dirty="0"/>
+          </a:p>
+          <a:p>
+            <a:pPr marL="0" indent="0">
+              <a:buNone/>
+            </a:pPr>
+            <a:endParaRPr lang="en-GB" dirty="0"/>
+          </a:p>
+          <a:p>
+            <a:pPr marL="0" indent="0">
+              <a:buNone/>
+            </a:pPr>
+            <a:endParaRPr lang="en-GB" dirty="0"/>
+          </a:p>
+        </p:txBody>
+      </p:sp>
+    </p:spTree>
+    <p:extLst>
+      <p:ext uri="{BB962C8B-B14F-4D97-AF65-F5344CB8AC3E}">
+        <p14:creationId xmlns:p14="http://schemas.microsoft.com/office/powerpoint/2010/main" val="2197231077"/>
+      </p:ext>
+    </p:extLst>
+  </p:cSld>
+  <p:clrMapOvr>
+    <a:masterClrMapping/>
+  </p:clrMapOvr>
+</p:sld>
+</file>
+
+<file path=ppt/slides/slide47.xml><?xml version="1.0" encoding="utf-8"?>
+<p:sld xmlns:a="http://schemas.openxmlformats.org/drawingml/2006/main" xmlns:r="http://schemas.openxmlformats.org/officeDocument/2006/relationships" xmlns:p="http://schemas.openxmlformats.org/presentationml/2006/main">
+  <p:cSld>
+    <p:spTree>
+      <p:nvGrpSpPr>
+        <p:cNvPr id="1" name=""/>
+        <p:cNvGrpSpPr/>
+        <p:nvPr/>
+      </p:nvGrpSpPr>
+      <p:grpSpPr>
+        <a:xfrm>
+          <a:off x="0" y="0"/>
+          <a:ext cx="0" cy="0"/>
+          <a:chOff x="0" y="0"/>
+          <a:chExt cx="0" cy="0"/>
+        </a:xfrm>
+      </p:grpSpPr>
+      <p:sp>
+        <p:nvSpPr>
+          <p:cNvPr id="2" name="Title 1">
+            <a:extLst>
+              <a:ext uri="{FF2B5EF4-FFF2-40B4-BE49-F238E27FC236}">
+                <a16:creationId xmlns:a16="http://schemas.microsoft.com/office/drawing/2014/main" id="{C5A8A8FC-98C8-1C42-DEB7-51AE99B32042}"/>
+              </a:ext>
+            </a:extLst>
+          </p:cNvPr>
+          <p:cNvSpPr>
+            <a:spLocks noGrp="1"/>
+          </p:cNvSpPr>
+          <p:nvPr>
+            <p:ph type="title"/>
+          </p:nvPr>
+        </p:nvSpPr>
+        <p:spPr/>
+        <p:txBody>
+          <a:bodyPr/>
+          <a:lstStyle/>
+          <a:p>
+            <a:r>
+              <a:rPr lang="en-GB" dirty="0"/>
+              <a:t>The ethics form should detail:</a:t>
+            </a:r>
+          </a:p>
+        </p:txBody>
+      </p:sp>
+      <p:sp>
+        <p:nvSpPr>
+          <p:cNvPr id="3" name="Content Placeholder 2">
+            <a:extLst>
+              <a:ext uri="{FF2B5EF4-FFF2-40B4-BE49-F238E27FC236}">
+                <a16:creationId xmlns:a16="http://schemas.microsoft.com/office/drawing/2014/main" id="{5AFA315D-04B8-1D11-35CC-B7E7C2A46E58}"/>
+              </a:ext>
+            </a:extLst>
+          </p:cNvPr>
+          <p:cNvSpPr>
+            <a:spLocks noGrp="1"/>
+          </p:cNvSpPr>
+          <p:nvPr>
+            <p:ph idx="1"/>
+          </p:nvPr>
+        </p:nvSpPr>
+        <p:spPr/>
+        <p:txBody>
+          <a:bodyPr>
+            <a:noAutofit/>
+          </a:bodyPr>
+          <a:lstStyle/>
+          <a:p>
+            <a:pPr marL="0" indent="0">
+              <a:buNone/>
+            </a:pPr>
+            <a:r>
+              <a:rPr lang="en-GB" sz="2400" dirty="0"/>
+              <a:t>what will happen to the participants</a:t>
+            </a:r>
+          </a:p>
+          <a:p>
+            <a:pPr marL="0" indent="0">
+              <a:buNone/>
+            </a:pPr>
+            <a:r>
+              <a:rPr lang="en-GB" sz="2400" dirty="0"/>
+              <a:t>	and where necessary, to justify these (i.e. </a:t>
+            </a:r>
+            <a:r>
+              <a:rPr lang="en-GB" sz="2400" dirty="0">
+                <a:solidFill>
+                  <a:srgbClr val="FF0000"/>
+                </a:solidFill>
+              </a:rPr>
+              <a:t>Benefit</a:t>
+            </a:r>
+            <a:r>
+              <a:rPr lang="en-GB" sz="2400" dirty="0"/>
+              <a:t> vs risk). 		</a:t>
+            </a:r>
+          </a:p>
+          <a:p>
+            <a:pPr marL="0" indent="0">
+              <a:buNone/>
+            </a:pPr>
+            <a:r>
+              <a:rPr lang="en-GB" sz="2400" dirty="0"/>
+              <a:t>the level of anticipated harm / risk </a:t>
+            </a:r>
+          </a:p>
+          <a:p>
+            <a:pPr marL="0" indent="0">
+              <a:buNone/>
+            </a:pPr>
+            <a:r>
+              <a:rPr lang="en-GB" sz="2400" dirty="0"/>
+              <a:t>	and what steps taken to reduce these</a:t>
+            </a:r>
+          </a:p>
+          <a:p>
+            <a:pPr marL="0" indent="0">
+              <a:buNone/>
+            </a:pPr>
+            <a:r>
+              <a:rPr lang="en-GB" sz="2400" dirty="0"/>
+              <a:t>How participant’s rights are protected</a:t>
+            </a:r>
+          </a:p>
+          <a:p>
+            <a:pPr marL="0" indent="0">
+              <a:buNone/>
+            </a:pPr>
+            <a:r>
+              <a:rPr lang="en-GB" sz="2400" dirty="0"/>
+              <a:t>	Informed consent</a:t>
+            </a:r>
+          </a:p>
+          <a:p>
+            <a:pPr marL="0" indent="0">
+              <a:buNone/>
+            </a:pPr>
+            <a:r>
+              <a:rPr lang="en-GB" sz="2400" dirty="0"/>
+              <a:t>	Treated with respect (including not being deceived unnecessarily)</a:t>
+            </a:r>
+          </a:p>
+          <a:p>
+            <a:pPr marL="0" indent="0">
+              <a:buNone/>
+            </a:pPr>
+            <a:r>
+              <a:rPr lang="en-GB" sz="2400" dirty="0"/>
+              <a:t>	Right to withdraw</a:t>
+            </a:r>
+          </a:p>
+          <a:p>
+            <a:pPr marL="0" indent="0">
+              <a:buNone/>
+            </a:pPr>
+            <a:r>
+              <a:rPr lang="en-GB" sz="2400" dirty="0"/>
+              <a:t>	Anonymity</a:t>
+            </a:r>
+          </a:p>
+          <a:p>
+            <a:pPr marL="0" indent="0">
+              <a:buNone/>
+            </a:pPr>
+            <a:r>
+              <a:rPr lang="en-GB" sz="2400" dirty="0"/>
+              <a:t>	Brief and Debrief</a:t>
+            </a:r>
+          </a:p>
+          <a:p>
+            <a:pPr marL="0" indent="0">
+              <a:buNone/>
+            </a:pPr>
+            <a:r>
+              <a:rPr lang="en-GB" sz="2400" dirty="0"/>
+              <a:t>		</a:t>
+            </a:r>
+          </a:p>
+        </p:txBody>
+      </p:sp>
+    </p:spTree>
+    <p:extLst>
+      <p:ext uri="{BB962C8B-B14F-4D97-AF65-F5344CB8AC3E}">
+        <p14:creationId xmlns:p14="http://schemas.microsoft.com/office/powerpoint/2010/main" val="55065727"/>
+      </p:ext>
+    </p:extLst>
+  </p:cSld>
+  <p:clrMapOvr>
+    <a:masterClrMapping/>
+  </p:clrMapOvr>
+</p:sld>
+</file>
+
+<file path=ppt/slides/slide48.xml><?xml version="1.0" encoding="utf-8"?>
+<p:sld xmlns:a="http://schemas.openxmlformats.org/drawingml/2006/main" xmlns:r="http://schemas.openxmlformats.org/officeDocument/2006/relationships" xmlns:p="http://schemas.openxmlformats.org/presentationml/2006/main">
+  <p:cSld>
+    <p:spTree>
+      <p:nvGrpSpPr>
+        <p:cNvPr id="1" name=""/>
+        <p:cNvGrpSpPr/>
+        <p:nvPr/>
+      </p:nvGrpSpPr>
+      <p:grpSpPr>
+        <a:xfrm>
+          <a:off x="0" y="0"/>
+          <a:ext cx="0" cy="0"/>
+          <a:chOff x="0" y="0"/>
+          <a:chExt cx="0" cy="0"/>
+        </a:xfrm>
+      </p:grpSpPr>
+      <p:sp>
+        <p:nvSpPr>
+          <p:cNvPr id="2" name="Title 1">
+            <a:extLst>
+              <a:ext uri="{FF2B5EF4-FFF2-40B4-BE49-F238E27FC236}">
+                <a16:creationId xmlns:a16="http://schemas.microsoft.com/office/drawing/2014/main" id="{55FED1B8-89C6-65EA-6D1A-22A3CDC784EC}"/>
+              </a:ext>
+            </a:extLst>
+          </p:cNvPr>
+          <p:cNvSpPr>
+            <a:spLocks noGrp="1"/>
+          </p:cNvSpPr>
+          <p:nvPr>
+            <p:ph type="title"/>
+          </p:nvPr>
+        </p:nvSpPr>
+        <p:spPr/>
+        <p:txBody>
+          <a:bodyPr/>
+          <a:lstStyle/>
+          <a:p>
+            <a:r>
+              <a:rPr lang="en-GB" dirty="0"/>
+              <a:t>Ethical process for your group projects</a:t>
+            </a:r>
+          </a:p>
+        </p:txBody>
+      </p:sp>
+      <p:sp>
+        <p:nvSpPr>
+          <p:cNvPr id="3" name="Content Placeholder 2">
+            <a:extLst>
+              <a:ext uri="{FF2B5EF4-FFF2-40B4-BE49-F238E27FC236}">
+                <a16:creationId xmlns:a16="http://schemas.microsoft.com/office/drawing/2014/main" id="{70D44FA8-51F6-8AD8-F73B-9BF24CA02C6E}"/>
+              </a:ext>
+            </a:extLst>
+          </p:cNvPr>
+          <p:cNvSpPr>
+            <a:spLocks noGrp="1"/>
+          </p:cNvSpPr>
+          <p:nvPr>
+            <p:ph idx="1"/>
+          </p:nvPr>
+        </p:nvSpPr>
+        <p:spPr/>
+        <p:txBody>
+          <a:bodyPr>
+            <a:normAutofit lnSpcReduction="10000"/>
+          </a:bodyPr>
+          <a:lstStyle/>
+          <a:p>
+            <a:pPr marL="0" indent="0">
+              <a:buNone/>
+            </a:pPr>
+            <a:r>
+              <a:rPr lang="en-GB" dirty="0"/>
+              <a:t>Your ethics approval request should detail</a:t>
+            </a:r>
+          </a:p>
+          <a:p>
+            <a:pPr marL="0" indent="0">
+              <a:buNone/>
+            </a:pPr>
+            <a:endParaRPr lang="en-GB" dirty="0"/>
+          </a:p>
+          <a:p>
+            <a:pPr marL="514350" indent="-514350">
+              <a:buAutoNum type="arabicParenR"/>
+            </a:pPr>
+            <a:r>
+              <a:rPr lang="en-GB" dirty="0"/>
+              <a:t>Confirmation of who your sample will be</a:t>
+            </a:r>
+          </a:p>
+          <a:p>
+            <a:pPr marL="514350" indent="-514350">
+              <a:buAutoNum type="arabicParenR"/>
+            </a:pPr>
+            <a:r>
+              <a:rPr lang="en-GB" dirty="0"/>
+              <a:t>An outline of your research procedure</a:t>
+            </a:r>
+          </a:p>
+          <a:p>
+            <a:pPr marL="514350" indent="-514350">
+              <a:buAutoNum type="arabicParenR"/>
+            </a:pPr>
+            <a:r>
+              <a:rPr lang="en-GB" dirty="0"/>
+              <a:t>Explanation of how you have considered and dealt with potential ethical concerns</a:t>
+            </a:r>
+          </a:p>
+          <a:p>
+            <a:pPr marL="514350" indent="-514350">
+              <a:buAutoNum type="arabicParenR"/>
+            </a:pPr>
+            <a:r>
+              <a:rPr lang="en-GB" dirty="0"/>
+              <a:t>The nature of the data you plan to collect</a:t>
+            </a:r>
+          </a:p>
+          <a:p>
+            <a:pPr marL="514350" indent="-514350">
+              <a:buAutoNum type="arabicParenR"/>
+            </a:pPr>
+            <a:r>
+              <a:rPr lang="en-GB" dirty="0"/>
+              <a:t>A copy of the Brief and Debrief you plan to show participants</a:t>
+            </a:r>
+          </a:p>
+          <a:p>
+            <a:pPr marL="514350" indent="-514350">
+              <a:buAutoNum type="arabicParenR"/>
+            </a:pPr>
+            <a:r>
+              <a:rPr lang="en-GB" dirty="0"/>
+              <a:t>A consent form. </a:t>
+            </a:r>
+          </a:p>
+        </p:txBody>
+      </p:sp>
+    </p:spTree>
+    <p:extLst>
+      <p:ext uri="{BB962C8B-B14F-4D97-AF65-F5344CB8AC3E}">
+        <p14:creationId xmlns:p14="http://schemas.microsoft.com/office/powerpoint/2010/main" val="257883396"/>
+      </p:ext>
+    </p:extLst>
+  </p:cSld>
+  <p:clrMapOvr>
+    <a:masterClrMapping/>
+  </p:clrMapOvr>
+</p:sld>
+</file>
+
+<file path=ppt/slides/slide49.xml><?xml version="1.0" encoding="utf-8"?>
+<p:sld xmlns:a="http://schemas.openxmlformats.org/drawingml/2006/main" xmlns:r="http://schemas.openxmlformats.org/officeDocument/2006/relationships" xmlns:p="http://schemas.openxmlformats.org/presentationml/2006/main">
+  <p:cSld>
+    <p:spTree>
+      <p:nvGrpSpPr>
+        <p:cNvPr id="1" name=""/>
+        <p:cNvGrpSpPr/>
+        <p:nvPr/>
+      </p:nvGrpSpPr>
+      <p:grpSpPr>
+        <a:xfrm>
+          <a:off x="0" y="0"/>
+          <a:ext cx="0" cy="0"/>
+          <a:chOff x="0" y="0"/>
+          <a:chExt cx="0" cy="0"/>
+        </a:xfrm>
+      </p:grpSpPr>
+      <p:sp>
+        <p:nvSpPr>
+          <p:cNvPr id="2" name="Title 1">
+            <a:extLst>
+              <a:ext uri="{FF2B5EF4-FFF2-40B4-BE49-F238E27FC236}">
+                <a16:creationId xmlns:a16="http://schemas.microsoft.com/office/drawing/2014/main" id="{2B7A4C12-173C-6FC7-C5E6-EE560C845070}"/>
+              </a:ext>
+            </a:extLst>
+          </p:cNvPr>
+          <p:cNvSpPr>
+            <a:spLocks noGrp="1"/>
+          </p:cNvSpPr>
+          <p:nvPr>
+            <p:ph type="title"/>
+          </p:nvPr>
+        </p:nvSpPr>
+        <p:spPr/>
+        <p:txBody>
+          <a:bodyPr/>
+          <a:lstStyle/>
+          <a:p>
+            <a:r>
+              <a:rPr lang="en-GB" dirty="0"/>
+              <a:t>Informed consent</a:t>
+            </a:r>
+          </a:p>
+        </p:txBody>
+      </p:sp>
+      <p:sp>
+        <p:nvSpPr>
+          <p:cNvPr id="3" name="Content Placeholder 2">
+            <a:extLst>
+              <a:ext uri="{FF2B5EF4-FFF2-40B4-BE49-F238E27FC236}">
+                <a16:creationId xmlns:a16="http://schemas.microsoft.com/office/drawing/2014/main" id="{C12C8D32-8609-C9D9-BE08-E74CF5E532A5}"/>
+              </a:ext>
+            </a:extLst>
+          </p:cNvPr>
+          <p:cNvSpPr>
+            <a:spLocks noGrp="1"/>
+          </p:cNvSpPr>
+          <p:nvPr>
+            <p:ph idx="1"/>
+          </p:nvPr>
+        </p:nvSpPr>
+        <p:spPr/>
+        <p:txBody>
+          <a:bodyPr>
+            <a:normAutofit fontScale="92500" lnSpcReduction="20000"/>
+          </a:bodyPr>
+          <a:lstStyle/>
+          <a:p>
+            <a:pPr marL="0" indent="0">
+              <a:buNone/>
+            </a:pPr>
+            <a:r>
+              <a:rPr lang="en-GB" dirty="0"/>
+              <a:t>Participants should the necessary information to judge whether they wish to participate. </a:t>
+            </a:r>
+          </a:p>
+          <a:p>
+            <a:pPr marL="0" indent="0">
+              <a:buNone/>
+            </a:pPr>
+            <a:endParaRPr lang="en-GB" dirty="0"/>
+          </a:p>
+          <a:p>
+            <a:pPr marL="0" indent="0">
+              <a:buNone/>
+            </a:pPr>
+            <a:r>
+              <a:rPr lang="en-GB" dirty="0"/>
+              <a:t>	What will happen to them? </a:t>
+            </a:r>
+          </a:p>
+          <a:p>
+            <a:pPr marL="0" indent="0">
+              <a:buNone/>
+            </a:pPr>
+            <a:r>
+              <a:rPr lang="en-GB" dirty="0"/>
+              <a:t>	What is expected of them? </a:t>
+            </a:r>
+          </a:p>
+          <a:p>
+            <a:pPr marL="0" indent="0">
+              <a:buNone/>
+            </a:pPr>
+            <a:r>
+              <a:rPr lang="en-GB" dirty="0"/>
+              <a:t>	What are the potential harms / risks? </a:t>
+            </a:r>
+          </a:p>
+          <a:p>
+            <a:pPr marL="0" indent="0">
+              <a:buNone/>
+            </a:pPr>
+            <a:r>
+              <a:rPr lang="en-GB" dirty="0"/>
+              <a:t>	What are their rights? 					 (more later)</a:t>
+            </a:r>
+          </a:p>
+          <a:p>
+            <a:pPr marL="0" indent="0">
+              <a:buNone/>
+            </a:pPr>
+            <a:r>
+              <a:rPr lang="en-GB" dirty="0"/>
+              <a:t>	What rewards (if any) are on offer? </a:t>
+            </a:r>
+          </a:p>
+          <a:p>
+            <a:pPr marL="0" indent="0">
+              <a:buNone/>
+            </a:pPr>
+            <a:endParaRPr lang="en-GB" dirty="0"/>
+          </a:p>
+          <a:p>
+            <a:pPr marL="0" indent="0">
+              <a:buNone/>
+            </a:pPr>
+            <a:r>
+              <a:rPr lang="en-GB" dirty="0"/>
+              <a:t>Note: the level of information needs to be balanced against the aims of the experiment (i.e. the potential benefits)</a:t>
+            </a:r>
+          </a:p>
+        </p:txBody>
+      </p:sp>
+    </p:spTree>
+    <p:extLst>
+      <p:ext uri="{BB962C8B-B14F-4D97-AF65-F5344CB8AC3E}">
+        <p14:creationId xmlns:p14="http://schemas.microsoft.com/office/powerpoint/2010/main" val="2822529869"/>
+      </p:ext>
+    </p:extLst>
+  </p:cSld>
+  <p:clrMapOvr>
+    <a:masterClrMapping/>
+  </p:clrMapOvr>
+</p:sld>
+</file>
+
+<file path=ppt/slides/slide5.xml><?xml version="1.0" encoding="utf-8"?>
+<p:sld xmlns:a="http://schemas.openxmlformats.org/drawingml/2006/main" xmlns:r="http://schemas.openxmlformats.org/officeDocument/2006/relationships" xmlns:p="http://schemas.openxmlformats.org/presentationml/2006/main">
+  <p:cSld>
+    <p:spTree>
+      <p:nvGrpSpPr>
+        <p:cNvPr id="1" name=""/>
+        <p:cNvGrpSpPr/>
+        <p:nvPr/>
+      </p:nvGrpSpPr>
+      <p:grpSpPr>
+        <a:xfrm>
+          <a:off x="0" y="0"/>
+          <a:ext cx="0" cy="0"/>
+          <a:chOff x="0" y="0"/>
+          <a:chExt cx="0" cy="0"/>
+        </a:xfrm>
+      </p:grpSpPr>
+      <p:sp>
+        <p:nvSpPr>
+          <p:cNvPr id="2" name="Title 1"/>
+          <p:cNvSpPr>
+            <a:spLocks noGrp="1"/>
+          </p:cNvSpPr>
+          <p:nvPr>
+            <p:ph type="title"/>
+          </p:nvPr>
+        </p:nvSpPr>
+        <p:spPr/>
+        <p:txBody>
+          <a:bodyPr/>
+          <a:lstStyle/>
+          <a:p>
+            <a:r>
+              <a:rPr lang="en-GB" dirty="0"/>
+              <a:t>Reading associated with this lecture</a:t>
+            </a:r>
+          </a:p>
+        </p:txBody>
+      </p:sp>
+      <p:sp>
+        <p:nvSpPr>
+          <p:cNvPr id="3" name="Content Placeholder 2"/>
+          <p:cNvSpPr>
+            <a:spLocks noGrp="1"/>
+          </p:cNvSpPr>
+          <p:nvPr>
+            <p:ph idx="1"/>
+          </p:nvPr>
+        </p:nvSpPr>
+        <p:spPr/>
+        <p:txBody>
+          <a:bodyPr/>
+          <a:lstStyle/>
+          <a:p>
+            <a:pPr marL="0" indent="0">
+              <a:buNone/>
+            </a:pPr>
+            <a:r>
+              <a:rPr lang="en-GB" dirty="0"/>
+              <a:t>Research Methods in Psychology, 4</a:t>
+            </a:r>
+            <a:r>
+              <a:rPr lang="en-GB" baseline="30000" dirty="0"/>
+              <a:t>th</a:t>
+            </a:r>
+            <a:r>
+              <a:rPr lang="en-GB" dirty="0"/>
+              <a:t> Edition</a:t>
+            </a:r>
+          </a:p>
+          <a:p>
+            <a:pPr marL="0" indent="0">
+              <a:buNone/>
+            </a:pPr>
+            <a:r>
+              <a:rPr lang="en-GB" u="sng" dirty="0">
+                <a:hlinkClick r:id="rId2"/>
+              </a:rPr>
+              <a:t>https://kpu.pressbooks.pub/psychmethods4e/</a:t>
+            </a:r>
+            <a:endParaRPr lang="en-GB" dirty="0"/>
+          </a:p>
+          <a:p>
+            <a:pPr marL="0" indent="0">
+              <a:buNone/>
+            </a:pPr>
+            <a:endParaRPr lang="en-GB" dirty="0"/>
+          </a:p>
+          <a:p>
+            <a:pPr marL="0" indent="0">
+              <a:buNone/>
+            </a:pPr>
+            <a:r>
+              <a:rPr lang="en-GB" sz="3600" dirty="0">
+                <a:solidFill>
+                  <a:srgbClr val="FF0000"/>
+                </a:solidFill>
+              </a:rPr>
+              <a:t>Chapters 1 and 3</a:t>
+            </a:r>
+          </a:p>
+        </p:txBody>
+      </p:sp>
+    </p:spTree>
+    <p:extLst>
+      <p:ext uri="{BB962C8B-B14F-4D97-AF65-F5344CB8AC3E}">
+        <p14:creationId xmlns:p14="http://schemas.microsoft.com/office/powerpoint/2010/main" val="2390506949"/>
+      </p:ext>
+    </p:extLst>
+  </p:cSld>
+  <p:clrMapOvr>
+    <a:masterClrMapping/>
+  </p:clrMapOvr>
+</p:sld>
+</file>
+
+<file path=ppt/slides/slide50.xml><?xml version="1.0" encoding="utf-8"?>
+<p:sld xmlns:a="http://schemas.openxmlformats.org/drawingml/2006/main" xmlns:r="http://schemas.openxmlformats.org/officeDocument/2006/relationships" xmlns:p="http://schemas.openxmlformats.org/presentationml/2006/main">
+  <p:cSld>
+    <p:spTree>
+      <p:nvGrpSpPr>
+        <p:cNvPr id="1" name=""/>
+        <p:cNvGrpSpPr/>
+        <p:nvPr/>
+      </p:nvGrpSpPr>
+      <p:grpSpPr>
+        <a:xfrm>
+          <a:off x="0" y="0"/>
+          <a:ext cx="0" cy="0"/>
+          <a:chOff x="0" y="0"/>
+          <a:chExt cx="0" cy="0"/>
+        </a:xfrm>
+      </p:grpSpPr>
+      <p:sp>
+        <p:nvSpPr>
+          <p:cNvPr id="2" name="Title 1">
+            <a:extLst>
+              <a:ext uri="{FF2B5EF4-FFF2-40B4-BE49-F238E27FC236}">
+                <a16:creationId xmlns:a16="http://schemas.microsoft.com/office/drawing/2014/main" id="{E4FEF5A6-6F84-C4A8-9E02-081F33728A3B}"/>
+              </a:ext>
+            </a:extLst>
+          </p:cNvPr>
+          <p:cNvSpPr>
+            <a:spLocks noGrp="1"/>
+          </p:cNvSpPr>
+          <p:nvPr>
+            <p:ph type="title"/>
+          </p:nvPr>
+        </p:nvSpPr>
+        <p:spPr/>
+        <p:txBody>
+          <a:bodyPr/>
+          <a:lstStyle/>
+          <a:p>
+            <a:r>
+              <a:rPr lang="en-GB" dirty="0"/>
+              <a:t>Treated with respect</a:t>
+            </a:r>
+          </a:p>
+        </p:txBody>
+      </p:sp>
+      <p:sp>
+        <p:nvSpPr>
+          <p:cNvPr id="3" name="Content Placeholder 2">
+            <a:extLst>
+              <a:ext uri="{FF2B5EF4-FFF2-40B4-BE49-F238E27FC236}">
+                <a16:creationId xmlns:a16="http://schemas.microsoft.com/office/drawing/2014/main" id="{B1A146CF-5BF3-571B-4F16-BCC8CD5F4C0B}"/>
+              </a:ext>
+            </a:extLst>
+          </p:cNvPr>
+          <p:cNvSpPr>
+            <a:spLocks noGrp="1"/>
+          </p:cNvSpPr>
+          <p:nvPr>
+            <p:ph idx="1"/>
+          </p:nvPr>
+        </p:nvSpPr>
+        <p:spPr/>
+        <p:txBody>
+          <a:bodyPr/>
+          <a:lstStyle/>
+          <a:p>
+            <a:pPr marL="0" indent="0">
+              <a:buNone/>
+            </a:pPr>
+            <a:endParaRPr lang="en-GB" dirty="0"/>
+          </a:p>
+          <a:p>
+            <a:pPr marL="0" indent="0">
+              <a:buNone/>
+            </a:pPr>
+            <a:r>
+              <a:rPr lang="en-GB" dirty="0"/>
+              <a:t>The language used with the participant should be appropriate.</a:t>
+            </a:r>
+          </a:p>
+          <a:p>
+            <a:pPr marL="0" indent="0">
+              <a:buNone/>
+            </a:pPr>
+            <a:endParaRPr lang="en-GB" dirty="0"/>
+          </a:p>
+          <a:p>
+            <a:pPr marL="0" indent="0">
+              <a:buNone/>
+            </a:pPr>
+            <a:r>
+              <a:rPr lang="en-GB" dirty="0"/>
+              <a:t>The experimenter should not be judgmental / authoritarian (etc). </a:t>
+            </a:r>
+          </a:p>
+        </p:txBody>
+      </p:sp>
+    </p:spTree>
+    <p:extLst>
+      <p:ext uri="{BB962C8B-B14F-4D97-AF65-F5344CB8AC3E}">
+        <p14:creationId xmlns:p14="http://schemas.microsoft.com/office/powerpoint/2010/main" val="1663709077"/>
+      </p:ext>
+    </p:extLst>
+  </p:cSld>
+  <p:clrMapOvr>
+    <a:masterClrMapping/>
+  </p:clrMapOvr>
+</p:sld>
+</file>
+
+<file path=ppt/slides/slide51.xml><?xml version="1.0" encoding="utf-8"?>
+<p:sld xmlns:a="http://schemas.openxmlformats.org/drawingml/2006/main" xmlns:r="http://schemas.openxmlformats.org/officeDocument/2006/relationships" xmlns:p="http://schemas.openxmlformats.org/presentationml/2006/main">
+  <p:cSld>
+    <p:spTree>
+      <p:nvGrpSpPr>
+        <p:cNvPr id="1" name=""/>
+        <p:cNvGrpSpPr/>
+        <p:nvPr/>
+      </p:nvGrpSpPr>
+      <p:grpSpPr>
+        <a:xfrm>
+          <a:off x="0" y="0"/>
+          <a:ext cx="0" cy="0"/>
+          <a:chOff x="0" y="0"/>
+          <a:chExt cx="0" cy="0"/>
+        </a:xfrm>
+      </p:grpSpPr>
+      <p:sp>
+        <p:nvSpPr>
+          <p:cNvPr id="2" name="Title 1">
+            <a:extLst>
+              <a:ext uri="{FF2B5EF4-FFF2-40B4-BE49-F238E27FC236}">
                 <a16:creationId xmlns:a16="http://schemas.microsoft.com/office/drawing/2014/main" id="{2DBF7840-08E1-90C1-DEEA-3D2FA73D8983}"/>
               </a:ext>
             </a:extLst>
@@ -11256,7 +12233,7 @@
 </p:sld>
 </file>
 
-<file path=ppt/slides/slide47.xml><?xml version="1.0" encoding="utf-8"?>
+<file path=ppt/slides/slide52.xml><?xml version="1.0" encoding="utf-8"?>
 <p:sld xmlns:a="http://schemas.openxmlformats.org/drawingml/2006/main" xmlns:r="http://schemas.openxmlformats.org/officeDocument/2006/relationships" xmlns:p="http://schemas.openxmlformats.org/presentationml/2006/main">
   <p:cSld>
     <p:bg>
@@ -11395,7 +12372,7 @@
 </p:sld>
 </file>
 
-<file path=ppt/slides/slide48.xml><?xml version="1.0" encoding="utf-8"?>
+<file path=ppt/slides/slide53.xml><?xml version="1.0" encoding="utf-8"?>
 <p:sld xmlns:a="http://schemas.openxmlformats.org/drawingml/2006/main" xmlns:r="http://schemas.openxmlformats.org/officeDocument/2006/relationships" xmlns:p="http://schemas.openxmlformats.org/presentationml/2006/main">
   <p:cSld>
     <p:spTree>
@@ -11533,7 +12510,7 @@
 </p:sld>
 </file>
 
-<file path=ppt/slides/slide49.xml><?xml version="1.0" encoding="utf-8"?>
+<file path=ppt/slides/slide54.xml><?xml version="1.0" encoding="utf-8"?>
 <p:sld xmlns:a="http://schemas.openxmlformats.org/drawingml/2006/main" xmlns:r="http://schemas.openxmlformats.org/officeDocument/2006/relationships" xmlns:p="http://schemas.openxmlformats.org/presentationml/2006/main">
   <p:cSld>
     <p:spTree>
@@ -11650,122 +12627,6 @@
     <p:extLst>
       <p:ext uri="{BB962C8B-B14F-4D97-AF65-F5344CB8AC3E}">
         <p14:creationId xmlns:p14="http://schemas.microsoft.com/office/powerpoint/2010/main" val="2874600024"/>
-      </p:ext>
-    </p:extLst>
-  </p:cSld>
-  <p:clrMapOvr>
-    <a:masterClrMapping/>
-  </p:clrMapOvr>
-</p:sld>
-</file>
-
-<file path=ppt/slides/slide5.xml><?xml version="1.0" encoding="utf-8"?>
-<p:sld xmlns:a="http://schemas.openxmlformats.org/drawingml/2006/main" xmlns:r="http://schemas.openxmlformats.org/officeDocument/2006/relationships" xmlns:p="http://schemas.openxmlformats.org/presentationml/2006/main">
-  <p:cSld>
-    <p:spTree>
-      <p:nvGrpSpPr>
-        <p:cNvPr id="1" name=""/>
-        <p:cNvGrpSpPr/>
-        <p:nvPr/>
-      </p:nvGrpSpPr>
-      <p:grpSpPr>
-        <a:xfrm>
-          <a:off x="0" y="0"/>
-          <a:ext cx="0" cy="0"/>
-          <a:chOff x="0" y="0"/>
-          <a:chExt cx="0" cy="0"/>
-        </a:xfrm>
-      </p:grpSpPr>
-      <p:sp>
-        <p:nvSpPr>
-          <p:cNvPr id="2" name="Title 1"/>
-          <p:cNvSpPr>
-            <a:spLocks noGrp="1"/>
-          </p:cNvSpPr>
-          <p:nvPr>
-            <p:ph type="title"/>
-          </p:nvPr>
-        </p:nvSpPr>
-        <p:spPr/>
-        <p:txBody>
-          <a:bodyPr/>
-          <a:lstStyle/>
-          <a:p>
-            <a:r>
-              <a:rPr lang="en-GB" dirty="0"/>
-              <a:t>Reading associated with this lecture</a:t>
-            </a:r>
-          </a:p>
-        </p:txBody>
-      </p:sp>
-      <p:sp>
-        <p:nvSpPr>
-          <p:cNvPr id="3" name="Content Placeholder 2"/>
-          <p:cNvSpPr>
-            <a:spLocks noGrp="1"/>
-          </p:cNvSpPr>
-          <p:nvPr>
-            <p:ph idx="1"/>
-          </p:nvPr>
-        </p:nvSpPr>
-        <p:spPr/>
-        <p:txBody>
-          <a:bodyPr/>
-          <a:lstStyle/>
-          <a:p>
-            <a:pPr marL="0" indent="0">
-              <a:buNone/>
-            </a:pPr>
-            <a:r>
-              <a:rPr lang="en-GB" dirty="0"/>
-              <a:t>Research Methods in Psychology, 4</a:t>
-            </a:r>
-            <a:r>
-              <a:rPr lang="en-GB" baseline="30000" dirty="0"/>
-              <a:t>th</a:t>
-            </a:r>
-            <a:r>
-              <a:rPr lang="en-GB" dirty="0"/>
-              <a:t> Edition</a:t>
-            </a:r>
-          </a:p>
-          <a:p>
-            <a:pPr marL="0" indent="0">
-              <a:buNone/>
-            </a:pPr>
-            <a:r>
-              <a:rPr lang="en-GB" u="sng" dirty="0">
-                <a:hlinkClick r:id="rId2"/>
-              </a:rPr>
-              <a:t>https://kpu.pressbooks.pub/psychmethods4e/</a:t>
-            </a:r>
-            <a:endParaRPr lang="en-GB" dirty="0"/>
-          </a:p>
-          <a:p>
-            <a:pPr marL="0" indent="0">
-              <a:buNone/>
-            </a:pPr>
-            <a:endParaRPr lang="en-GB" dirty="0"/>
-          </a:p>
-          <a:p>
-            <a:pPr marL="0" indent="0">
-              <a:buNone/>
-            </a:pPr>
-            <a:r>
-              <a:rPr lang="en-GB" sz="3600" dirty="0">
-                <a:solidFill>
-                  <a:srgbClr val="FF0000"/>
-                </a:solidFill>
-              </a:rPr>
-              <a:t>Chapters 1 and 3</a:t>
-            </a:r>
-          </a:p>
-        </p:txBody>
-      </p:sp>
-    </p:spTree>
-    <p:extLst>
-      <p:ext uri="{BB962C8B-B14F-4D97-AF65-F5344CB8AC3E}">
-        <p14:creationId xmlns:p14="http://schemas.microsoft.com/office/powerpoint/2010/main" val="2390506949"/>
       </p:ext>
     </p:extLst>
   </p:cSld>
@@ -11794,7 +12655,13 @@
       </p:grpSpPr>
       <p:sp>
         <p:nvSpPr>
-          <p:cNvPr id="2" name="Title 1"/>
+          <p:cNvPr id="2" name="Title 1">
+            <a:extLst>
+              <a:ext uri="{FF2B5EF4-FFF2-40B4-BE49-F238E27FC236}">
+                <a16:creationId xmlns:a16="http://schemas.microsoft.com/office/drawing/2014/main" id="{BA7D4BDA-047F-9349-7492-6B8C7C8A1666}"/>
+              </a:ext>
+            </a:extLst>
+          </p:cNvPr>
           <p:cNvSpPr>
             <a:spLocks noGrp="1"/>
           </p:cNvSpPr>
@@ -11808,15 +12675,21 @@
           <a:lstStyle/>
           <a:p>
             <a:r>
-              <a:rPr lang="en-GB" dirty="0"/>
-              <a:t>How do we acquire “knowledge” (and how do we know if it is “true”?)</a:t>
-            </a:r>
-          </a:p>
-        </p:txBody>
-      </p:sp>
-      <p:sp>
-        <p:nvSpPr>
-          <p:cNvPr id="3" name="Content Placeholder 2"/>
+              <a:rPr lang="en-US" dirty="0"/>
+              <a:t>What is science?</a:t>
+            </a:r>
+          </a:p>
+        </p:txBody>
+      </p:sp>
+      <p:sp>
+        <p:nvSpPr>
+          <p:cNvPr id="3" name="Content Placeholder 2">
+            <a:extLst>
+              <a:ext uri="{FF2B5EF4-FFF2-40B4-BE49-F238E27FC236}">
+                <a16:creationId xmlns:a16="http://schemas.microsoft.com/office/drawing/2014/main" id="{080AC45D-2774-6351-D2AA-17C3E0A74E16}"/>
+              </a:ext>
+            </a:extLst>
+          </p:cNvPr>
           <p:cNvSpPr>
             <a:spLocks noGrp="1"/>
           </p:cNvSpPr>
@@ -11826,100 +12699,60 @@
         </p:nvSpPr>
         <p:spPr/>
         <p:txBody>
-          <a:bodyPr>
-            <a:normAutofit/>
-          </a:bodyPr>
-          <a:lstStyle/>
-          <a:p>
-            <a:pPr marL="0" indent="0">
-              <a:buNone/>
-            </a:pPr>
-            <a:r>
-              <a:rPr lang="en-GB" u="sng" dirty="0"/>
-              <a:t>1: Authority</a:t>
-            </a:r>
-          </a:p>
-          <a:p>
-            <a:pPr marL="0" indent="0">
-              <a:buNone/>
-            </a:pPr>
-            <a:endParaRPr lang="en-GB" dirty="0"/>
-          </a:p>
-          <a:p>
-            <a:pPr marL="0" indent="0">
-              <a:buNone/>
-            </a:pPr>
-            <a:r>
-              <a:rPr lang="en-GB" dirty="0"/>
-              <a:t>We rely on accepting “facts” from others – particularly those we trust (including experts).  </a:t>
-            </a:r>
-          </a:p>
-          <a:p>
-            <a:pPr marL="0" indent="0">
-              <a:buNone/>
-            </a:pPr>
-            <a:endParaRPr lang="en-GB" dirty="0"/>
-          </a:p>
-          <a:p>
-            <a:pPr marL="0" indent="0">
-              <a:buNone/>
-            </a:pPr>
-            <a:r>
-              <a:rPr lang="en-GB" dirty="0"/>
-              <a:t>e.g. information from parents, friends,  the media, textbooks, experts…</a:t>
-            </a:r>
-          </a:p>
-          <a:p>
-            <a:pPr marL="0" indent="0">
-              <a:buNone/>
-            </a:pPr>
-            <a:endParaRPr lang="en-GB" dirty="0"/>
-          </a:p>
-          <a:p>
-            <a:pPr marL="0" indent="0">
-              <a:buNone/>
-            </a:pPr>
-            <a:r>
-              <a:rPr lang="en-GB" dirty="0"/>
-              <a:t>But this doesn’t guarantee truth. </a:t>
-            </a:r>
-          </a:p>
-          <a:p>
-            <a:pPr marL="0" indent="0">
-              <a:buNone/>
-            </a:pPr>
-            <a:endParaRPr lang="en-GB" dirty="0"/>
-          </a:p>
-        </p:txBody>
-      </p:sp>
-      <p:pic>
-        <p:nvPicPr>
-          <p:cNvPr id="4" name="Picture 3"/>
-          <p:cNvPicPr>
-            <a:picLocks noChangeAspect="1"/>
-          </p:cNvPicPr>
-          <p:nvPr/>
-        </p:nvPicPr>
-        <p:blipFill>
-          <a:blip r:embed="rId2"/>
-          <a:stretch>
-            <a:fillRect/>
-          </a:stretch>
-        </p:blipFill>
-        <p:spPr>
-          <a:xfrm>
-            <a:off x="9124950" y="5091113"/>
-            <a:ext cx="2857500" cy="1600200"/>
-          </a:xfrm>
-          <a:prstGeom prst="rect">
-            <a:avLst/>
-          </a:prstGeom>
-        </p:spPr>
-      </p:pic>
+          <a:bodyPr/>
+          <a:lstStyle/>
+          <a:p>
+            <a:r>
+              <a:rPr lang="en-US" dirty="0"/>
+              <a:t>What words come to mind  to describe science?</a:t>
+            </a:r>
+          </a:p>
+          <a:p>
+            <a:pPr marL="0" indent="0">
+              <a:buNone/>
+            </a:pPr>
+            <a:endParaRPr lang="en-US" dirty="0"/>
+          </a:p>
+          <a:p>
+            <a:r>
+              <a:rPr lang="en-US" dirty="0"/>
+              <a:t>How scientific are these subjects?</a:t>
+            </a:r>
+          </a:p>
+          <a:p>
+            <a:pPr lvl="1"/>
+            <a:r>
+              <a:rPr lang="en-US" dirty="0"/>
+              <a:t>Physics</a:t>
+            </a:r>
+          </a:p>
+          <a:p>
+            <a:pPr lvl="1"/>
+            <a:r>
+              <a:rPr lang="en-US" dirty="0"/>
+              <a:t>Geography</a:t>
+            </a:r>
+          </a:p>
+          <a:p>
+            <a:pPr lvl="1"/>
+            <a:r>
+              <a:rPr lang="en-US" dirty="0"/>
+              <a:t>Psychology</a:t>
+            </a:r>
+          </a:p>
+          <a:p>
+            <a:pPr lvl="1"/>
+            <a:r>
+              <a:rPr lang="en-US" dirty="0"/>
+              <a:t>Music</a:t>
+            </a:r>
+          </a:p>
+        </p:txBody>
+      </p:sp>
     </p:spTree>
     <p:extLst>
       <p:ext uri="{BB962C8B-B14F-4D97-AF65-F5344CB8AC3E}">
-        <p14:creationId xmlns:p14="http://schemas.microsoft.com/office/powerpoint/2010/main" val="2073053933"/>
+        <p14:creationId xmlns:p14="http://schemas.microsoft.com/office/powerpoint/2010/main" val="1055623989"/>
       </p:ext>
     </p:extLst>
   </p:cSld>
@@ -11963,7 +12796,7 @@
           <a:p>
             <a:r>
               <a:rPr lang="en-GB" dirty="0"/>
-              <a:t>How do we acquire “knowledge” (and how do we know if it is true?)</a:t>
+              <a:t>How do we acquire “knowledge” (and how do we know if it is “true”?)</a:t>
             </a:r>
           </a:p>
         </p:txBody>
@@ -11990,7 +12823,7 @@
             </a:pPr>
             <a:r>
               <a:rPr lang="en-GB" u="sng" dirty="0"/>
-              <a:t>2: Logic / Reasoning</a:t>
+              <a:t>1: Authority</a:t>
             </a:r>
           </a:p>
           <a:p>
@@ -12005,46 +12838,7 @@
             </a:pPr>
             <a:r>
               <a:rPr lang="en-GB" dirty="0"/>
-              <a:t>Formal logic and reasoning can lead to conclusions that are valid, </a:t>
-            </a:r>
-          </a:p>
-          <a:p>
-            <a:pPr marL="0" indent="0">
-              <a:buNone/>
-            </a:pPr>
-            <a:endParaRPr lang="en-GB" i="1" dirty="0"/>
-          </a:p>
-          <a:p>
-            <a:pPr marL="514350" indent="-514350">
-              <a:buAutoNum type="arabicParenR"/>
-            </a:pPr>
-            <a:r>
-              <a:rPr lang="en-GB" i="1" dirty="0"/>
-              <a:t>if the premises are true, and </a:t>
-            </a:r>
-          </a:p>
-          <a:p>
-            <a:pPr marL="514350" indent="-514350">
-              <a:buAutoNum type="arabicParenR"/>
-            </a:pPr>
-            <a:r>
-              <a:rPr lang="en-GB" i="1" dirty="0"/>
-              <a:t>if the logical rules are applied appropriately.  </a:t>
-            </a:r>
-          </a:p>
-          <a:p>
-            <a:pPr marL="0" indent="0">
-              <a:buNone/>
-            </a:pPr>
-            <a:endParaRPr lang="en-GB" i="1" dirty="0"/>
-          </a:p>
-          <a:p>
-            <a:pPr marL="0" indent="0">
-              <a:buNone/>
-            </a:pPr>
-            <a:r>
-              <a:rPr lang="en-GB" dirty="0"/>
-              <a:t>However, humans often make reasoning errors. </a:t>
+              <a:t>We rely on accepting “facts” from others – particularly those we trust (including experts).  </a:t>
             </a:r>
           </a:p>
           <a:p>
@@ -12052,6 +12846,30 @@
               <a:buNone/>
             </a:pPr>
             <a:endParaRPr lang="en-GB" dirty="0"/>
+          </a:p>
+          <a:p>
+            <a:pPr marL="0" indent="0">
+              <a:buNone/>
+            </a:pPr>
+            <a:r>
+              <a:rPr lang="en-GB" dirty="0"/>
+              <a:t>e.g. information from parents, friends,  the media, textbooks, experts…</a:t>
+            </a:r>
+          </a:p>
+          <a:p>
+            <a:pPr marL="0" indent="0">
+              <a:buNone/>
+            </a:pPr>
+            <a:endParaRPr lang="en-GB" dirty="0"/>
+          </a:p>
+          <a:p>
+            <a:pPr marL="0" indent="0">
+              <a:buNone/>
+            </a:pPr>
+            <a:r>
+              <a:rPr lang="en-GB" dirty="0"/>
+              <a:t>But this doesn’t guarantee truth. </a:t>
+            </a:r>
           </a:p>
           <a:p>
             <a:pPr marL="0" indent="0">
@@ -12064,7 +12882,7 @@
     </p:spTree>
     <p:extLst>
       <p:ext uri="{BB962C8B-B14F-4D97-AF65-F5344CB8AC3E}">
-        <p14:creationId xmlns:p14="http://schemas.microsoft.com/office/powerpoint/2010/main" val="1474296152"/>
+        <p14:creationId xmlns:p14="http://schemas.microsoft.com/office/powerpoint/2010/main" val="2073053933"/>
       </p:ext>
     </p:extLst>
   </p:cSld>
@@ -12108,7 +12926,7 @@
           <a:p>
             <a:r>
               <a:rPr lang="en-GB" dirty="0"/>
-              <a:t>Formal logic</a:t>
+              <a:t>How do we acquire “knowledge” (and how do we know if it is true?)</a:t>
             </a:r>
           </a:p>
         </p:txBody>
@@ -12125,24 +12943,17 @@
         </p:nvSpPr>
         <p:spPr/>
         <p:txBody>
-          <a:bodyPr/>
-          <a:lstStyle/>
-          <a:p>
-            <a:pPr marL="0" indent="0">
-              <a:buNone/>
-            </a:pPr>
-            <a:r>
-              <a:rPr lang="en-GB" dirty="0"/>
-              <a:t>If a person is a heavy drinker they will damage their liver</a:t>
-            </a:r>
-          </a:p>
-          <a:p>
-            <a:pPr marL="0" indent="0">
-              <a:buNone/>
-            </a:pPr>
-            <a:r>
-              <a:rPr lang="en-GB" dirty="0"/>
-              <a:t>This person has liver damage</a:t>
+          <a:bodyPr>
+            <a:normAutofit/>
+          </a:bodyPr>
+          <a:lstStyle/>
+          <a:p>
+            <a:pPr marL="0" indent="0">
+              <a:buNone/>
+            </a:pPr>
+            <a:r>
+              <a:rPr lang="en-GB" u="sng" dirty="0"/>
+              <a:t>2: Logic / Reasoning</a:t>
             </a:r>
           </a:p>
           <a:p>
@@ -12157,15 +12968,66 @@
             </a:pPr>
             <a:r>
               <a:rPr lang="en-GB" dirty="0"/>
-              <a:t>Therefore this person is a heavy drinker?  TRUE / FALSE</a:t>
-            </a:r>
+              <a:t>Formal logic and reasoning can lead to conclusions that are valid, </a:t>
+            </a:r>
+          </a:p>
+          <a:p>
+            <a:pPr marL="0" indent="0">
+              <a:buNone/>
+            </a:pPr>
+            <a:endParaRPr lang="en-GB" i="1" dirty="0"/>
+          </a:p>
+          <a:p>
+            <a:pPr marL="514350" indent="-514350">
+              <a:buAutoNum type="arabicParenR"/>
+            </a:pPr>
+            <a:r>
+              <a:rPr lang="en-GB" i="1" dirty="0"/>
+              <a:t>if the premises are true, and </a:t>
+            </a:r>
+          </a:p>
+          <a:p>
+            <a:pPr marL="514350" indent="-514350">
+              <a:buAutoNum type="arabicParenR"/>
+            </a:pPr>
+            <a:r>
+              <a:rPr lang="en-GB" i="1" dirty="0"/>
+              <a:t>if the logical rules are applied appropriately.  </a:t>
+            </a:r>
+          </a:p>
+          <a:p>
+            <a:pPr marL="0" indent="0">
+              <a:buNone/>
+            </a:pPr>
+            <a:endParaRPr lang="en-GB" i="1" dirty="0"/>
+          </a:p>
+          <a:p>
+            <a:pPr marL="0" indent="0">
+              <a:buNone/>
+            </a:pPr>
+            <a:r>
+              <a:rPr lang="en-GB" dirty="0"/>
+              <a:t>However, humans often make reasoning errors. </a:t>
+            </a:r>
+          </a:p>
+          <a:p>
+            <a:pPr marL="0" indent="0">
+              <a:buNone/>
+            </a:pPr>
+            <a:endParaRPr lang="en-GB" dirty="0"/>
+          </a:p>
+          <a:p>
+            <a:pPr marL="0" indent="0">
+              <a:buNone/>
+            </a:pPr>
+            <a:endParaRPr lang="en-GB" dirty="0"/>
           </a:p>
         </p:txBody>
       </p:sp>
     </p:spTree>
     <p:extLst>
       <p:ext uri="{BB962C8B-B14F-4D97-AF65-F5344CB8AC3E}">
-        <p14:creationId xmlns:p14="http://schemas.microsoft.com/office/powerpoint/2010/main" val="2172674965"/>
+        <p14:creationId xmlns:p14="http://schemas.microsoft.com/office/powerpoint/2010/main" val="1474296152"/>
       </p:ext>
     </p:extLst>
   </p:cSld>
@@ -12258,38 +13120,7 @@
             </a:pPr>
             <a:r>
               <a:rPr lang="en-GB" dirty="0"/>
-              <a:t>Therefore this person is a heavy drinker?  TRUE / </a:t>
-            </a:r>
-            <a:r>
-              <a:rPr lang="en-GB" dirty="0">
-                <a:solidFill>
-                  <a:srgbClr val="C00000"/>
-                </a:solidFill>
-              </a:rPr>
-              <a:t>FALSE</a:t>
-            </a:r>
-          </a:p>
-          <a:p>
-            <a:pPr marL="0" indent="0">
-              <a:buNone/>
-            </a:pPr>
-            <a:endParaRPr lang="en-GB" dirty="0">
-              <a:solidFill>
-                <a:srgbClr val="C00000"/>
-              </a:solidFill>
-            </a:endParaRPr>
-          </a:p>
-          <a:p>
-            <a:pPr marL="0" indent="0">
-              <a:buNone/>
-            </a:pPr>
-            <a:r>
-              <a:rPr lang="en-GB" dirty="0">
-                <a:solidFill>
-                  <a:srgbClr val="C00000"/>
-                </a:solidFill>
-              </a:rPr>
-              <a:t>This does not logically follow: there are other causes of liver disease. </a:t>
+              <a:t>Therefore this person is a heavy drinker?  TRUE / FALSE</a:t>
             </a:r>
           </a:p>
         </p:txBody>
@@ -12297,7 +13128,7 @@
     </p:spTree>
     <p:extLst>
       <p:ext uri="{BB962C8B-B14F-4D97-AF65-F5344CB8AC3E}">
-        <p14:creationId xmlns:p14="http://schemas.microsoft.com/office/powerpoint/2010/main" val="1191437962"/>
+        <p14:creationId xmlns:p14="http://schemas.microsoft.com/office/powerpoint/2010/main" val="2172674965"/>
       </p:ext>
     </p:extLst>
   </p:cSld>
